--- a/trunk/docs/logo/EJML_logo.pptx
+++ b/trunk/docs/logo/EJML_logo.pptx
@@ -289,7 +289,8 @@
           <a:p>
             <a:fld id="{4CC98F02-A3D9-41C3-A452-47E649849D9C}" type="datetimeFigureOut">
               <a:rPr lang="en-US" smtClean="0"/>
-              <a:t>7/8/2010</a:t>
+              <a:pPr/>
+              <a:t>7/15/2010</a:t>
             </a:fld>
             <a:endParaRPr lang="en-US"/>
           </a:p>
@@ -331,6 +332,7 @@
           <a:p>
             <a:fld id="{E76BD46F-515B-4129-8B2F-F19ACCE358B7}" type="slidenum">
               <a:rPr lang="en-US" smtClean="0"/>
+              <a:pPr/>
               <a:t>‹#›</a:t>
             </a:fld>
             <a:endParaRPr lang="en-US"/>
@@ -454,7 +456,8 @@
           <a:p>
             <a:fld id="{4CC98F02-A3D9-41C3-A452-47E649849D9C}" type="datetimeFigureOut">
               <a:rPr lang="en-US" smtClean="0"/>
-              <a:t>7/8/2010</a:t>
+              <a:pPr/>
+              <a:t>7/15/2010</a:t>
             </a:fld>
             <a:endParaRPr lang="en-US"/>
           </a:p>
@@ -496,6 +499,7 @@
           <a:p>
             <a:fld id="{E76BD46F-515B-4129-8B2F-F19ACCE358B7}" type="slidenum">
               <a:rPr lang="en-US" smtClean="0"/>
+              <a:pPr/>
               <a:t>‹#›</a:t>
             </a:fld>
             <a:endParaRPr lang="en-US"/>
@@ -629,7 +633,8 @@
           <a:p>
             <a:fld id="{4CC98F02-A3D9-41C3-A452-47E649849D9C}" type="datetimeFigureOut">
               <a:rPr lang="en-US" smtClean="0"/>
-              <a:t>7/8/2010</a:t>
+              <a:pPr/>
+              <a:t>7/15/2010</a:t>
             </a:fld>
             <a:endParaRPr lang="en-US"/>
           </a:p>
@@ -671,6 +676,7 @@
           <a:p>
             <a:fld id="{E76BD46F-515B-4129-8B2F-F19ACCE358B7}" type="slidenum">
               <a:rPr lang="en-US" smtClean="0"/>
+              <a:pPr/>
               <a:t>‹#›</a:t>
             </a:fld>
             <a:endParaRPr lang="en-US"/>
@@ -794,7 +800,8 @@
           <a:p>
             <a:fld id="{4CC98F02-A3D9-41C3-A452-47E649849D9C}" type="datetimeFigureOut">
               <a:rPr lang="en-US" smtClean="0"/>
-              <a:t>7/8/2010</a:t>
+              <a:pPr/>
+              <a:t>7/15/2010</a:t>
             </a:fld>
             <a:endParaRPr lang="en-US"/>
           </a:p>
@@ -836,6 +843,7 @@
           <a:p>
             <a:fld id="{E76BD46F-515B-4129-8B2F-F19ACCE358B7}" type="slidenum">
               <a:rPr lang="en-US" smtClean="0"/>
+              <a:pPr/>
               <a:t>‹#›</a:t>
             </a:fld>
             <a:endParaRPr lang="en-US"/>
@@ -1035,7 +1043,8 @@
           <a:p>
             <a:fld id="{4CC98F02-A3D9-41C3-A452-47E649849D9C}" type="datetimeFigureOut">
               <a:rPr lang="en-US" smtClean="0"/>
-              <a:t>7/8/2010</a:t>
+              <a:pPr/>
+              <a:t>7/15/2010</a:t>
             </a:fld>
             <a:endParaRPr lang="en-US"/>
           </a:p>
@@ -1077,6 +1086,7 @@
           <a:p>
             <a:fld id="{E76BD46F-515B-4129-8B2F-F19ACCE358B7}" type="slidenum">
               <a:rPr lang="en-US" smtClean="0"/>
+              <a:pPr/>
               <a:t>‹#›</a:t>
             </a:fld>
             <a:endParaRPr lang="en-US"/>
@@ -1318,7 +1328,8 @@
           <a:p>
             <a:fld id="{4CC98F02-A3D9-41C3-A452-47E649849D9C}" type="datetimeFigureOut">
               <a:rPr lang="en-US" smtClean="0"/>
-              <a:t>7/8/2010</a:t>
+              <a:pPr/>
+              <a:t>7/15/2010</a:t>
             </a:fld>
             <a:endParaRPr lang="en-US"/>
           </a:p>
@@ -1360,6 +1371,7 @@
           <a:p>
             <a:fld id="{E76BD46F-515B-4129-8B2F-F19ACCE358B7}" type="slidenum">
               <a:rPr lang="en-US" smtClean="0"/>
+              <a:pPr/>
               <a:t>‹#›</a:t>
             </a:fld>
             <a:endParaRPr lang="en-US"/>
@@ -1735,7 +1747,8 @@
           <a:p>
             <a:fld id="{4CC98F02-A3D9-41C3-A452-47E649849D9C}" type="datetimeFigureOut">
               <a:rPr lang="en-US" smtClean="0"/>
-              <a:t>7/8/2010</a:t>
+              <a:pPr/>
+              <a:t>7/15/2010</a:t>
             </a:fld>
             <a:endParaRPr lang="en-US"/>
           </a:p>
@@ -1777,6 +1790,7 @@
           <a:p>
             <a:fld id="{E76BD46F-515B-4129-8B2F-F19ACCE358B7}" type="slidenum">
               <a:rPr lang="en-US" smtClean="0"/>
+              <a:pPr/>
               <a:t>‹#›</a:t>
             </a:fld>
             <a:endParaRPr lang="en-US"/>
@@ -1848,7 +1862,8 @@
           <a:p>
             <a:fld id="{4CC98F02-A3D9-41C3-A452-47E649849D9C}" type="datetimeFigureOut">
               <a:rPr lang="en-US" smtClean="0"/>
-              <a:t>7/8/2010</a:t>
+              <a:pPr/>
+              <a:t>7/15/2010</a:t>
             </a:fld>
             <a:endParaRPr lang="en-US"/>
           </a:p>
@@ -1890,6 +1905,7 @@
           <a:p>
             <a:fld id="{E76BD46F-515B-4129-8B2F-F19ACCE358B7}" type="slidenum">
               <a:rPr lang="en-US" smtClean="0"/>
+              <a:pPr/>
               <a:t>‹#›</a:t>
             </a:fld>
             <a:endParaRPr lang="en-US"/>
@@ -1938,7 +1954,8 @@
           <a:p>
             <a:fld id="{4CC98F02-A3D9-41C3-A452-47E649849D9C}" type="datetimeFigureOut">
               <a:rPr lang="en-US" smtClean="0"/>
-              <a:t>7/8/2010</a:t>
+              <a:pPr/>
+              <a:t>7/15/2010</a:t>
             </a:fld>
             <a:endParaRPr lang="en-US"/>
           </a:p>
@@ -1980,6 +1997,7 @@
           <a:p>
             <a:fld id="{E76BD46F-515B-4129-8B2F-F19ACCE358B7}" type="slidenum">
               <a:rPr lang="en-US" smtClean="0"/>
+              <a:pPr/>
               <a:t>‹#›</a:t>
             </a:fld>
             <a:endParaRPr lang="en-US"/>
@@ -2210,7 +2228,8 @@
           <a:p>
             <a:fld id="{4CC98F02-A3D9-41C3-A452-47E649849D9C}" type="datetimeFigureOut">
               <a:rPr lang="en-US" smtClean="0"/>
-              <a:t>7/8/2010</a:t>
+              <a:pPr/>
+              <a:t>7/15/2010</a:t>
             </a:fld>
             <a:endParaRPr lang="en-US"/>
           </a:p>
@@ -2252,6 +2271,7 @@
           <a:p>
             <a:fld id="{E76BD46F-515B-4129-8B2F-F19ACCE358B7}" type="slidenum">
               <a:rPr lang="en-US" smtClean="0"/>
+              <a:pPr/>
               <a:t>‹#›</a:t>
             </a:fld>
             <a:endParaRPr lang="en-US"/>
@@ -2458,7 +2478,8 @@
           <a:p>
             <a:fld id="{4CC98F02-A3D9-41C3-A452-47E649849D9C}" type="datetimeFigureOut">
               <a:rPr lang="en-US" smtClean="0"/>
-              <a:t>7/8/2010</a:t>
+              <a:pPr/>
+              <a:t>7/15/2010</a:t>
             </a:fld>
             <a:endParaRPr lang="en-US"/>
           </a:p>
@@ -2500,6 +2521,7 @@
           <a:p>
             <a:fld id="{E76BD46F-515B-4129-8B2F-F19ACCE358B7}" type="slidenum">
               <a:rPr lang="en-US" smtClean="0"/>
+              <a:pPr/>
               <a:t>‹#›</a:t>
             </a:fld>
             <a:endParaRPr lang="en-US"/>
@@ -2666,7 +2688,8 @@
           <a:p>
             <a:fld id="{4CC98F02-A3D9-41C3-A452-47E649849D9C}" type="datetimeFigureOut">
               <a:rPr lang="en-US" smtClean="0"/>
-              <a:t>7/8/2010</a:t>
+              <a:pPr/>
+              <a:t>7/15/2010</a:t>
             </a:fld>
             <a:endParaRPr lang="en-US"/>
           </a:p>
@@ -2744,6 +2767,7 @@
           <a:p>
             <a:fld id="{E76BD46F-515B-4129-8B2F-F19ACCE358B7}" type="slidenum">
               <a:rPr lang="en-US" smtClean="0"/>
+              <a:pPr/>
               <a:t>‹#›</a:t>
             </a:fld>
             <a:endParaRPr lang="en-US"/>
@@ -3321,10 +3345,7 @@
               <a:avLst/>
             </a:prstGeom>
             <a:solidFill>
-              <a:schemeClr val="tx2">
-                <a:lumMod val="60000"/>
-                <a:lumOff val="40000"/>
-              </a:schemeClr>
+              <a:schemeClr val="bg1"/>
             </a:solidFill>
             <a:ln>
               <a:solidFill>
@@ -3630,10 +3651,7 @@
               <a:avLst/>
             </a:prstGeom>
             <a:solidFill>
-              <a:schemeClr val="tx2">
-                <a:lumMod val="40000"/>
-                <a:lumOff val="60000"/>
-              </a:schemeClr>
+              <a:schemeClr val="bg1"/>
             </a:solidFill>
             <a:ln>
               <a:solidFill>
@@ -4354,7 +4372,7 @@
         </p:nvGrpSpPr>
         <p:grpSpPr>
           <a:xfrm>
-            <a:off x="3444240" y="2164080"/>
+            <a:off x="3444240" y="1962912"/>
             <a:ext cx="1219200" cy="2209800"/>
             <a:chOff x="4953000" y="1981200"/>
             <a:chExt cx="1219200" cy="2209800"/>
@@ -4560,15 +4578,49 @@
           <a:chExt cx="0" cy="0"/>
         </a:xfrm>
       </p:grpSpPr>
+      <p:sp>
+        <p:nvSpPr>
+          <p:cNvPr id="36" name="TextBox 35"/>
+          <p:cNvSpPr txBox="1"/>
+          <p:nvPr/>
+        </p:nvSpPr>
+        <p:spPr>
+          <a:xfrm>
+            <a:off x="1655125" y="1917063"/>
+            <a:ext cx="4531109" cy="2215991"/>
+          </a:xfrm>
+          <a:prstGeom prst="rect">
+            <a:avLst/>
+          </a:prstGeom>
+          <a:noFill/>
+        </p:spPr>
+        <p:txBody>
+          <a:bodyPr wrap="square" rtlCol="0">
+            <a:spAutoFit/>
+          </a:bodyPr>
+          <a:lstStyle/>
+          <a:p>
+            <a:r>
+              <a:rPr lang="en-US" sz="13800" dirty="0" smtClean="0">
+                <a:latin typeface="Berlin Sans FB Demi" pitchFamily="34" charset="0"/>
+              </a:rPr>
+              <a:t>EJML</a:t>
+            </a:r>
+            <a:endParaRPr lang="en-US" sz="13800" dirty="0">
+              <a:latin typeface="Berlin Sans FB Demi" pitchFamily="34" charset="0"/>
+            </a:endParaRPr>
+          </a:p>
+        </p:txBody>
+      </p:sp>
       <p:grpSp>
         <p:nvGrpSpPr>
-          <p:cNvPr id="4" name="Group 3"/>
+          <p:cNvPr id="37" name="Group 36"/>
           <p:cNvGrpSpPr/>
           <p:nvPr/>
         </p:nvGrpSpPr>
         <p:grpSpPr>
           <a:xfrm>
-            <a:off x="5913120" y="2511552"/>
+            <a:off x="5858256" y="2529840"/>
             <a:ext cx="1143000" cy="1143000"/>
             <a:chOff x="2895600" y="2438400"/>
             <a:chExt cx="1143000" cy="1143000"/>
@@ -4576,7 +4628,7 @@
         </p:grpSpPr>
         <p:sp>
           <p:nvSpPr>
-            <p:cNvPr id="5" name="Rectangle 4"/>
+            <p:cNvPr id="38" name="Rectangle 37"/>
             <p:cNvSpPr/>
             <p:nvPr/>
           </p:nvSpPr>
@@ -4629,7 +4681,7 @@
         </p:sp>
         <p:sp>
           <p:nvSpPr>
-            <p:cNvPr id="6" name="Rectangle 5"/>
+            <p:cNvPr id="39" name="Rectangle 38"/>
             <p:cNvSpPr/>
             <p:nvPr/>
           </p:nvSpPr>
@@ -4682,7 +4734,7 @@
         </p:sp>
         <p:sp>
           <p:nvSpPr>
-            <p:cNvPr id="7" name="Rectangle 6"/>
+            <p:cNvPr id="40" name="Rectangle 39"/>
             <p:cNvSpPr/>
             <p:nvPr/>
           </p:nvSpPr>
@@ -4732,7 +4784,7 @@
         </p:sp>
         <p:sp>
           <p:nvSpPr>
-            <p:cNvPr id="8" name="Rectangle 7"/>
+            <p:cNvPr id="41" name="Rectangle 40"/>
             <p:cNvSpPr/>
             <p:nvPr/>
           </p:nvSpPr>
@@ -4782,7 +4834,7 @@
         </p:sp>
         <p:sp>
           <p:nvSpPr>
-            <p:cNvPr id="9" name="Rectangle 8"/>
+            <p:cNvPr id="42" name="Rectangle 41"/>
             <p:cNvSpPr/>
             <p:nvPr/>
           </p:nvSpPr>
@@ -4832,7 +4884,7 @@
         </p:sp>
         <p:sp>
           <p:nvSpPr>
-            <p:cNvPr id="10" name="Rectangle 9"/>
+            <p:cNvPr id="43" name="Rectangle 42"/>
             <p:cNvSpPr/>
             <p:nvPr/>
           </p:nvSpPr>
@@ -4845,10 +4897,7 @@
               <a:avLst/>
             </a:prstGeom>
             <a:solidFill>
-              <a:schemeClr val="tx2">
-                <a:lumMod val="60000"/>
-                <a:lumOff val="40000"/>
-              </a:schemeClr>
+              <a:schemeClr val="bg1"/>
             </a:solidFill>
             <a:ln>
               <a:solidFill>
@@ -4885,7 +4934,7 @@
         </p:sp>
         <p:sp>
           <p:nvSpPr>
-            <p:cNvPr id="11" name="Rectangle 10"/>
+            <p:cNvPr id="44" name="Rectangle 43"/>
             <p:cNvSpPr/>
             <p:nvPr/>
           </p:nvSpPr>
@@ -4938,7 +4987,7 @@
         </p:sp>
         <p:sp>
           <p:nvSpPr>
-            <p:cNvPr id="12" name="Rectangle 11"/>
+            <p:cNvPr id="45" name="Rectangle 44"/>
             <p:cNvSpPr/>
             <p:nvPr/>
           </p:nvSpPr>
@@ -4991,7 +5040,7 @@
         </p:sp>
         <p:sp>
           <p:nvSpPr>
-            <p:cNvPr id="13" name="Rectangle 12"/>
+            <p:cNvPr id="46" name="Rectangle 45"/>
             <p:cNvSpPr/>
             <p:nvPr/>
           </p:nvSpPr>
@@ -5041,7 +5090,7 @@
         </p:sp>
         <p:sp>
           <p:nvSpPr>
-            <p:cNvPr id="14" name="Rectangle 13"/>
+            <p:cNvPr id="47" name="Rectangle 46"/>
             <p:cNvSpPr/>
             <p:nvPr/>
           </p:nvSpPr>
@@ -5091,7 +5140,7 @@
         </p:sp>
         <p:sp>
           <p:nvSpPr>
-            <p:cNvPr id="15" name="Rectangle 14"/>
+            <p:cNvPr id="48" name="Rectangle 47"/>
             <p:cNvSpPr/>
             <p:nvPr/>
           </p:nvSpPr>
@@ -5141,7 +5190,7 @@
         </p:sp>
         <p:sp>
           <p:nvSpPr>
-            <p:cNvPr id="16" name="Rectangle 15"/>
+            <p:cNvPr id="49" name="Rectangle 48"/>
             <p:cNvSpPr/>
             <p:nvPr/>
           </p:nvSpPr>
@@ -5154,10 +5203,7 @@
               <a:avLst/>
             </a:prstGeom>
             <a:solidFill>
-              <a:schemeClr val="tx2">
-                <a:lumMod val="40000"/>
-                <a:lumOff val="60000"/>
-              </a:schemeClr>
+              <a:schemeClr val="bg1"/>
             </a:solidFill>
             <a:ln>
               <a:solidFill>
@@ -5194,7 +5240,7 @@
         </p:sp>
         <p:sp>
           <p:nvSpPr>
-            <p:cNvPr id="17" name="Rectangle 16"/>
+            <p:cNvPr id="50" name="Rectangle 49"/>
             <p:cNvSpPr/>
             <p:nvPr/>
           </p:nvSpPr>
@@ -5247,7 +5293,7 @@
         </p:sp>
         <p:sp>
           <p:nvSpPr>
-            <p:cNvPr id="18" name="Rectangle 17"/>
+            <p:cNvPr id="51" name="Rectangle 50"/>
             <p:cNvSpPr/>
             <p:nvPr/>
           </p:nvSpPr>
@@ -5300,7 +5346,7 @@
         </p:sp>
         <p:sp>
           <p:nvSpPr>
-            <p:cNvPr id="19" name="Rectangle 18"/>
+            <p:cNvPr id="52" name="Rectangle 51"/>
             <p:cNvSpPr/>
             <p:nvPr/>
           </p:nvSpPr>
@@ -5353,7 +5399,7 @@
         </p:sp>
         <p:sp>
           <p:nvSpPr>
-            <p:cNvPr id="20" name="Rectangle 19"/>
+            <p:cNvPr id="53" name="Rectangle 52"/>
             <p:cNvSpPr/>
             <p:nvPr/>
           </p:nvSpPr>
@@ -5403,7 +5449,7 @@
         </p:sp>
         <p:sp>
           <p:nvSpPr>
-            <p:cNvPr id="21" name="Rectangle 20"/>
+            <p:cNvPr id="54" name="Rectangle 53"/>
             <p:cNvSpPr/>
             <p:nvPr/>
           </p:nvSpPr>
@@ -5453,7 +5499,7 @@
         </p:sp>
         <p:sp>
           <p:nvSpPr>
-            <p:cNvPr id="22" name="Rectangle 21"/>
+            <p:cNvPr id="55" name="Rectangle 54"/>
             <p:cNvSpPr/>
             <p:nvPr/>
           </p:nvSpPr>
@@ -5506,7 +5552,7 @@
         </p:sp>
         <p:sp>
           <p:nvSpPr>
-            <p:cNvPr id="23" name="Rectangle 22"/>
+            <p:cNvPr id="56" name="Rectangle 55"/>
             <p:cNvSpPr/>
             <p:nvPr/>
           </p:nvSpPr>
@@ -5559,7 +5605,7 @@
         </p:sp>
         <p:sp>
           <p:nvSpPr>
-            <p:cNvPr id="24" name="Rectangle 23"/>
+            <p:cNvPr id="57" name="Rectangle 56"/>
             <p:cNvSpPr/>
             <p:nvPr/>
           </p:nvSpPr>
@@ -5612,7 +5658,7 @@
         </p:sp>
         <p:sp>
           <p:nvSpPr>
-            <p:cNvPr id="25" name="Rectangle 24"/>
+            <p:cNvPr id="58" name="Rectangle 57"/>
             <p:cNvSpPr/>
             <p:nvPr/>
           </p:nvSpPr>
@@ -5662,7 +5708,7 @@
         </p:sp>
         <p:sp>
           <p:nvSpPr>
-            <p:cNvPr id="26" name="Rectangle 25"/>
+            <p:cNvPr id="59" name="Rectangle 58"/>
             <p:cNvSpPr/>
             <p:nvPr/>
           </p:nvSpPr>
@@ -5712,7 +5758,7 @@
         </p:sp>
         <p:sp>
           <p:nvSpPr>
-            <p:cNvPr id="27" name="Rectangle 26"/>
+            <p:cNvPr id="60" name="Rectangle 59"/>
             <p:cNvSpPr/>
             <p:nvPr/>
           </p:nvSpPr>
@@ -5765,7 +5811,7 @@
         </p:sp>
         <p:sp>
           <p:nvSpPr>
-            <p:cNvPr id="28" name="Rectangle 27"/>
+            <p:cNvPr id="61" name="Rectangle 60"/>
             <p:cNvSpPr/>
             <p:nvPr/>
           </p:nvSpPr>
@@ -5818,7 +5864,7 @@
         </p:sp>
         <p:sp>
           <p:nvSpPr>
-            <p:cNvPr id="29" name="Rectangle 28"/>
+            <p:cNvPr id="62" name="Rectangle 61"/>
             <p:cNvSpPr/>
             <p:nvPr/>
           </p:nvSpPr>
@@ -5872,13 +5918,13 @@
       </p:grpSp>
       <p:grpSp>
         <p:nvGrpSpPr>
-          <p:cNvPr id="30" name="Group 29"/>
+          <p:cNvPr id="63" name="Group 62"/>
           <p:cNvGrpSpPr/>
           <p:nvPr/>
         </p:nvGrpSpPr>
         <p:grpSpPr>
           <a:xfrm>
-            <a:off x="6461760" y="2237232"/>
+            <a:off x="6406896" y="2054352"/>
             <a:ext cx="1219200" cy="2209800"/>
             <a:chOff x="4953000" y="1981200"/>
             <a:chExt cx="1219200" cy="2209800"/>
@@ -5886,7 +5932,7 @@
         </p:grpSpPr>
         <p:cxnSp>
           <p:nvCxnSpPr>
-            <p:cNvPr id="31" name="Straight Arrow Connector 30"/>
+            <p:cNvPr id="64" name="Straight Arrow Connector 63"/>
             <p:cNvCxnSpPr/>
             <p:nvPr/>
           </p:nvCxnSpPr>
@@ -5922,7 +5968,7 @@
         </p:cxnSp>
         <p:cxnSp>
           <p:nvCxnSpPr>
-            <p:cNvPr id="32" name="Straight Arrow Connector 31"/>
+            <p:cNvPr id="65" name="Straight Arrow Connector 64"/>
             <p:cNvCxnSpPr/>
             <p:nvPr/>
           </p:nvCxnSpPr>
@@ -5958,7 +6004,7 @@
         </p:cxnSp>
         <p:cxnSp>
           <p:nvCxnSpPr>
-            <p:cNvPr id="33" name="Straight Arrow Connector 32"/>
+            <p:cNvPr id="66" name="Straight Arrow Connector 65"/>
             <p:cNvCxnSpPr/>
             <p:nvPr/>
           </p:nvCxnSpPr>
@@ -5994,7 +6040,7 @@
         </p:cxnSp>
         <p:sp>
           <p:nvSpPr>
-            <p:cNvPr id="34" name="TextBox 33"/>
+            <p:cNvPr id="67" name="TextBox 66"/>
             <p:cNvSpPr txBox="1"/>
             <p:nvPr/>
           </p:nvSpPr>
@@ -6027,7 +6073,7 @@
         </p:sp>
         <p:sp>
           <p:nvSpPr>
-            <p:cNvPr id="35" name="TextBox 34"/>
+            <p:cNvPr id="68" name="TextBox 67"/>
             <p:cNvSpPr txBox="1"/>
             <p:nvPr/>
           </p:nvSpPr>
@@ -6059,40 +6105,6 @@
           </p:txBody>
         </p:sp>
       </p:grpSp>
-      <p:sp>
-        <p:nvSpPr>
-          <p:cNvPr id="36" name="TextBox 35"/>
-          <p:cNvSpPr txBox="1"/>
-          <p:nvPr/>
-        </p:nvSpPr>
-        <p:spPr>
-          <a:xfrm>
-            <a:off x="1655125" y="1917063"/>
-            <a:ext cx="4531109" cy="2215991"/>
-          </a:xfrm>
-          <a:prstGeom prst="rect">
-            <a:avLst/>
-          </a:prstGeom>
-          <a:noFill/>
-        </p:spPr>
-        <p:txBody>
-          <a:bodyPr wrap="square" rtlCol="0">
-            <a:spAutoFit/>
-          </a:bodyPr>
-          <a:lstStyle/>
-          <a:p>
-            <a:r>
-              <a:rPr lang="en-US" sz="13800" dirty="0" smtClean="0">
-                <a:latin typeface="Berlin Sans FB Demi" pitchFamily="34" charset="0"/>
-              </a:rPr>
-              <a:t>EJML</a:t>
-            </a:r>
-            <a:endParaRPr lang="en-US" sz="13800" dirty="0">
-              <a:latin typeface="Berlin Sans FB Demi" pitchFamily="34" charset="0"/>
-            </a:endParaRPr>
-          </a:p>
-        </p:txBody>
-      </p:sp>
     </p:spTree>
   </p:cSld>
   <p:clrMapOvr>

--- a/trunk/docs/logo/EJML_logo.pptx
+++ b/trunk/docs/logo/EJML_logo.pptx
@@ -7,6 +7,7 @@
   <p:sldIdLst>
     <p:sldId id="256" r:id="rId2"/>
     <p:sldId id="257" r:id="rId3"/>
+    <p:sldId id="258" r:id="rId4"/>
   </p:sldIdLst>
   <p:sldSz cx="9144000" cy="6858000" type="screen4x3"/>
   <p:notesSz cx="6858000" cy="9144000"/>
@@ -290,7 +291,7 @@
             <a:fld id="{4CC98F02-A3D9-41C3-A452-47E649849D9C}" type="datetimeFigureOut">
               <a:rPr lang="en-US" smtClean="0"/>
               <a:pPr/>
-              <a:t>7/15/2010</a:t>
+              <a:t>1/31/2011</a:t>
             </a:fld>
             <a:endParaRPr lang="en-US"/>
           </a:p>
@@ -457,7 +458,7 @@
             <a:fld id="{4CC98F02-A3D9-41C3-A452-47E649849D9C}" type="datetimeFigureOut">
               <a:rPr lang="en-US" smtClean="0"/>
               <a:pPr/>
-              <a:t>7/15/2010</a:t>
+              <a:t>1/31/2011</a:t>
             </a:fld>
             <a:endParaRPr lang="en-US"/>
           </a:p>
@@ -634,7 +635,7 @@
             <a:fld id="{4CC98F02-A3D9-41C3-A452-47E649849D9C}" type="datetimeFigureOut">
               <a:rPr lang="en-US" smtClean="0"/>
               <a:pPr/>
-              <a:t>7/15/2010</a:t>
+              <a:t>1/31/2011</a:t>
             </a:fld>
             <a:endParaRPr lang="en-US"/>
           </a:p>
@@ -801,7 +802,7 @@
             <a:fld id="{4CC98F02-A3D9-41C3-A452-47E649849D9C}" type="datetimeFigureOut">
               <a:rPr lang="en-US" smtClean="0"/>
               <a:pPr/>
-              <a:t>7/15/2010</a:t>
+              <a:t>1/31/2011</a:t>
             </a:fld>
             <a:endParaRPr lang="en-US"/>
           </a:p>
@@ -1044,7 +1045,7 @@
             <a:fld id="{4CC98F02-A3D9-41C3-A452-47E649849D9C}" type="datetimeFigureOut">
               <a:rPr lang="en-US" smtClean="0"/>
               <a:pPr/>
-              <a:t>7/15/2010</a:t>
+              <a:t>1/31/2011</a:t>
             </a:fld>
             <a:endParaRPr lang="en-US"/>
           </a:p>
@@ -1329,7 +1330,7 @@
             <a:fld id="{4CC98F02-A3D9-41C3-A452-47E649849D9C}" type="datetimeFigureOut">
               <a:rPr lang="en-US" smtClean="0"/>
               <a:pPr/>
-              <a:t>7/15/2010</a:t>
+              <a:t>1/31/2011</a:t>
             </a:fld>
             <a:endParaRPr lang="en-US"/>
           </a:p>
@@ -1748,7 +1749,7 @@
             <a:fld id="{4CC98F02-A3D9-41C3-A452-47E649849D9C}" type="datetimeFigureOut">
               <a:rPr lang="en-US" smtClean="0"/>
               <a:pPr/>
-              <a:t>7/15/2010</a:t>
+              <a:t>1/31/2011</a:t>
             </a:fld>
             <a:endParaRPr lang="en-US"/>
           </a:p>
@@ -1863,7 +1864,7 @@
             <a:fld id="{4CC98F02-A3D9-41C3-A452-47E649849D9C}" type="datetimeFigureOut">
               <a:rPr lang="en-US" smtClean="0"/>
               <a:pPr/>
-              <a:t>7/15/2010</a:t>
+              <a:t>1/31/2011</a:t>
             </a:fld>
             <a:endParaRPr lang="en-US"/>
           </a:p>
@@ -1955,7 +1956,7 @@
             <a:fld id="{4CC98F02-A3D9-41C3-A452-47E649849D9C}" type="datetimeFigureOut">
               <a:rPr lang="en-US" smtClean="0"/>
               <a:pPr/>
-              <a:t>7/15/2010</a:t>
+              <a:t>1/31/2011</a:t>
             </a:fld>
             <a:endParaRPr lang="en-US"/>
           </a:p>
@@ -2229,7 +2230,7 @@
             <a:fld id="{4CC98F02-A3D9-41C3-A452-47E649849D9C}" type="datetimeFigureOut">
               <a:rPr lang="en-US" smtClean="0"/>
               <a:pPr/>
-              <a:t>7/15/2010</a:t>
+              <a:t>1/31/2011</a:t>
             </a:fld>
             <a:endParaRPr lang="en-US"/>
           </a:p>
@@ -2479,7 +2480,7 @@
             <a:fld id="{4CC98F02-A3D9-41C3-A452-47E649849D9C}" type="datetimeFigureOut">
               <a:rPr lang="en-US" smtClean="0"/>
               <a:pPr/>
-              <a:t>7/15/2010</a:t>
+              <a:t>1/31/2011</a:t>
             </a:fld>
             <a:endParaRPr lang="en-US"/>
           </a:p>
@@ -2689,7 +2690,7 @@
             <a:fld id="{4CC98F02-A3D9-41C3-A452-47E649849D9C}" type="datetimeFigureOut">
               <a:rPr lang="en-US" smtClean="0"/>
               <a:pPr/>
-              <a:t>7/15/2010</a:t>
+              <a:t>1/31/2011</a:t>
             </a:fld>
             <a:endParaRPr lang="en-US"/>
           </a:p>
@@ -3068,7 +3069,7 @@
         </p:nvGrpSpPr>
         <p:grpSpPr>
           <a:xfrm>
-            <a:off x="2895600" y="2438400"/>
+            <a:off x="1546860" y="975360"/>
             <a:ext cx="1143000" cy="1143000"/>
             <a:chOff x="2895600" y="2438400"/>
             <a:chExt cx="1143000" cy="1143000"/>
@@ -4364,35 +4365,4424 @@
           </p:txBody>
         </p:sp>
       </p:grpSp>
+      <p:cxnSp>
+        <p:nvCxnSpPr>
+          <p:cNvPr id="34" name="Straight Arrow Connector 33"/>
+          <p:cNvCxnSpPr/>
+          <p:nvPr/>
+        </p:nvCxnSpPr>
+        <p:spPr>
+          <a:xfrm rot="5400000" flipH="1" flipV="1">
+            <a:off x="1856419" y="865826"/>
+            <a:ext cx="923935" cy="447680"/>
+          </a:xfrm>
+          <a:prstGeom prst="straightConnector1">
+            <a:avLst/>
+          </a:prstGeom>
+          <a:ln w="28575">
+            <a:solidFill>
+              <a:schemeClr val="tx1"/>
+            </a:solidFill>
+            <a:prstDash val="sysDash"/>
+            <a:tailEnd type="arrow"/>
+          </a:ln>
+        </p:spPr>
+        <p:style>
+          <a:lnRef idx="1">
+            <a:schemeClr val="accent1"/>
+          </a:lnRef>
+          <a:fillRef idx="0">
+            <a:schemeClr val="accent1"/>
+          </a:fillRef>
+          <a:effectRef idx="0">
+            <a:schemeClr val="accent1"/>
+          </a:effectRef>
+          <a:fontRef idx="minor">
+            <a:schemeClr val="tx1"/>
+          </a:fontRef>
+        </p:style>
+      </p:cxnSp>
+      <p:cxnSp>
+        <p:nvCxnSpPr>
+          <p:cNvPr id="37" name="Straight Arrow Connector 36"/>
+          <p:cNvCxnSpPr/>
+          <p:nvPr/>
+        </p:nvCxnSpPr>
+        <p:spPr>
+          <a:xfrm>
+            <a:off x="2096929" y="1546861"/>
+            <a:ext cx="992981" cy="528637"/>
+          </a:xfrm>
+          <a:prstGeom prst="straightConnector1">
+            <a:avLst/>
+          </a:prstGeom>
+          <a:ln w="28575">
+            <a:solidFill>
+              <a:schemeClr val="tx1"/>
+            </a:solidFill>
+            <a:prstDash val="sysDash"/>
+            <a:tailEnd type="arrow"/>
+          </a:ln>
+        </p:spPr>
+        <p:style>
+          <a:lnRef idx="1">
+            <a:schemeClr val="accent1"/>
+          </a:lnRef>
+          <a:fillRef idx="0">
+            <a:schemeClr val="accent1"/>
+          </a:fillRef>
+          <a:effectRef idx="0">
+            <a:schemeClr val="accent1"/>
+          </a:effectRef>
+          <a:fontRef idx="minor">
+            <a:schemeClr val="tx1"/>
+          </a:fontRef>
+        </p:style>
+      </p:cxnSp>
+      <p:cxnSp>
+        <p:nvCxnSpPr>
+          <p:cNvPr id="30" name="Straight Arrow Connector 29"/>
+          <p:cNvCxnSpPr/>
+          <p:nvPr/>
+        </p:nvCxnSpPr>
+        <p:spPr>
+          <a:xfrm rot="16200000" flipH="1">
+            <a:off x="1873091" y="1763553"/>
+            <a:ext cx="1154910" cy="697709"/>
+          </a:xfrm>
+          <a:prstGeom prst="straightConnector1">
+            <a:avLst/>
+          </a:prstGeom>
+          <a:ln w="44450">
+            <a:solidFill>
+              <a:schemeClr val="tx1"/>
+            </a:solidFill>
+            <a:tailEnd type="arrow"/>
+          </a:ln>
+        </p:spPr>
+        <p:style>
+          <a:lnRef idx="1">
+            <a:schemeClr val="accent1"/>
+          </a:lnRef>
+          <a:fillRef idx="0">
+            <a:schemeClr val="accent1"/>
+          </a:fillRef>
+          <a:effectRef idx="0">
+            <a:schemeClr val="accent1"/>
+          </a:effectRef>
+          <a:fontRef idx="minor">
+            <a:schemeClr val="tx1"/>
+          </a:fontRef>
+        </p:style>
+      </p:cxnSp>
+      <p:cxnSp>
+        <p:nvCxnSpPr>
+          <p:cNvPr id="38" name="Straight Arrow Connector 37"/>
+          <p:cNvCxnSpPr/>
+          <p:nvPr/>
+        </p:nvCxnSpPr>
+        <p:spPr>
+          <a:xfrm>
+            <a:off x="2097405" y="1540955"/>
+            <a:ext cx="1219200" cy="1588"/>
+          </a:xfrm>
+          <a:prstGeom prst="straightConnector1">
+            <a:avLst/>
+          </a:prstGeom>
+          <a:ln w="44450">
+            <a:solidFill>
+              <a:schemeClr val="tx1"/>
+            </a:solidFill>
+            <a:tailEnd type="arrow"/>
+          </a:ln>
+        </p:spPr>
+        <p:style>
+          <a:lnRef idx="1">
+            <a:schemeClr val="accent1"/>
+          </a:lnRef>
+          <a:fillRef idx="0">
+            <a:schemeClr val="accent1"/>
+          </a:fillRef>
+          <a:effectRef idx="0">
+            <a:schemeClr val="accent1"/>
+          </a:effectRef>
+          <a:fontRef idx="minor">
+            <a:schemeClr val="tx1"/>
+          </a:fontRef>
+        </p:style>
+      </p:cxnSp>
+      <p:sp>
+        <p:nvSpPr>
+          <p:cNvPr id="55" name="Oval 54"/>
+          <p:cNvSpPr/>
+          <p:nvPr/>
+        </p:nvSpPr>
+        <p:spPr>
+          <a:xfrm>
+            <a:off x="2082641" y="1518285"/>
+            <a:ext cx="45719" cy="45719"/>
+          </a:xfrm>
+          <a:prstGeom prst="ellipse">
+            <a:avLst/>
+          </a:prstGeom>
+          <a:solidFill>
+            <a:schemeClr val="tx1"/>
+          </a:solidFill>
+          <a:ln w="28575">
+            <a:solidFill>
+              <a:schemeClr val="tx1"/>
+            </a:solidFill>
+          </a:ln>
+        </p:spPr>
+        <p:style>
+          <a:lnRef idx="2">
+            <a:schemeClr val="accent1">
+              <a:shade val="50000"/>
+            </a:schemeClr>
+          </a:lnRef>
+          <a:fillRef idx="1">
+            <a:schemeClr val="accent1"/>
+          </a:fillRef>
+          <a:effectRef idx="0">
+            <a:schemeClr val="accent1"/>
+          </a:effectRef>
+          <a:fontRef idx="minor">
+            <a:schemeClr val="lt1"/>
+          </a:fontRef>
+        </p:style>
+        <p:txBody>
+          <a:bodyPr rtlCol="0" anchor="ctr"/>
+          <a:lstStyle/>
+          <a:p>
+            <a:pPr algn="ctr"/>
+            <a:endParaRPr lang="en-US"/>
+          </a:p>
+        </p:txBody>
+      </p:sp>
+      <p:sp>
+        <p:nvSpPr>
+          <p:cNvPr id="67" name="Rectangle 66"/>
+          <p:cNvSpPr/>
+          <p:nvPr/>
+        </p:nvSpPr>
+        <p:spPr>
+          <a:xfrm rot="1571712">
+            <a:off x="2120739" y="1465897"/>
+            <a:ext cx="119062" cy="114300"/>
+          </a:xfrm>
+          <a:prstGeom prst="rect">
+            <a:avLst/>
+          </a:prstGeom>
+          <a:noFill/>
+          <a:ln w="28575">
+            <a:solidFill>
+              <a:schemeClr val="tx1"/>
+            </a:solidFill>
+            <a:prstDash val="sysDash"/>
+          </a:ln>
+        </p:spPr>
+        <p:style>
+          <a:lnRef idx="2">
+            <a:schemeClr val="accent1">
+              <a:shade val="50000"/>
+            </a:schemeClr>
+          </a:lnRef>
+          <a:fillRef idx="1">
+            <a:schemeClr val="accent1"/>
+          </a:fillRef>
+          <a:effectRef idx="0">
+            <a:schemeClr val="accent1"/>
+          </a:effectRef>
+          <a:fontRef idx="minor">
+            <a:schemeClr val="lt1"/>
+          </a:fontRef>
+        </p:style>
+        <p:txBody>
+          <a:bodyPr rtlCol="0" anchor="ctr"/>
+          <a:lstStyle/>
+          <a:p>
+            <a:pPr algn="ctr"/>
+            <a:endParaRPr lang="en-US"/>
+          </a:p>
+        </p:txBody>
+      </p:sp>
       <p:grpSp>
         <p:nvGrpSpPr>
-          <p:cNvPr id="51" name="Group 50"/>
+          <p:cNvPr id="76" name="Group 75"/>
           <p:cNvGrpSpPr/>
           <p:nvPr/>
         </p:nvGrpSpPr>
         <p:grpSpPr>
           <a:xfrm>
-            <a:off x="3444240" y="1962912"/>
-            <a:ext cx="1219200" cy="2209800"/>
-            <a:chOff x="4953000" y="1981200"/>
-            <a:chExt cx="1219200" cy="2209800"/>
+            <a:off x="3872865" y="880110"/>
+            <a:ext cx="1143000" cy="1143000"/>
+            <a:chOff x="2895600" y="2438400"/>
+            <a:chExt cx="1143000" cy="1143000"/>
           </a:xfrm>
         </p:grpSpPr>
+        <p:sp>
+          <p:nvSpPr>
+            <p:cNvPr id="77" name="Rectangle 76"/>
+            <p:cNvSpPr/>
+            <p:nvPr/>
+          </p:nvSpPr>
+          <p:spPr>
+            <a:xfrm>
+              <a:off x="2895600" y="2438400"/>
+              <a:ext cx="228600" cy="228600"/>
+            </a:xfrm>
+            <a:prstGeom prst="rect">
+              <a:avLst/>
+            </a:prstGeom>
+            <a:solidFill>
+              <a:schemeClr val="tx2">
+                <a:lumMod val="40000"/>
+                <a:lumOff val="60000"/>
+              </a:schemeClr>
+            </a:solidFill>
+            <a:ln>
+              <a:solidFill>
+                <a:schemeClr val="bg1">
+                  <a:lumMod val="75000"/>
+                </a:schemeClr>
+              </a:solidFill>
+            </a:ln>
+          </p:spPr>
+          <p:style>
+            <a:lnRef idx="2">
+              <a:schemeClr val="accent1">
+                <a:shade val="50000"/>
+              </a:schemeClr>
+            </a:lnRef>
+            <a:fillRef idx="1">
+              <a:schemeClr val="accent1"/>
+            </a:fillRef>
+            <a:effectRef idx="0">
+              <a:schemeClr val="accent1"/>
+            </a:effectRef>
+            <a:fontRef idx="minor">
+              <a:schemeClr val="lt1"/>
+            </a:fontRef>
+          </p:style>
+          <p:txBody>
+            <a:bodyPr rtlCol="0" anchor="ctr"/>
+            <a:lstStyle/>
+            <a:p>
+              <a:pPr algn="ctr"/>
+              <a:endParaRPr lang="en-US"/>
+            </a:p>
+          </p:txBody>
+        </p:sp>
+        <p:sp>
+          <p:nvSpPr>
+            <p:cNvPr id="78" name="Rectangle 77"/>
+            <p:cNvSpPr/>
+            <p:nvPr/>
+          </p:nvSpPr>
+          <p:spPr>
+            <a:xfrm>
+              <a:off x="3124200" y="2438400"/>
+              <a:ext cx="228600" cy="228600"/>
+            </a:xfrm>
+            <a:prstGeom prst="rect">
+              <a:avLst/>
+            </a:prstGeom>
+            <a:solidFill>
+              <a:schemeClr val="tx2">
+                <a:lumMod val="20000"/>
+                <a:lumOff val="80000"/>
+              </a:schemeClr>
+            </a:solidFill>
+            <a:ln>
+              <a:solidFill>
+                <a:schemeClr val="bg1">
+                  <a:lumMod val="75000"/>
+                </a:schemeClr>
+              </a:solidFill>
+            </a:ln>
+          </p:spPr>
+          <p:style>
+            <a:lnRef idx="2">
+              <a:schemeClr val="accent1">
+                <a:shade val="50000"/>
+              </a:schemeClr>
+            </a:lnRef>
+            <a:fillRef idx="1">
+              <a:schemeClr val="accent1"/>
+            </a:fillRef>
+            <a:effectRef idx="0">
+              <a:schemeClr val="accent1"/>
+            </a:effectRef>
+            <a:fontRef idx="minor">
+              <a:schemeClr val="lt1"/>
+            </a:fontRef>
+          </p:style>
+          <p:txBody>
+            <a:bodyPr rtlCol="0" anchor="ctr"/>
+            <a:lstStyle/>
+            <a:p>
+              <a:pPr algn="ctr"/>
+              <a:endParaRPr lang="en-US"/>
+            </a:p>
+          </p:txBody>
+        </p:sp>
+        <p:sp>
+          <p:nvSpPr>
+            <p:cNvPr id="79" name="Rectangle 78"/>
+            <p:cNvSpPr/>
+            <p:nvPr/>
+          </p:nvSpPr>
+          <p:spPr>
+            <a:xfrm>
+              <a:off x="3352800" y="2438400"/>
+              <a:ext cx="228600" cy="228600"/>
+            </a:xfrm>
+            <a:prstGeom prst="rect">
+              <a:avLst/>
+            </a:prstGeom>
+            <a:solidFill>
+              <a:schemeClr val="bg1"/>
+            </a:solidFill>
+            <a:ln>
+              <a:solidFill>
+                <a:schemeClr val="bg1">
+                  <a:lumMod val="75000"/>
+                </a:schemeClr>
+              </a:solidFill>
+            </a:ln>
+          </p:spPr>
+          <p:style>
+            <a:lnRef idx="2">
+              <a:schemeClr val="accent1">
+                <a:shade val="50000"/>
+              </a:schemeClr>
+            </a:lnRef>
+            <a:fillRef idx="1">
+              <a:schemeClr val="accent1"/>
+            </a:fillRef>
+            <a:effectRef idx="0">
+              <a:schemeClr val="accent1"/>
+            </a:effectRef>
+            <a:fontRef idx="minor">
+              <a:schemeClr val="lt1"/>
+            </a:fontRef>
+          </p:style>
+          <p:txBody>
+            <a:bodyPr rtlCol="0" anchor="ctr"/>
+            <a:lstStyle/>
+            <a:p>
+              <a:pPr algn="ctr"/>
+              <a:endParaRPr lang="en-US"/>
+            </a:p>
+          </p:txBody>
+        </p:sp>
+        <p:sp>
+          <p:nvSpPr>
+            <p:cNvPr id="80" name="Rectangle 79"/>
+            <p:cNvSpPr/>
+            <p:nvPr/>
+          </p:nvSpPr>
+          <p:spPr>
+            <a:xfrm>
+              <a:off x="3581400" y="2438400"/>
+              <a:ext cx="228600" cy="228600"/>
+            </a:xfrm>
+            <a:prstGeom prst="rect">
+              <a:avLst/>
+            </a:prstGeom>
+            <a:solidFill>
+              <a:schemeClr val="bg1"/>
+            </a:solidFill>
+            <a:ln>
+              <a:solidFill>
+                <a:schemeClr val="bg1">
+                  <a:lumMod val="75000"/>
+                </a:schemeClr>
+              </a:solidFill>
+            </a:ln>
+          </p:spPr>
+          <p:style>
+            <a:lnRef idx="2">
+              <a:schemeClr val="accent1">
+                <a:shade val="50000"/>
+              </a:schemeClr>
+            </a:lnRef>
+            <a:fillRef idx="1">
+              <a:schemeClr val="accent1"/>
+            </a:fillRef>
+            <a:effectRef idx="0">
+              <a:schemeClr val="accent1"/>
+            </a:effectRef>
+            <a:fontRef idx="minor">
+              <a:schemeClr val="lt1"/>
+            </a:fontRef>
+          </p:style>
+          <p:txBody>
+            <a:bodyPr rtlCol="0" anchor="ctr"/>
+            <a:lstStyle/>
+            <a:p>
+              <a:pPr algn="ctr"/>
+              <a:endParaRPr lang="en-US"/>
+            </a:p>
+          </p:txBody>
+        </p:sp>
+        <p:sp>
+          <p:nvSpPr>
+            <p:cNvPr id="81" name="Rectangle 80"/>
+            <p:cNvSpPr/>
+            <p:nvPr/>
+          </p:nvSpPr>
+          <p:spPr>
+            <a:xfrm>
+              <a:off x="3810000" y="2438400"/>
+              <a:ext cx="228600" cy="228600"/>
+            </a:xfrm>
+            <a:prstGeom prst="rect">
+              <a:avLst/>
+            </a:prstGeom>
+            <a:solidFill>
+              <a:schemeClr val="bg1"/>
+            </a:solidFill>
+            <a:ln>
+              <a:solidFill>
+                <a:schemeClr val="bg1">
+                  <a:lumMod val="75000"/>
+                </a:schemeClr>
+              </a:solidFill>
+            </a:ln>
+          </p:spPr>
+          <p:style>
+            <a:lnRef idx="2">
+              <a:schemeClr val="accent1">
+                <a:shade val="50000"/>
+              </a:schemeClr>
+            </a:lnRef>
+            <a:fillRef idx="1">
+              <a:schemeClr val="accent1"/>
+            </a:fillRef>
+            <a:effectRef idx="0">
+              <a:schemeClr val="accent1"/>
+            </a:effectRef>
+            <a:fontRef idx="minor">
+              <a:schemeClr val="lt1"/>
+            </a:fontRef>
+          </p:style>
+          <p:txBody>
+            <a:bodyPr rtlCol="0" anchor="ctr"/>
+            <a:lstStyle/>
+            <a:p>
+              <a:pPr algn="ctr"/>
+              <a:endParaRPr lang="en-US"/>
+            </a:p>
+          </p:txBody>
+        </p:sp>
+        <p:sp>
+          <p:nvSpPr>
+            <p:cNvPr id="82" name="Rectangle 81"/>
+            <p:cNvSpPr/>
+            <p:nvPr/>
+          </p:nvSpPr>
+          <p:spPr>
+            <a:xfrm>
+              <a:off x="2895600" y="2667000"/>
+              <a:ext cx="228600" cy="228600"/>
+            </a:xfrm>
+            <a:prstGeom prst="rect">
+              <a:avLst/>
+            </a:prstGeom>
+            <a:solidFill>
+              <a:schemeClr val="bg1"/>
+            </a:solidFill>
+            <a:ln>
+              <a:solidFill>
+                <a:schemeClr val="bg1">
+                  <a:lumMod val="75000"/>
+                </a:schemeClr>
+              </a:solidFill>
+            </a:ln>
+          </p:spPr>
+          <p:style>
+            <a:lnRef idx="2">
+              <a:schemeClr val="accent1">
+                <a:shade val="50000"/>
+              </a:schemeClr>
+            </a:lnRef>
+            <a:fillRef idx="1">
+              <a:schemeClr val="accent1"/>
+            </a:fillRef>
+            <a:effectRef idx="0">
+              <a:schemeClr val="accent1"/>
+            </a:effectRef>
+            <a:fontRef idx="minor">
+              <a:schemeClr val="lt1"/>
+            </a:fontRef>
+          </p:style>
+          <p:txBody>
+            <a:bodyPr rtlCol="0" anchor="ctr"/>
+            <a:lstStyle/>
+            <a:p>
+              <a:pPr algn="ctr"/>
+              <a:endParaRPr lang="en-US"/>
+            </a:p>
+          </p:txBody>
+        </p:sp>
+        <p:sp>
+          <p:nvSpPr>
+            <p:cNvPr id="83" name="Rectangle 82"/>
+            <p:cNvSpPr/>
+            <p:nvPr/>
+          </p:nvSpPr>
+          <p:spPr>
+            <a:xfrm>
+              <a:off x="3124200" y="2667000"/>
+              <a:ext cx="228600" cy="228600"/>
+            </a:xfrm>
+            <a:prstGeom prst="rect">
+              <a:avLst/>
+            </a:prstGeom>
+            <a:solidFill>
+              <a:schemeClr val="tx2">
+                <a:lumMod val="20000"/>
+                <a:lumOff val="80000"/>
+              </a:schemeClr>
+            </a:solidFill>
+            <a:ln>
+              <a:solidFill>
+                <a:schemeClr val="bg1">
+                  <a:lumMod val="75000"/>
+                </a:schemeClr>
+              </a:solidFill>
+            </a:ln>
+          </p:spPr>
+          <p:style>
+            <a:lnRef idx="2">
+              <a:schemeClr val="accent1">
+                <a:shade val="50000"/>
+              </a:schemeClr>
+            </a:lnRef>
+            <a:fillRef idx="1">
+              <a:schemeClr val="accent1"/>
+            </a:fillRef>
+            <a:effectRef idx="0">
+              <a:schemeClr val="accent1"/>
+            </a:effectRef>
+            <a:fontRef idx="minor">
+              <a:schemeClr val="lt1"/>
+            </a:fontRef>
+          </p:style>
+          <p:txBody>
+            <a:bodyPr rtlCol="0" anchor="ctr"/>
+            <a:lstStyle/>
+            <a:p>
+              <a:pPr algn="ctr"/>
+              <a:endParaRPr lang="en-US"/>
+            </a:p>
+          </p:txBody>
+        </p:sp>
+        <p:sp>
+          <p:nvSpPr>
+            <p:cNvPr id="84" name="Rectangle 83"/>
+            <p:cNvSpPr/>
+            <p:nvPr/>
+          </p:nvSpPr>
+          <p:spPr>
+            <a:xfrm>
+              <a:off x="3352800" y="2667000"/>
+              <a:ext cx="228600" cy="228600"/>
+            </a:xfrm>
+            <a:prstGeom prst="rect">
+              <a:avLst/>
+            </a:prstGeom>
+            <a:solidFill>
+              <a:schemeClr val="tx2">
+                <a:lumMod val="40000"/>
+                <a:lumOff val="60000"/>
+              </a:schemeClr>
+            </a:solidFill>
+            <a:ln>
+              <a:solidFill>
+                <a:schemeClr val="bg1">
+                  <a:lumMod val="75000"/>
+                </a:schemeClr>
+              </a:solidFill>
+            </a:ln>
+          </p:spPr>
+          <p:style>
+            <a:lnRef idx="2">
+              <a:schemeClr val="accent1">
+                <a:shade val="50000"/>
+              </a:schemeClr>
+            </a:lnRef>
+            <a:fillRef idx="1">
+              <a:schemeClr val="accent1"/>
+            </a:fillRef>
+            <a:effectRef idx="0">
+              <a:schemeClr val="accent1"/>
+            </a:effectRef>
+            <a:fontRef idx="minor">
+              <a:schemeClr val="lt1"/>
+            </a:fontRef>
+          </p:style>
+          <p:txBody>
+            <a:bodyPr rtlCol="0" anchor="ctr"/>
+            <a:lstStyle/>
+            <a:p>
+              <a:pPr algn="ctr"/>
+              <a:endParaRPr lang="en-US"/>
+            </a:p>
+          </p:txBody>
+        </p:sp>
+        <p:sp>
+          <p:nvSpPr>
+            <p:cNvPr id="85" name="Rectangle 84"/>
+            <p:cNvSpPr/>
+            <p:nvPr/>
+          </p:nvSpPr>
+          <p:spPr>
+            <a:xfrm>
+              <a:off x="3581400" y="2667000"/>
+              <a:ext cx="228600" cy="228600"/>
+            </a:xfrm>
+            <a:prstGeom prst="rect">
+              <a:avLst/>
+            </a:prstGeom>
+            <a:solidFill>
+              <a:schemeClr val="bg1"/>
+            </a:solidFill>
+            <a:ln>
+              <a:solidFill>
+                <a:schemeClr val="bg1">
+                  <a:lumMod val="75000"/>
+                </a:schemeClr>
+              </a:solidFill>
+            </a:ln>
+          </p:spPr>
+          <p:style>
+            <a:lnRef idx="2">
+              <a:schemeClr val="accent1">
+                <a:shade val="50000"/>
+              </a:schemeClr>
+            </a:lnRef>
+            <a:fillRef idx="1">
+              <a:schemeClr val="accent1"/>
+            </a:fillRef>
+            <a:effectRef idx="0">
+              <a:schemeClr val="accent1"/>
+            </a:effectRef>
+            <a:fontRef idx="minor">
+              <a:schemeClr val="lt1"/>
+            </a:fontRef>
+          </p:style>
+          <p:txBody>
+            <a:bodyPr rtlCol="0" anchor="ctr"/>
+            <a:lstStyle/>
+            <a:p>
+              <a:pPr algn="ctr"/>
+              <a:endParaRPr lang="en-US"/>
+            </a:p>
+          </p:txBody>
+        </p:sp>
+        <p:sp>
+          <p:nvSpPr>
+            <p:cNvPr id="86" name="Rectangle 85"/>
+            <p:cNvSpPr/>
+            <p:nvPr/>
+          </p:nvSpPr>
+          <p:spPr>
+            <a:xfrm>
+              <a:off x="3810000" y="2667000"/>
+              <a:ext cx="228600" cy="228600"/>
+            </a:xfrm>
+            <a:prstGeom prst="rect">
+              <a:avLst/>
+            </a:prstGeom>
+            <a:solidFill>
+              <a:schemeClr val="bg1"/>
+            </a:solidFill>
+            <a:ln>
+              <a:solidFill>
+                <a:schemeClr val="bg1">
+                  <a:lumMod val="75000"/>
+                </a:schemeClr>
+              </a:solidFill>
+            </a:ln>
+          </p:spPr>
+          <p:style>
+            <a:lnRef idx="2">
+              <a:schemeClr val="accent1">
+                <a:shade val="50000"/>
+              </a:schemeClr>
+            </a:lnRef>
+            <a:fillRef idx="1">
+              <a:schemeClr val="accent1"/>
+            </a:fillRef>
+            <a:effectRef idx="0">
+              <a:schemeClr val="accent1"/>
+            </a:effectRef>
+            <a:fontRef idx="minor">
+              <a:schemeClr val="lt1"/>
+            </a:fontRef>
+          </p:style>
+          <p:txBody>
+            <a:bodyPr rtlCol="0" anchor="ctr"/>
+            <a:lstStyle/>
+            <a:p>
+              <a:pPr algn="ctr"/>
+              <a:endParaRPr lang="en-US"/>
+            </a:p>
+          </p:txBody>
+        </p:sp>
+        <p:sp>
+          <p:nvSpPr>
+            <p:cNvPr id="87" name="Rectangle 86"/>
+            <p:cNvSpPr/>
+            <p:nvPr/>
+          </p:nvSpPr>
+          <p:spPr>
+            <a:xfrm>
+              <a:off x="2895600" y="2895600"/>
+              <a:ext cx="228600" cy="228600"/>
+            </a:xfrm>
+            <a:prstGeom prst="rect">
+              <a:avLst/>
+            </a:prstGeom>
+            <a:solidFill>
+              <a:schemeClr val="bg1"/>
+            </a:solidFill>
+            <a:ln>
+              <a:solidFill>
+                <a:schemeClr val="bg1">
+                  <a:lumMod val="75000"/>
+                </a:schemeClr>
+              </a:solidFill>
+            </a:ln>
+          </p:spPr>
+          <p:style>
+            <a:lnRef idx="2">
+              <a:schemeClr val="accent1">
+                <a:shade val="50000"/>
+              </a:schemeClr>
+            </a:lnRef>
+            <a:fillRef idx="1">
+              <a:schemeClr val="accent1"/>
+            </a:fillRef>
+            <a:effectRef idx="0">
+              <a:schemeClr val="accent1"/>
+            </a:effectRef>
+            <a:fontRef idx="minor">
+              <a:schemeClr val="lt1"/>
+            </a:fontRef>
+          </p:style>
+          <p:txBody>
+            <a:bodyPr rtlCol="0" anchor="ctr"/>
+            <a:lstStyle/>
+            <a:p>
+              <a:pPr algn="ctr"/>
+              <a:endParaRPr lang="en-US"/>
+            </a:p>
+          </p:txBody>
+        </p:sp>
+        <p:sp>
+          <p:nvSpPr>
+            <p:cNvPr id="88" name="Rectangle 87"/>
+            <p:cNvSpPr/>
+            <p:nvPr/>
+          </p:nvSpPr>
+          <p:spPr>
+            <a:xfrm>
+              <a:off x="3124200" y="2895600"/>
+              <a:ext cx="228600" cy="228600"/>
+            </a:xfrm>
+            <a:prstGeom prst="rect">
+              <a:avLst/>
+            </a:prstGeom>
+            <a:solidFill>
+              <a:schemeClr val="bg1"/>
+            </a:solidFill>
+            <a:ln>
+              <a:solidFill>
+                <a:schemeClr val="bg1">
+                  <a:lumMod val="75000"/>
+                </a:schemeClr>
+              </a:solidFill>
+            </a:ln>
+          </p:spPr>
+          <p:style>
+            <a:lnRef idx="2">
+              <a:schemeClr val="accent1">
+                <a:shade val="50000"/>
+              </a:schemeClr>
+            </a:lnRef>
+            <a:fillRef idx="1">
+              <a:schemeClr val="accent1"/>
+            </a:fillRef>
+            <a:effectRef idx="0">
+              <a:schemeClr val="accent1"/>
+            </a:effectRef>
+            <a:fontRef idx="minor">
+              <a:schemeClr val="lt1"/>
+            </a:fontRef>
+          </p:style>
+          <p:txBody>
+            <a:bodyPr rtlCol="0" anchor="ctr"/>
+            <a:lstStyle/>
+            <a:p>
+              <a:pPr algn="ctr"/>
+              <a:endParaRPr lang="en-US"/>
+            </a:p>
+          </p:txBody>
+        </p:sp>
+        <p:sp>
+          <p:nvSpPr>
+            <p:cNvPr id="89" name="Rectangle 88"/>
+            <p:cNvSpPr/>
+            <p:nvPr/>
+          </p:nvSpPr>
+          <p:spPr>
+            <a:xfrm>
+              <a:off x="3352800" y="2895600"/>
+              <a:ext cx="228600" cy="228600"/>
+            </a:xfrm>
+            <a:prstGeom prst="rect">
+              <a:avLst/>
+            </a:prstGeom>
+            <a:solidFill>
+              <a:schemeClr val="tx2">
+                <a:lumMod val="60000"/>
+                <a:lumOff val="40000"/>
+              </a:schemeClr>
+            </a:solidFill>
+            <a:ln>
+              <a:solidFill>
+                <a:schemeClr val="bg1">
+                  <a:lumMod val="75000"/>
+                </a:schemeClr>
+              </a:solidFill>
+            </a:ln>
+          </p:spPr>
+          <p:style>
+            <a:lnRef idx="2">
+              <a:schemeClr val="accent1">
+                <a:shade val="50000"/>
+              </a:schemeClr>
+            </a:lnRef>
+            <a:fillRef idx="1">
+              <a:schemeClr val="accent1"/>
+            </a:fillRef>
+            <a:effectRef idx="0">
+              <a:schemeClr val="accent1"/>
+            </a:effectRef>
+            <a:fontRef idx="minor">
+              <a:schemeClr val="lt1"/>
+            </a:fontRef>
+          </p:style>
+          <p:txBody>
+            <a:bodyPr rtlCol="0" anchor="ctr"/>
+            <a:lstStyle/>
+            <a:p>
+              <a:pPr algn="ctr"/>
+              <a:endParaRPr lang="en-US"/>
+            </a:p>
+          </p:txBody>
+        </p:sp>
+        <p:sp>
+          <p:nvSpPr>
+            <p:cNvPr id="90" name="Rectangle 89"/>
+            <p:cNvSpPr/>
+            <p:nvPr/>
+          </p:nvSpPr>
+          <p:spPr>
+            <a:xfrm>
+              <a:off x="3581400" y="2895600"/>
+              <a:ext cx="228600" cy="228600"/>
+            </a:xfrm>
+            <a:prstGeom prst="rect">
+              <a:avLst/>
+            </a:prstGeom>
+            <a:solidFill>
+              <a:schemeClr val="tx2">
+                <a:lumMod val="20000"/>
+                <a:lumOff val="80000"/>
+              </a:schemeClr>
+            </a:solidFill>
+            <a:ln>
+              <a:solidFill>
+                <a:schemeClr val="bg1">
+                  <a:lumMod val="75000"/>
+                </a:schemeClr>
+              </a:solidFill>
+            </a:ln>
+          </p:spPr>
+          <p:style>
+            <a:lnRef idx="2">
+              <a:schemeClr val="accent1">
+                <a:shade val="50000"/>
+              </a:schemeClr>
+            </a:lnRef>
+            <a:fillRef idx="1">
+              <a:schemeClr val="accent1"/>
+            </a:fillRef>
+            <a:effectRef idx="0">
+              <a:schemeClr val="accent1"/>
+            </a:effectRef>
+            <a:fontRef idx="minor">
+              <a:schemeClr val="lt1"/>
+            </a:fontRef>
+          </p:style>
+          <p:txBody>
+            <a:bodyPr rtlCol="0" anchor="ctr"/>
+            <a:lstStyle/>
+            <a:p>
+              <a:pPr algn="ctr"/>
+              <a:endParaRPr lang="en-US"/>
+            </a:p>
+          </p:txBody>
+        </p:sp>
+        <p:sp>
+          <p:nvSpPr>
+            <p:cNvPr id="91" name="Rectangle 90"/>
+            <p:cNvSpPr/>
+            <p:nvPr/>
+          </p:nvSpPr>
+          <p:spPr>
+            <a:xfrm>
+              <a:off x="3810000" y="2895600"/>
+              <a:ext cx="228600" cy="228600"/>
+            </a:xfrm>
+            <a:prstGeom prst="rect">
+              <a:avLst/>
+            </a:prstGeom>
+            <a:solidFill>
+              <a:schemeClr val="tx2">
+                <a:lumMod val="40000"/>
+                <a:lumOff val="60000"/>
+              </a:schemeClr>
+            </a:solidFill>
+            <a:ln>
+              <a:solidFill>
+                <a:schemeClr val="bg1">
+                  <a:lumMod val="75000"/>
+                </a:schemeClr>
+              </a:solidFill>
+            </a:ln>
+          </p:spPr>
+          <p:style>
+            <a:lnRef idx="2">
+              <a:schemeClr val="accent1">
+                <a:shade val="50000"/>
+              </a:schemeClr>
+            </a:lnRef>
+            <a:fillRef idx="1">
+              <a:schemeClr val="accent1"/>
+            </a:fillRef>
+            <a:effectRef idx="0">
+              <a:schemeClr val="accent1"/>
+            </a:effectRef>
+            <a:fontRef idx="minor">
+              <a:schemeClr val="lt1"/>
+            </a:fontRef>
+          </p:style>
+          <p:txBody>
+            <a:bodyPr rtlCol="0" anchor="ctr"/>
+            <a:lstStyle/>
+            <a:p>
+              <a:pPr algn="ctr"/>
+              <a:endParaRPr lang="en-US"/>
+            </a:p>
+          </p:txBody>
+        </p:sp>
+        <p:sp>
+          <p:nvSpPr>
+            <p:cNvPr id="92" name="Rectangle 91"/>
+            <p:cNvSpPr/>
+            <p:nvPr/>
+          </p:nvSpPr>
+          <p:spPr>
+            <a:xfrm>
+              <a:off x="2895600" y="3124200"/>
+              <a:ext cx="228600" cy="228600"/>
+            </a:xfrm>
+            <a:prstGeom prst="rect">
+              <a:avLst/>
+            </a:prstGeom>
+            <a:solidFill>
+              <a:schemeClr val="bg1"/>
+            </a:solidFill>
+            <a:ln>
+              <a:solidFill>
+                <a:schemeClr val="bg1">
+                  <a:lumMod val="75000"/>
+                </a:schemeClr>
+              </a:solidFill>
+            </a:ln>
+          </p:spPr>
+          <p:style>
+            <a:lnRef idx="2">
+              <a:schemeClr val="accent1">
+                <a:shade val="50000"/>
+              </a:schemeClr>
+            </a:lnRef>
+            <a:fillRef idx="1">
+              <a:schemeClr val="accent1"/>
+            </a:fillRef>
+            <a:effectRef idx="0">
+              <a:schemeClr val="accent1"/>
+            </a:effectRef>
+            <a:fontRef idx="minor">
+              <a:schemeClr val="lt1"/>
+            </a:fontRef>
+          </p:style>
+          <p:txBody>
+            <a:bodyPr rtlCol="0" anchor="ctr"/>
+            <a:lstStyle/>
+            <a:p>
+              <a:pPr algn="ctr"/>
+              <a:endParaRPr lang="en-US"/>
+            </a:p>
+          </p:txBody>
+        </p:sp>
+        <p:sp>
+          <p:nvSpPr>
+            <p:cNvPr id="93" name="Rectangle 92"/>
+            <p:cNvSpPr/>
+            <p:nvPr/>
+          </p:nvSpPr>
+          <p:spPr>
+            <a:xfrm>
+              <a:off x="3124200" y="3124200"/>
+              <a:ext cx="228600" cy="228600"/>
+            </a:xfrm>
+            <a:prstGeom prst="rect">
+              <a:avLst/>
+            </a:prstGeom>
+            <a:solidFill>
+              <a:schemeClr val="bg1"/>
+            </a:solidFill>
+            <a:ln>
+              <a:solidFill>
+                <a:schemeClr val="bg1">
+                  <a:lumMod val="75000"/>
+                </a:schemeClr>
+              </a:solidFill>
+            </a:ln>
+          </p:spPr>
+          <p:style>
+            <a:lnRef idx="2">
+              <a:schemeClr val="accent1">
+                <a:shade val="50000"/>
+              </a:schemeClr>
+            </a:lnRef>
+            <a:fillRef idx="1">
+              <a:schemeClr val="accent1"/>
+            </a:fillRef>
+            <a:effectRef idx="0">
+              <a:schemeClr val="accent1"/>
+            </a:effectRef>
+            <a:fontRef idx="minor">
+              <a:schemeClr val="lt1"/>
+            </a:fontRef>
+          </p:style>
+          <p:txBody>
+            <a:bodyPr rtlCol="0" anchor="ctr"/>
+            <a:lstStyle/>
+            <a:p>
+              <a:pPr algn="ctr"/>
+              <a:endParaRPr lang="en-US"/>
+            </a:p>
+          </p:txBody>
+        </p:sp>
+        <p:sp>
+          <p:nvSpPr>
+            <p:cNvPr id="94" name="Rectangle 93"/>
+            <p:cNvSpPr/>
+            <p:nvPr/>
+          </p:nvSpPr>
+          <p:spPr>
+            <a:xfrm>
+              <a:off x="3352800" y="3124200"/>
+              <a:ext cx="228600" cy="228600"/>
+            </a:xfrm>
+            <a:prstGeom prst="rect">
+              <a:avLst/>
+            </a:prstGeom>
+            <a:solidFill>
+              <a:schemeClr val="tx2">
+                <a:lumMod val="40000"/>
+                <a:lumOff val="60000"/>
+              </a:schemeClr>
+            </a:solidFill>
+            <a:ln>
+              <a:solidFill>
+                <a:schemeClr val="bg1">
+                  <a:lumMod val="75000"/>
+                </a:schemeClr>
+              </a:solidFill>
+            </a:ln>
+          </p:spPr>
+          <p:style>
+            <a:lnRef idx="2">
+              <a:schemeClr val="accent1">
+                <a:shade val="50000"/>
+              </a:schemeClr>
+            </a:lnRef>
+            <a:fillRef idx="1">
+              <a:schemeClr val="accent1"/>
+            </a:fillRef>
+            <a:effectRef idx="0">
+              <a:schemeClr val="accent1"/>
+            </a:effectRef>
+            <a:fontRef idx="minor">
+              <a:schemeClr val="lt1"/>
+            </a:fontRef>
+          </p:style>
+          <p:txBody>
+            <a:bodyPr rtlCol="0" anchor="ctr"/>
+            <a:lstStyle/>
+            <a:p>
+              <a:pPr algn="ctr"/>
+              <a:endParaRPr lang="en-US"/>
+            </a:p>
+          </p:txBody>
+        </p:sp>
+        <p:sp>
+          <p:nvSpPr>
+            <p:cNvPr id="95" name="Rectangle 94"/>
+            <p:cNvSpPr/>
+            <p:nvPr/>
+          </p:nvSpPr>
+          <p:spPr>
+            <a:xfrm>
+              <a:off x="3581400" y="3124200"/>
+              <a:ext cx="228600" cy="228600"/>
+            </a:xfrm>
+            <a:prstGeom prst="rect">
+              <a:avLst/>
+            </a:prstGeom>
+            <a:solidFill>
+              <a:schemeClr val="tx2">
+                <a:lumMod val="60000"/>
+                <a:lumOff val="40000"/>
+              </a:schemeClr>
+            </a:solidFill>
+            <a:ln>
+              <a:solidFill>
+                <a:schemeClr val="bg1">
+                  <a:lumMod val="75000"/>
+                </a:schemeClr>
+              </a:solidFill>
+            </a:ln>
+          </p:spPr>
+          <p:style>
+            <a:lnRef idx="2">
+              <a:schemeClr val="accent1">
+                <a:shade val="50000"/>
+              </a:schemeClr>
+            </a:lnRef>
+            <a:fillRef idx="1">
+              <a:schemeClr val="accent1"/>
+            </a:fillRef>
+            <a:effectRef idx="0">
+              <a:schemeClr val="accent1"/>
+            </a:effectRef>
+            <a:fontRef idx="minor">
+              <a:schemeClr val="lt1"/>
+            </a:fontRef>
+          </p:style>
+          <p:txBody>
+            <a:bodyPr rtlCol="0" anchor="ctr"/>
+            <a:lstStyle/>
+            <a:p>
+              <a:pPr algn="ctr"/>
+              <a:endParaRPr lang="en-US"/>
+            </a:p>
+          </p:txBody>
+        </p:sp>
+        <p:sp>
+          <p:nvSpPr>
+            <p:cNvPr id="96" name="Rectangle 95"/>
+            <p:cNvSpPr/>
+            <p:nvPr/>
+          </p:nvSpPr>
+          <p:spPr>
+            <a:xfrm>
+              <a:off x="3810000" y="3124200"/>
+              <a:ext cx="228600" cy="228600"/>
+            </a:xfrm>
+            <a:prstGeom prst="rect">
+              <a:avLst/>
+            </a:prstGeom>
+            <a:solidFill>
+              <a:schemeClr val="tx2">
+                <a:lumMod val="40000"/>
+                <a:lumOff val="60000"/>
+              </a:schemeClr>
+            </a:solidFill>
+            <a:ln>
+              <a:solidFill>
+                <a:schemeClr val="bg1">
+                  <a:lumMod val="75000"/>
+                </a:schemeClr>
+              </a:solidFill>
+            </a:ln>
+          </p:spPr>
+          <p:style>
+            <a:lnRef idx="2">
+              <a:schemeClr val="accent1">
+                <a:shade val="50000"/>
+              </a:schemeClr>
+            </a:lnRef>
+            <a:fillRef idx="1">
+              <a:schemeClr val="accent1"/>
+            </a:fillRef>
+            <a:effectRef idx="0">
+              <a:schemeClr val="accent1"/>
+            </a:effectRef>
+            <a:fontRef idx="minor">
+              <a:schemeClr val="lt1"/>
+            </a:fontRef>
+          </p:style>
+          <p:txBody>
+            <a:bodyPr rtlCol="0" anchor="ctr"/>
+            <a:lstStyle/>
+            <a:p>
+              <a:pPr algn="ctr"/>
+              <a:endParaRPr lang="en-US"/>
+            </a:p>
+          </p:txBody>
+        </p:sp>
+        <p:sp>
+          <p:nvSpPr>
+            <p:cNvPr id="97" name="Rectangle 96"/>
+            <p:cNvSpPr/>
+            <p:nvPr/>
+          </p:nvSpPr>
+          <p:spPr>
+            <a:xfrm>
+              <a:off x="2895600" y="3352800"/>
+              <a:ext cx="228600" cy="228600"/>
+            </a:xfrm>
+            <a:prstGeom prst="rect">
+              <a:avLst/>
+            </a:prstGeom>
+            <a:solidFill>
+              <a:schemeClr val="bg1"/>
+            </a:solidFill>
+            <a:ln>
+              <a:solidFill>
+                <a:schemeClr val="bg1">
+                  <a:lumMod val="75000"/>
+                </a:schemeClr>
+              </a:solidFill>
+            </a:ln>
+          </p:spPr>
+          <p:style>
+            <a:lnRef idx="2">
+              <a:schemeClr val="accent1">
+                <a:shade val="50000"/>
+              </a:schemeClr>
+            </a:lnRef>
+            <a:fillRef idx="1">
+              <a:schemeClr val="accent1"/>
+            </a:fillRef>
+            <a:effectRef idx="0">
+              <a:schemeClr val="accent1"/>
+            </a:effectRef>
+            <a:fontRef idx="minor">
+              <a:schemeClr val="lt1"/>
+            </a:fontRef>
+          </p:style>
+          <p:txBody>
+            <a:bodyPr rtlCol="0" anchor="ctr"/>
+            <a:lstStyle/>
+            <a:p>
+              <a:pPr algn="ctr"/>
+              <a:endParaRPr lang="en-US"/>
+            </a:p>
+          </p:txBody>
+        </p:sp>
+        <p:sp>
+          <p:nvSpPr>
+            <p:cNvPr id="98" name="Rectangle 97"/>
+            <p:cNvSpPr/>
+            <p:nvPr/>
+          </p:nvSpPr>
+          <p:spPr>
+            <a:xfrm>
+              <a:off x="3124200" y="3352800"/>
+              <a:ext cx="228600" cy="228600"/>
+            </a:xfrm>
+            <a:prstGeom prst="rect">
+              <a:avLst/>
+            </a:prstGeom>
+            <a:solidFill>
+              <a:schemeClr val="bg1"/>
+            </a:solidFill>
+            <a:ln>
+              <a:solidFill>
+                <a:schemeClr val="bg1">
+                  <a:lumMod val="75000"/>
+                </a:schemeClr>
+              </a:solidFill>
+            </a:ln>
+          </p:spPr>
+          <p:style>
+            <a:lnRef idx="2">
+              <a:schemeClr val="accent1">
+                <a:shade val="50000"/>
+              </a:schemeClr>
+            </a:lnRef>
+            <a:fillRef idx="1">
+              <a:schemeClr val="accent1"/>
+            </a:fillRef>
+            <a:effectRef idx="0">
+              <a:schemeClr val="accent1"/>
+            </a:effectRef>
+            <a:fontRef idx="minor">
+              <a:schemeClr val="lt1"/>
+            </a:fontRef>
+          </p:style>
+          <p:txBody>
+            <a:bodyPr rtlCol="0" anchor="ctr"/>
+            <a:lstStyle/>
+            <a:p>
+              <a:pPr algn="ctr"/>
+              <a:endParaRPr lang="en-US"/>
+            </a:p>
+          </p:txBody>
+        </p:sp>
+        <p:sp>
+          <p:nvSpPr>
+            <p:cNvPr id="99" name="Rectangle 98"/>
+            <p:cNvSpPr/>
+            <p:nvPr/>
+          </p:nvSpPr>
+          <p:spPr>
+            <a:xfrm>
+              <a:off x="3352800" y="3352800"/>
+              <a:ext cx="228600" cy="228600"/>
+            </a:xfrm>
+            <a:prstGeom prst="rect">
+              <a:avLst/>
+            </a:prstGeom>
+            <a:solidFill>
+              <a:schemeClr val="tx2">
+                <a:lumMod val="60000"/>
+                <a:lumOff val="40000"/>
+              </a:schemeClr>
+            </a:solidFill>
+            <a:ln>
+              <a:solidFill>
+                <a:schemeClr val="bg1">
+                  <a:lumMod val="75000"/>
+                </a:schemeClr>
+              </a:solidFill>
+            </a:ln>
+          </p:spPr>
+          <p:style>
+            <a:lnRef idx="2">
+              <a:schemeClr val="accent1">
+                <a:shade val="50000"/>
+              </a:schemeClr>
+            </a:lnRef>
+            <a:fillRef idx="1">
+              <a:schemeClr val="accent1"/>
+            </a:fillRef>
+            <a:effectRef idx="0">
+              <a:schemeClr val="accent1"/>
+            </a:effectRef>
+            <a:fontRef idx="minor">
+              <a:schemeClr val="lt1"/>
+            </a:fontRef>
+          </p:style>
+          <p:txBody>
+            <a:bodyPr rtlCol="0" anchor="ctr"/>
+            <a:lstStyle/>
+            <a:p>
+              <a:pPr algn="ctr"/>
+              <a:endParaRPr lang="en-US"/>
+            </a:p>
+          </p:txBody>
+        </p:sp>
+        <p:sp>
+          <p:nvSpPr>
+            <p:cNvPr id="100" name="Rectangle 99"/>
+            <p:cNvSpPr/>
+            <p:nvPr/>
+          </p:nvSpPr>
+          <p:spPr>
+            <a:xfrm>
+              <a:off x="3581400" y="3352800"/>
+              <a:ext cx="228600" cy="228600"/>
+            </a:xfrm>
+            <a:prstGeom prst="rect">
+              <a:avLst/>
+            </a:prstGeom>
+            <a:solidFill>
+              <a:schemeClr val="tx2">
+                <a:lumMod val="20000"/>
+                <a:lumOff val="80000"/>
+              </a:schemeClr>
+            </a:solidFill>
+            <a:ln>
+              <a:solidFill>
+                <a:schemeClr val="bg1">
+                  <a:lumMod val="75000"/>
+                </a:schemeClr>
+              </a:solidFill>
+            </a:ln>
+          </p:spPr>
+          <p:style>
+            <a:lnRef idx="2">
+              <a:schemeClr val="accent1">
+                <a:shade val="50000"/>
+              </a:schemeClr>
+            </a:lnRef>
+            <a:fillRef idx="1">
+              <a:schemeClr val="accent1"/>
+            </a:fillRef>
+            <a:effectRef idx="0">
+              <a:schemeClr val="accent1"/>
+            </a:effectRef>
+            <a:fontRef idx="minor">
+              <a:schemeClr val="lt1"/>
+            </a:fontRef>
+          </p:style>
+          <p:txBody>
+            <a:bodyPr rtlCol="0" anchor="ctr"/>
+            <a:lstStyle/>
+            <a:p>
+              <a:pPr algn="ctr"/>
+              <a:endParaRPr lang="en-US"/>
+            </a:p>
+          </p:txBody>
+        </p:sp>
+        <p:sp>
+          <p:nvSpPr>
+            <p:cNvPr id="101" name="Rectangle 100"/>
+            <p:cNvSpPr/>
+            <p:nvPr/>
+          </p:nvSpPr>
+          <p:spPr>
+            <a:xfrm>
+              <a:off x="3810000" y="3352800"/>
+              <a:ext cx="228600" cy="228600"/>
+            </a:xfrm>
+            <a:prstGeom prst="rect">
+              <a:avLst/>
+            </a:prstGeom>
+            <a:solidFill>
+              <a:schemeClr val="tx2">
+                <a:lumMod val="60000"/>
+                <a:lumOff val="40000"/>
+              </a:schemeClr>
+            </a:solidFill>
+            <a:ln>
+              <a:solidFill>
+                <a:schemeClr val="bg1">
+                  <a:lumMod val="75000"/>
+                </a:schemeClr>
+              </a:solidFill>
+            </a:ln>
+          </p:spPr>
+          <p:style>
+            <a:lnRef idx="2">
+              <a:schemeClr val="accent1">
+                <a:shade val="50000"/>
+              </a:schemeClr>
+            </a:lnRef>
+            <a:fillRef idx="1">
+              <a:schemeClr val="accent1"/>
+            </a:fillRef>
+            <a:effectRef idx="0">
+              <a:schemeClr val="accent1"/>
+            </a:effectRef>
+            <a:fontRef idx="minor">
+              <a:schemeClr val="lt1"/>
+            </a:fontRef>
+          </p:style>
+          <p:txBody>
+            <a:bodyPr rtlCol="0" anchor="ctr"/>
+            <a:lstStyle/>
+            <a:p>
+              <a:pPr algn="ctr"/>
+              <a:endParaRPr lang="en-US"/>
+            </a:p>
+          </p:txBody>
+        </p:sp>
+      </p:grpSp>
+      <p:cxnSp>
+        <p:nvCxnSpPr>
+          <p:cNvPr id="104" name="Straight Arrow Connector 103"/>
+          <p:cNvCxnSpPr/>
+          <p:nvPr/>
+        </p:nvCxnSpPr>
+        <p:spPr>
+          <a:xfrm rot="16200000" flipH="1">
+            <a:off x="4199096" y="1668303"/>
+            <a:ext cx="1154910" cy="697709"/>
+          </a:xfrm>
+          <a:prstGeom prst="straightConnector1">
+            <a:avLst/>
+          </a:prstGeom>
+          <a:ln w="44450">
+            <a:solidFill>
+              <a:schemeClr val="tx1"/>
+            </a:solidFill>
+            <a:tailEnd type="arrow"/>
+          </a:ln>
+        </p:spPr>
+        <p:style>
+          <a:lnRef idx="1">
+            <a:schemeClr val="accent1"/>
+          </a:lnRef>
+          <a:fillRef idx="0">
+            <a:schemeClr val="accent1"/>
+          </a:fillRef>
+          <a:effectRef idx="0">
+            <a:schemeClr val="accent1"/>
+          </a:effectRef>
+          <a:fontRef idx="minor">
+            <a:schemeClr val="tx1"/>
+          </a:fontRef>
+        </p:style>
+      </p:cxnSp>
+      <p:cxnSp>
+        <p:nvCxnSpPr>
+          <p:cNvPr id="105" name="Straight Arrow Connector 104"/>
+          <p:cNvCxnSpPr/>
+          <p:nvPr/>
+        </p:nvCxnSpPr>
+        <p:spPr>
+          <a:xfrm>
+            <a:off x="4423410" y="1445705"/>
+            <a:ext cx="1219200" cy="1588"/>
+          </a:xfrm>
+          <a:prstGeom prst="straightConnector1">
+            <a:avLst/>
+          </a:prstGeom>
+          <a:ln w="44450">
+            <a:solidFill>
+              <a:schemeClr val="tx1"/>
+            </a:solidFill>
+            <a:tailEnd type="arrow"/>
+          </a:ln>
+        </p:spPr>
+        <p:style>
+          <a:lnRef idx="1">
+            <a:schemeClr val="accent1"/>
+          </a:lnRef>
+          <a:fillRef idx="0">
+            <a:schemeClr val="accent1"/>
+          </a:fillRef>
+          <a:effectRef idx="0">
+            <a:schemeClr val="accent1"/>
+          </a:effectRef>
+          <a:fontRef idx="minor">
+            <a:schemeClr val="tx1"/>
+          </a:fontRef>
+        </p:style>
+      </p:cxnSp>
+      <p:sp>
+        <p:nvSpPr>
+          <p:cNvPr id="106" name="Oval 105"/>
+          <p:cNvSpPr/>
+          <p:nvPr/>
+        </p:nvSpPr>
+        <p:spPr>
+          <a:xfrm>
+            <a:off x="4408646" y="1423035"/>
+            <a:ext cx="45719" cy="45719"/>
+          </a:xfrm>
+          <a:prstGeom prst="ellipse">
+            <a:avLst/>
+          </a:prstGeom>
+          <a:solidFill>
+            <a:schemeClr val="tx1"/>
+          </a:solidFill>
+          <a:ln w="28575">
+            <a:noFill/>
+          </a:ln>
+        </p:spPr>
+        <p:style>
+          <a:lnRef idx="2">
+            <a:schemeClr val="accent1">
+              <a:shade val="50000"/>
+            </a:schemeClr>
+          </a:lnRef>
+          <a:fillRef idx="1">
+            <a:schemeClr val="accent1"/>
+          </a:fillRef>
+          <a:effectRef idx="0">
+            <a:schemeClr val="accent1"/>
+          </a:effectRef>
+          <a:fontRef idx="minor">
+            <a:schemeClr val="lt1"/>
+          </a:fontRef>
+        </p:style>
+        <p:txBody>
+          <a:bodyPr rtlCol="0" anchor="ctr"/>
+          <a:lstStyle/>
+          <a:p>
+            <a:pPr algn="ctr"/>
+            <a:endParaRPr lang="en-US"/>
+          </a:p>
+        </p:txBody>
+      </p:sp>
+      <p:grpSp>
+        <p:nvGrpSpPr>
+          <p:cNvPr id="109" name="Group 108"/>
+          <p:cNvGrpSpPr/>
+          <p:nvPr/>
+        </p:nvGrpSpPr>
+        <p:grpSpPr>
+          <a:xfrm>
+            <a:off x="2364105" y="3821430"/>
+            <a:ext cx="1143000" cy="1143000"/>
+            <a:chOff x="2895600" y="2438400"/>
+            <a:chExt cx="1143000" cy="1143000"/>
+          </a:xfrm>
+        </p:grpSpPr>
+        <p:sp>
+          <p:nvSpPr>
+            <p:cNvPr id="110" name="Rectangle 109"/>
+            <p:cNvSpPr/>
+            <p:nvPr/>
+          </p:nvSpPr>
+          <p:spPr>
+            <a:xfrm>
+              <a:off x="2895600" y="2438400"/>
+              <a:ext cx="228600" cy="228600"/>
+            </a:xfrm>
+            <a:prstGeom prst="rect">
+              <a:avLst/>
+            </a:prstGeom>
+            <a:solidFill>
+              <a:schemeClr val="tx2">
+                <a:lumMod val="40000"/>
+                <a:lumOff val="60000"/>
+              </a:schemeClr>
+            </a:solidFill>
+            <a:ln>
+              <a:solidFill>
+                <a:schemeClr val="bg1">
+                  <a:lumMod val="75000"/>
+                </a:schemeClr>
+              </a:solidFill>
+            </a:ln>
+          </p:spPr>
+          <p:style>
+            <a:lnRef idx="2">
+              <a:schemeClr val="accent1">
+                <a:shade val="50000"/>
+              </a:schemeClr>
+            </a:lnRef>
+            <a:fillRef idx="1">
+              <a:schemeClr val="accent1"/>
+            </a:fillRef>
+            <a:effectRef idx="0">
+              <a:schemeClr val="accent1"/>
+            </a:effectRef>
+            <a:fontRef idx="minor">
+              <a:schemeClr val="lt1"/>
+            </a:fontRef>
+          </p:style>
+          <p:txBody>
+            <a:bodyPr rtlCol="0" anchor="ctr"/>
+            <a:lstStyle/>
+            <a:p>
+              <a:pPr algn="ctr"/>
+              <a:endParaRPr lang="en-US"/>
+            </a:p>
+          </p:txBody>
+        </p:sp>
+        <p:sp>
+          <p:nvSpPr>
+            <p:cNvPr id="111" name="Rectangle 110"/>
+            <p:cNvSpPr/>
+            <p:nvPr/>
+          </p:nvSpPr>
+          <p:spPr>
+            <a:xfrm>
+              <a:off x="3124200" y="2438400"/>
+              <a:ext cx="228600" cy="228600"/>
+            </a:xfrm>
+            <a:prstGeom prst="rect">
+              <a:avLst/>
+            </a:prstGeom>
+            <a:solidFill>
+              <a:schemeClr val="tx2">
+                <a:lumMod val="20000"/>
+                <a:lumOff val="80000"/>
+              </a:schemeClr>
+            </a:solidFill>
+            <a:ln>
+              <a:solidFill>
+                <a:schemeClr val="bg1">
+                  <a:lumMod val="75000"/>
+                </a:schemeClr>
+              </a:solidFill>
+            </a:ln>
+          </p:spPr>
+          <p:style>
+            <a:lnRef idx="2">
+              <a:schemeClr val="accent1">
+                <a:shade val="50000"/>
+              </a:schemeClr>
+            </a:lnRef>
+            <a:fillRef idx="1">
+              <a:schemeClr val="accent1"/>
+            </a:fillRef>
+            <a:effectRef idx="0">
+              <a:schemeClr val="accent1"/>
+            </a:effectRef>
+            <a:fontRef idx="minor">
+              <a:schemeClr val="lt1"/>
+            </a:fontRef>
+          </p:style>
+          <p:txBody>
+            <a:bodyPr rtlCol="0" anchor="ctr"/>
+            <a:lstStyle/>
+            <a:p>
+              <a:pPr algn="ctr"/>
+              <a:endParaRPr lang="en-US"/>
+            </a:p>
+          </p:txBody>
+        </p:sp>
+        <p:sp>
+          <p:nvSpPr>
+            <p:cNvPr id="112" name="Rectangle 111"/>
+            <p:cNvSpPr/>
+            <p:nvPr/>
+          </p:nvSpPr>
+          <p:spPr>
+            <a:xfrm>
+              <a:off x="3352800" y="2438400"/>
+              <a:ext cx="228600" cy="228600"/>
+            </a:xfrm>
+            <a:prstGeom prst="rect">
+              <a:avLst/>
+            </a:prstGeom>
+            <a:solidFill>
+              <a:schemeClr val="bg1"/>
+            </a:solidFill>
+            <a:ln>
+              <a:solidFill>
+                <a:schemeClr val="bg1">
+                  <a:lumMod val="75000"/>
+                </a:schemeClr>
+              </a:solidFill>
+            </a:ln>
+          </p:spPr>
+          <p:style>
+            <a:lnRef idx="2">
+              <a:schemeClr val="accent1">
+                <a:shade val="50000"/>
+              </a:schemeClr>
+            </a:lnRef>
+            <a:fillRef idx="1">
+              <a:schemeClr val="accent1"/>
+            </a:fillRef>
+            <a:effectRef idx="0">
+              <a:schemeClr val="accent1"/>
+            </a:effectRef>
+            <a:fontRef idx="minor">
+              <a:schemeClr val="lt1"/>
+            </a:fontRef>
+          </p:style>
+          <p:txBody>
+            <a:bodyPr rtlCol="0" anchor="ctr"/>
+            <a:lstStyle/>
+            <a:p>
+              <a:pPr algn="ctr"/>
+              <a:endParaRPr lang="en-US"/>
+            </a:p>
+          </p:txBody>
+        </p:sp>
+        <p:sp>
+          <p:nvSpPr>
+            <p:cNvPr id="113" name="Rectangle 112"/>
+            <p:cNvSpPr/>
+            <p:nvPr/>
+          </p:nvSpPr>
+          <p:spPr>
+            <a:xfrm>
+              <a:off x="3581400" y="2438400"/>
+              <a:ext cx="228600" cy="228600"/>
+            </a:xfrm>
+            <a:prstGeom prst="rect">
+              <a:avLst/>
+            </a:prstGeom>
+            <a:solidFill>
+              <a:schemeClr val="bg1"/>
+            </a:solidFill>
+            <a:ln>
+              <a:solidFill>
+                <a:schemeClr val="bg1">
+                  <a:lumMod val="75000"/>
+                </a:schemeClr>
+              </a:solidFill>
+            </a:ln>
+          </p:spPr>
+          <p:style>
+            <a:lnRef idx="2">
+              <a:schemeClr val="accent1">
+                <a:shade val="50000"/>
+              </a:schemeClr>
+            </a:lnRef>
+            <a:fillRef idx="1">
+              <a:schemeClr val="accent1"/>
+            </a:fillRef>
+            <a:effectRef idx="0">
+              <a:schemeClr val="accent1"/>
+            </a:effectRef>
+            <a:fontRef idx="minor">
+              <a:schemeClr val="lt1"/>
+            </a:fontRef>
+          </p:style>
+          <p:txBody>
+            <a:bodyPr rtlCol="0" anchor="ctr"/>
+            <a:lstStyle/>
+            <a:p>
+              <a:pPr algn="ctr"/>
+              <a:endParaRPr lang="en-US"/>
+            </a:p>
+          </p:txBody>
+        </p:sp>
+        <p:sp>
+          <p:nvSpPr>
+            <p:cNvPr id="114" name="Rectangle 113"/>
+            <p:cNvSpPr/>
+            <p:nvPr/>
+          </p:nvSpPr>
+          <p:spPr>
+            <a:xfrm>
+              <a:off x="3810000" y="2438400"/>
+              <a:ext cx="228600" cy="228600"/>
+            </a:xfrm>
+            <a:prstGeom prst="rect">
+              <a:avLst/>
+            </a:prstGeom>
+            <a:solidFill>
+              <a:schemeClr val="bg1"/>
+            </a:solidFill>
+            <a:ln>
+              <a:solidFill>
+                <a:schemeClr val="bg1">
+                  <a:lumMod val="75000"/>
+                </a:schemeClr>
+              </a:solidFill>
+            </a:ln>
+          </p:spPr>
+          <p:style>
+            <a:lnRef idx="2">
+              <a:schemeClr val="accent1">
+                <a:shade val="50000"/>
+              </a:schemeClr>
+            </a:lnRef>
+            <a:fillRef idx="1">
+              <a:schemeClr val="accent1"/>
+            </a:fillRef>
+            <a:effectRef idx="0">
+              <a:schemeClr val="accent1"/>
+            </a:effectRef>
+            <a:fontRef idx="minor">
+              <a:schemeClr val="lt1"/>
+            </a:fontRef>
+          </p:style>
+          <p:txBody>
+            <a:bodyPr rtlCol="0" anchor="ctr"/>
+            <a:lstStyle/>
+            <a:p>
+              <a:pPr algn="ctr"/>
+              <a:endParaRPr lang="en-US"/>
+            </a:p>
+          </p:txBody>
+        </p:sp>
+        <p:sp>
+          <p:nvSpPr>
+            <p:cNvPr id="115" name="Rectangle 114"/>
+            <p:cNvSpPr/>
+            <p:nvPr/>
+          </p:nvSpPr>
+          <p:spPr>
+            <a:xfrm>
+              <a:off x="2895600" y="2667000"/>
+              <a:ext cx="228600" cy="228600"/>
+            </a:xfrm>
+            <a:prstGeom prst="rect">
+              <a:avLst/>
+            </a:prstGeom>
+            <a:solidFill>
+              <a:schemeClr val="bg1"/>
+            </a:solidFill>
+            <a:ln>
+              <a:solidFill>
+                <a:schemeClr val="bg1">
+                  <a:lumMod val="75000"/>
+                </a:schemeClr>
+              </a:solidFill>
+            </a:ln>
+          </p:spPr>
+          <p:style>
+            <a:lnRef idx="2">
+              <a:schemeClr val="accent1">
+                <a:shade val="50000"/>
+              </a:schemeClr>
+            </a:lnRef>
+            <a:fillRef idx="1">
+              <a:schemeClr val="accent1"/>
+            </a:fillRef>
+            <a:effectRef idx="0">
+              <a:schemeClr val="accent1"/>
+            </a:effectRef>
+            <a:fontRef idx="minor">
+              <a:schemeClr val="lt1"/>
+            </a:fontRef>
+          </p:style>
+          <p:txBody>
+            <a:bodyPr rtlCol="0" anchor="ctr"/>
+            <a:lstStyle/>
+            <a:p>
+              <a:pPr algn="ctr"/>
+              <a:endParaRPr lang="en-US"/>
+            </a:p>
+          </p:txBody>
+        </p:sp>
+        <p:sp>
+          <p:nvSpPr>
+            <p:cNvPr id="116" name="Rectangle 115"/>
+            <p:cNvSpPr/>
+            <p:nvPr/>
+          </p:nvSpPr>
+          <p:spPr>
+            <a:xfrm>
+              <a:off x="3124200" y="2667000"/>
+              <a:ext cx="228600" cy="228600"/>
+            </a:xfrm>
+            <a:prstGeom prst="rect">
+              <a:avLst/>
+            </a:prstGeom>
+            <a:solidFill>
+              <a:schemeClr val="tx2">
+                <a:lumMod val="20000"/>
+                <a:lumOff val="80000"/>
+              </a:schemeClr>
+            </a:solidFill>
+            <a:ln>
+              <a:solidFill>
+                <a:schemeClr val="bg1">
+                  <a:lumMod val="75000"/>
+                </a:schemeClr>
+              </a:solidFill>
+            </a:ln>
+          </p:spPr>
+          <p:style>
+            <a:lnRef idx="2">
+              <a:schemeClr val="accent1">
+                <a:shade val="50000"/>
+              </a:schemeClr>
+            </a:lnRef>
+            <a:fillRef idx="1">
+              <a:schemeClr val="accent1"/>
+            </a:fillRef>
+            <a:effectRef idx="0">
+              <a:schemeClr val="accent1"/>
+            </a:effectRef>
+            <a:fontRef idx="minor">
+              <a:schemeClr val="lt1"/>
+            </a:fontRef>
+          </p:style>
+          <p:txBody>
+            <a:bodyPr rtlCol="0" anchor="ctr"/>
+            <a:lstStyle/>
+            <a:p>
+              <a:pPr algn="ctr"/>
+              <a:endParaRPr lang="en-US"/>
+            </a:p>
+          </p:txBody>
+        </p:sp>
+        <p:sp>
+          <p:nvSpPr>
+            <p:cNvPr id="117" name="Rectangle 116"/>
+            <p:cNvSpPr/>
+            <p:nvPr/>
+          </p:nvSpPr>
+          <p:spPr>
+            <a:xfrm>
+              <a:off x="3352800" y="2667000"/>
+              <a:ext cx="228600" cy="228600"/>
+            </a:xfrm>
+            <a:prstGeom prst="rect">
+              <a:avLst/>
+            </a:prstGeom>
+            <a:solidFill>
+              <a:schemeClr val="tx2">
+                <a:lumMod val="40000"/>
+                <a:lumOff val="60000"/>
+              </a:schemeClr>
+            </a:solidFill>
+            <a:ln>
+              <a:solidFill>
+                <a:schemeClr val="bg1">
+                  <a:lumMod val="75000"/>
+                </a:schemeClr>
+              </a:solidFill>
+            </a:ln>
+          </p:spPr>
+          <p:style>
+            <a:lnRef idx="2">
+              <a:schemeClr val="accent1">
+                <a:shade val="50000"/>
+              </a:schemeClr>
+            </a:lnRef>
+            <a:fillRef idx="1">
+              <a:schemeClr val="accent1"/>
+            </a:fillRef>
+            <a:effectRef idx="0">
+              <a:schemeClr val="accent1"/>
+            </a:effectRef>
+            <a:fontRef idx="minor">
+              <a:schemeClr val="lt1"/>
+            </a:fontRef>
+          </p:style>
+          <p:txBody>
+            <a:bodyPr rtlCol="0" anchor="ctr"/>
+            <a:lstStyle/>
+            <a:p>
+              <a:pPr algn="ctr"/>
+              <a:endParaRPr lang="en-US"/>
+            </a:p>
+          </p:txBody>
+        </p:sp>
+        <p:sp>
+          <p:nvSpPr>
+            <p:cNvPr id="118" name="Rectangle 117"/>
+            <p:cNvSpPr/>
+            <p:nvPr/>
+          </p:nvSpPr>
+          <p:spPr>
+            <a:xfrm>
+              <a:off x="3581400" y="2667000"/>
+              <a:ext cx="228600" cy="228600"/>
+            </a:xfrm>
+            <a:prstGeom prst="rect">
+              <a:avLst/>
+            </a:prstGeom>
+            <a:solidFill>
+              <a:schemeClr val="bg1"/>
+            </a:solidFill>
+            <a:ln>
+              <a:solidFill>
+                <a:schemeClr val="bg1">
+                  <a:lumMod val="75000"/>
+                </a:schemeClr>
+              </a:solidFill>
+            </a:ln>
+          </p:spPr>
+          <p:style>
+            <a:lnRef idx="2">
+              <a:schemeClr val="accent1">
+                <a:shade val="50000"/>
+              </a:schemeClr>
+            </a:lnRef>
+            <a:fillRef idx="1">
+              <a:schemeClr val="accent1"/>
+            </a:fillRef>
+            <a:effectRef idx="0">
+              <a:schemeClr val="accent1"/>
+            </a:effectRef>
+            <a:fontRef idx="minor">
+              <a:schemeClr val="lt1"/>
+            </a:fontRef>
+          </p:style>
+          <p:txBody>
+            <a:bodyPr rtlCol="0" anchor="ctr"/>
+            <a:lstStyle/>
+            <a:p>
+              <a:pPr algn="ctr"/>
+              <a:endParaRPr lang="en-US"/>
+            </a:p>
+          </p:txBody>
+        </p:sp>
+        <p:sp>
+          <p:nvSpPr>
+            <p:cNvPr id="119" name="Rectangle 118"/>
+            <p:cNvSpPr/>
+            <p:nvPr/>
+          </p:nvSpPr>
+          <p:spPr>
+            <a:xfrm>
+              <a:off x="3810000" y="2667000"/>
+              <a:ext cx="228600" cy="228600"/>
+            </a:xfrm>
+            <a:prstGeom prst="rect">
+              <a:avLst/>
+            </a:prstGeom>
+            <a:solidFill>
+              <a:schemeClr val="bg1"/>
+            </a:solidFill>
+            <a:ln>
+              <a:solidFill>
+                <a:schemeClr val="bg1">
+                  <a:lumMod val="75000"/>
+                </a:schemeClr>
+              </a:solidFill>
+            </a:ln>
+          </p:spPr>
+          <p:style>
+            <a:lnRef idx="2">
+              <a:schemeClr val="accent1">
+                <a:shade val="50000"/>
+              </a:schemeClr>
+            </a:lnRef>
+            <a:fillRef idx="1">
+              <a:schemeClr val="accent1"/>
+            </a:fillRef>
+            <a:effectRef idx="0">
+              <a:schemeClr val="accent1"/>
+            </a:effectRef>
+            <a:fontRef idx="minor">
+              <a:schemeClr val="lt1"/>
+            </a:fontRef>
+          </p:style>
+          <p:txBody>
+            <a:bodyPr rtlCol="0" anchor="ctr"/>
+            <a:lstStyle/>
+            <a:p>
+              <a:pPr algn="ctr"/>
+              <a:endParaRPr lang="en-US"/>
+            </a:p>
+          </p:txBody>
+        </p:sp>
+        <p:sp>
+          <p:nvSpPr>
+            <p:cNvPr id="120" name="Rectangle 119"/>
+            <p:cNvSpPr/>
+            <p:nvPr/>
+          </p:nvSpPr>
+          <p:spPr>
+            <a:xfrm>
+              <a:off x="2895600" y="2895600"/>
+              <a:ext cx="228600" cy="228600"/>
+            </a:xfrm>
+            <a:prstGeom prst="rect">
+              <a:avLst/>
+            </a:prstGeom>
+            <a:solidFill>
+              <a:schemeClr val="bg1"/>
+            </a:solidFill>
+            <a:ln>
+              <a:solidFill>
+                <a:schemeClr val="bg1">
+                  <a:lumMod val="75000"/>
+                </a:schemeClr>
+              </a:solidFill>
+            </a:ln>
+          </p:spPr>
+          <p:style>
+            <a:lnRef idx="2">
+              <a:schemeClr val="accent1">
+                <a:shade val="50000"/>
+              </a:schemeClr>
+            </a:lnRef>
+            <a:fillRef idx="1">
+              <a:schemeClr val="accent1"/>
+            </a:fillRef>
+            <a:effectRef idx="0">
+              <a:schemeClr val="accent1"/>
+            </a:effectRef>
+            <a:fontRef idx="minor">
+              <a:schemeClr val="lt1"/>
+            </a:fontRef>
+          </p:style>
+          <p:txBody>
+            <a:bodyPr rtlCol="0" anchor="ctr"/>
+            <a:lstStyle/>
+            <a:p>
+              <a:pPr algn="ctr"/>
+              <a:endParaRPr lang="en-US"/>
+            </a:p>
+          </p:txBody>
+        </p:sp>
+        <p:sp>
+          <p:nvSpPr>
+            <p:cNvPr id="121" name="Rectangle 120"/>
+            <p:cNvSpPr/>
+            <p:nvPr/>
+          </p:nvSpPr>
+          <p:spPr>
+            <a:xfrm>
+              <a:off x="3124200" y="2895600"/>
+              <a:ext cx="228600" cy="228600"/>
+            </a:xfrm>
+            <a:prstGeom prst="rect">
+              <a:avLst/>
+            </a:prstGeom>
+            <a:solidFill>
+              <a:schemeClr val="bg1"/>
+            </a:solidFill>
+            <a:ln>
+              <a:solidFill>
+                <a:schemeClr val="bg1">
+                  <a:lumMod val="75000"/>
+                </a:schemeClr>
+              </a:solidFill>
+            </a:ln>
+          </p:spPr>
+          <p:style>
+            <a:lnRef idx="2">
+              <a:schemeClr val="accent1">
+                <a:shade val="50000"/>
+              </a:schemeClr>
+            </a:lnRef>
+            <a:fillRef idx="1">
+              <a:schemeClr val="accent1"/>
+            </a:fillRef>
+            <a:effectRef idx="0">
+              <a:schemeClr val="accent1"/>
+            </a:effectRef>
+            <a:fontRef idx="minor">
+              <a:schemeClr val="lt1"/>
+            </a:fontRef>
+          </p:style>
+          <p:txBody>
+            <a:bodyPr rtlCol="0" anchor="ctr"/>
+            <a:lstStyle/>
+            <a:p>
+              <a:pPr algn="ctr"/>
+              <a:endParaRPr lang="en-US"/>
+            </a:p>
+          </p:txBody>
+        </p:sp>
+        <p:sp>
+          <p:nvSpPr>
+            <p:cNvPr id="122" name="Rectangle 121"/>
+            <p:cNvSpPr/>
+            <p:nvPr/>
+          </p:nvSpPr>
+          <p:spPr>
+            <a:xfrm>
+              <a:off x="3352800" y="2895600"/>
+              <a:ext cx="228600" cy="228600"/>
+            </a:xfrm>
+            <a:prstGeom prst="rect">
+              <a:avLst/>
+            </a:prstGeom>
+            <a:solidFill>
+              <a:schemeClr val="tx2">
+                <a:lumMod val="60000"/>
+                <a:lumOff val="40000"/>
+              </a:schemeClr>
+            </a:solidFill>
+            <a:ln>
+              <a:solidFill>
+                <a:schemeClr val="bg1">
+                  <a:lumMod val="75000"/>
+                </a:schemeClr>
+              </a:solidFill>
+            </a:ln>
+          </p:spPr>
+          <p:style>
+            <a:lnRef idx="2">
+              <a:schemeClr val="accent1">
+                <a:shade val="50000"/>
+              </a:schemeClr>
+            </a:lnRef>
+            <a:fillRef idx="1">
+              <a:schemeClr val="accent1"/>
+            </a:fillRef>
+            <a:effectRef idx="0">
+              <a:schemeClr val="accent1"/>
+            </a:effectRef>
+            <a:fontRef idx="minor">
+              <a:schemeClr val="lt1"/>
+            </a:fontRef>
+          </p:style>
+          <p:txBody>
+            <a:bodyPr rtlCol="0" anchor="ctr"/>
+            <a:lstStyle/>
+            <a:p>
+              <a:pPr algn="ctr"/>
+              <a:endParaRPr lang="en-US"/>
+            </a:p>
+          </p:txBody>
+        </p:sp>
+        <p:sp>
+          <p:nvSpPr>
+            <p:cNvPr id="123" name="Rectangle 122"/>
+            <p:cNvSpPr/>
+            <p:nvPr/>
+          </p:nvSpPr>
+          <p:spPr>
+            <a:xfrm>
+              <a:off x="3581400" y="2895600"/>
+              <a:ext cx="228600" cy="228600"/>
+            </a:xfrm>
+            <a:prstGeom prst="rect">
+              <a:avLst/>
+            </a:prstGeom>
+            <a:solidFill>
+              <a:schemeClr val="tx2">
+                <a:lumMod val="20000"/>
+                <a:lumOff val="80000"/>
+              </a:schemeClr>
+            </a:solidFill>
+            <a:ln>
+              <a:solidFill>
+                <a:schemeClr val="bg1">
+                  <a:lumMod val="75000"/>
+                </a:schemeClr>
+              </a:solidFill>
+            </a:ln>
+          </p:spPr>
+          <p:style>
+            <a:lnRef idx="2">
+              <a:schemeClr val="accent1">
+                <a:shade val="50000"/>
+              </a:schemeClr>
+            </a:lnRef>
+            <a:fillRef idx="1">
+              <a:schemeClr val="accent1"/>
+            </a:fillRef>
+            <a:effectRef idx="0">
+              <a:schemeClr val="accent1"/>
+            </a:effectRef>
+            <a:fontRef idx="minor">
+              <a:schemeClr val="lt1"/>
+            </a:fontRef>
+          </p:style>
+          <p:txBody>
+            <a:bodyPr rtlCol="0" anchor="ctr"/>
+            <a:lstStyle/>
+            <a:p>
+              <a:pPr algn="ctr"/>
+              <a:endParaRPr lang="en-US"/>
+            </a:p>
+          </p:txBody>
+        </p:sp>
+        <p:sp>
+          <p:nvSpPr>
+            <p:cNvPr id="124" name="Rectangle 123"/>
+            <p:cNvSpPr/>
+            <p:nvPr/>
+          </p:nvSpPr>
+          <p:spPr>
+            <a:xfrm>
+              <a:off x="3810000" y="2895600"/>
+              <a:ext cx="228600" cy="228600"/>
+            </a:xfrm>
+            <a:prstGeom prst="rect">
+              <a:avLst/>
+            </a:prstGeom>
+            <a:solidFill>
+              <a:schemeClr val="tx2">
+                <a:lumMod val="40000"/>
+                <a:lumOff val="60000"/>
+              </a:schemeClr>
+            </a:solidFill>
+            <a:ln>
+              <a:solidFill>
+                <a:schemeClr val="bg1">
+                  <a:lumMod val="75000"/>
+                </a:schemeClr>
+              </a:solidFill>
+            </a:ln>
+          </p:spPr>
+          <p:style>
+            <a:lnRef idx="2">
+              <a:schemeClr val="accent1">
+                <a:shade val="50000"/>
+              </a:schemeClr>
+            </a:lnRef>
+            <a:fillRef idx="1">
+              <a:schemeClr val="accent1"/>
+            </a:fillRef>
+            <a:effectRef idx="0">
+              <a:schemeClr val="accent1"/>
+            </a:effectRef>
+            <a:fontRef idx="minor">
+              <a:schemeClr val="lt1"/>
+            </a:fontRef>
+          </p:style>
+          <p:txBody>
+            <a:bodyPr rtlCol="0" anchor="ctr"/>
+            <a:lstStyle/>
+            <a:p>
+              <a:pPr algn="ctr"/>
+              <a:endParaRPr lang="en-US"/>
+            </a:p>
+          </p:txBody>
+        </p:sp>
+        <p:sp>
+          <p:nvSpPr>
+            <p:cNvPr id="125" name="Rectangle 124"/>
+            <p:cNvSpPr/>
+            <p:nvPr/>
+          </p:nvSpPr>
+          <p:spPr>
+            <a:xfrm>
+              <a:off x="2895600" y="3124200"/>
+              <a:ext cx="228600" cy="228600"/>
+            </a:xfrm>
+            <a:prstGeom prst="rect">
+              <a:avLst/>
+            </a:prstGeom>
+            <a:solidFill>
+              <a:schemeClr val="bg1"/>
+            </a:solidFill>
+            <a:ln>
+              <a:solidFill>
+                <a:schemeClr val="bg1">
+                  <a:lumMod val="75000"/>
+                </a:schemeClr>
+              </a:solidFill>
+            </a:ln>
+          </p:spPr>
+          <p:style>
+            <a:lnRef idx="2">
+              <a:schemeClr val="accent1">
+                <a:shade val="50000"/>
+              </a:schemeClr>
+            </a:lnRef>
+            <a:fillRef idx="1">
+              <a:schemeClr val="accent1"/>
+            </a:fillRef>
+            <a:effectRef idx="0">
+              <a:schemeClr val="accent1"/>
+            </a:effectRef>
+            <a:fontRef idx="minor">
+              <a:schemeClr val="lt1"/>
+            </a:fontRef>
+          </p:style>
+          <p:txBody>
+            <a:bodyPr rtlCol="0" anchor="ctr"/>
+            <a:lstStyle/>
+            <a:p>
+              <a:pPr algn="ctr"/>
+              <a:endParaRPr lang="en-US"/>
+            </a:p>
+          </p:txBody>
+        </p:sp>
+        <p:sp>
+          <p:nvSpPr>
+            <p:cNvPr id="126" name="Rectangle 125"/>
+            <p:cNvSpPr/>
+            <p:nvPr/>
+          </p:nvSpPr>
+          <p:spPr>
+            <a:xfrm>
+              <a:off x="3124200" y="3124200"/>
+              <a:ext cx="228600" cy="228600"/>
+            </a:xfrm>
+            <a:prstGeom prst="rect">
+              <a:avLst/>
+            </a:prstGeom>
+            <a:solidFill>
+              <a:schemeClr val="bg1"/>
+            </a:solidFill>
+            <a:ln>
+              <a:solidFill>
+                <a:schemeClr val="bg1">
+                  <a:lumMod val="75000"/>
+                </a:schemeClr>
+              </a:solidFill>
+            </a:ln>
+          </p:spPr>
+          <p:style>
+            <a:lnRef idx="2">
+              <a:schemeClr val="accent1">
+                <a:shade val="50000"/>
+              </a:schemeClr>
+            </a:lnRef>
+            <a:fillRef idx="1">
+              <a:schemeClr val="accent1"/>
+            </a:fillRef>
+            <a:effectRef idx="0">
+              <a:schemeClr val="accent1"/>
+            </a:effectRef>
+            <a:fontRef idx="minor">
+              <a:schemeClr val="lt1"/>
+            </a:fontRef>
+          </p:style>
+          <p:txBody>
+            <a:bodyPr rtlCol="0" anchor="ctr"/>
+            <a:lstStyle/>
+            <a:p>
+              <a:pPr algn="ctr"/>
+              <a:endParaRPr lang="en-US"/>
+            </a:p>
+          </p:txBody>
+        </p:sp>
+        <p:sp>
+          <p:nvSpPr>
+            <p:cNvPr id="127" name="Rectangle 126"/>
+            <p:cNvSpPr/>
+            <p:nvPr/>
+          </p:nvSpPr>
+          <p:spPr>
+            <a:xfrm>
+              <a:off x="3352800" y="3124200"/>
+              <a:ext cx="228600" cy="228600"/>
+            </a:xfrm>
+            <a:prstGeom prst="rect">
+              <a:avLst/>
+            </a:prstGeom>
+            <a:solidFill>
+              <a:schemeClr val="tx2">
+                <a:lumMod val="40000"/>
+                <a:lumOff val="60000"/>
+              </a:schemeClr>
+            </a:solidFill>
+            <a:ln>
+              <a:solidFill>
+                <a:schemeClr val="bg1">
+                  <a:lumMod val="75000"/>
+                </a:schemeClr>
+              </a:solidFill>
+            </a:ln>
+          </p:spPr>
+          <p:style>
+            <a:lnRef idx="2">
+              <a:schemeClr val="accent1">
+                <a:shade val="50000"/>
+              </a:schemeClr>
+            </a:lnRef>
+            <a:fillRef idx="1">
+              <a:schemeClr val="accent1"/>
+            </a:fillRef>
+            <a:effectRef idx="0">
+              <a:schemeClr val="accent1"/>
+            </a:effectRef>
+            <a:fontRef idx="minor">
+              <a:schemeClr val="lt1"/>
+            </a:fontRef>
+          </p:style>
+          <p:txBody>
+            <a:bodyPr rtlCol="0" anchor="ctr"/>
+            <a:lstStyle/>
+            <a:p>
+              <a:pPr algn="ctr"/>
+              <a:endParaRPr lang="en-US"/>
+            </a:p>
+          </p:txBody>
+        </p:sp>
+        <p:sp>
+          <p:nvSpPr>
+            <p:cNvPr id="128" name="Rectangle 127"/>
+            <p:cNvSpPr/>
+            <p:nvPr/>
+          </p:nvSpPr>
+          <p:spPr>
+            <a:xfrm>
+              <a:off x="3581400" y="3124200"/>
+              <a:ext cx="228600" cy="228600"/>
+            </a:xfrm>
+            <a:prstGeom prst="rect">
+              <a:avLst/>
+            </a:prstGeom>
+            <a:solidFill>
+              <a:schemeClr val="tx2">
+                <a:lumMod val="60000"/>
+                <a:lumOff val="40000"/>
+              </a:schemeClr>
+            </a:solidFill>
+            <a:ln>
+              <a:solidFill>
+                <a:schemeClr val="bg1">
+                  <a:lumMod val="75000"/>
+                </a:schemeClr>
+              </a:solidFill>
+            </a:ln>
+          </p:spPr>
+          <p:style>
+            <a:lnRef idx="2">
+              <a:schemeClr val="accent1">
+                <a:shade val="50000"/>
+              </a:schemeClr>
+            </a:lnRef>
+            <a:fillRef idx="1">
+              <a:schemeClr val="accent1"/>
+            </a:fillRef>
+            <a:effectRef idx="0">
+              <a:schemeClr val="accent1"/>
+            </a:effectRef>
+            <a:fontRef idx="minor">
+              <a:schemeClr val="lt1"/>
+            </a:fontRef>
+          </p:style>
+          <p:txBody>
+            <a:bodyPr rtlCol="0" anchor="ctr"/>
+            <a:lstStyle/>
+            <a:p>
+              <a:pPr algn="ctr"/>
+              <a:endParaRPr lang="en-US"/>
+            </a:p>
+          </p:txBody>
+        </p:sp>
+        <p:sp>
+          <p:nvSpPr>
+            <p:cNvPr id="129" name="Rectangle 128"/>
+            <p:cNvSpPr/>
+            <p:nvPr/>
+          </p:nvSpPr>
+          <p:spPr>
+            <a:xfrm>
+              <a:off x="3810000" y="3124200"/>
+              <a:ext cx="228600" cy="228600"/>
+            </a:xfrm>
+            <a:prstGeom prst="rect">
+              <a:avLst/>
+            </a:prstGeom>
+            <a:solidFill>
+              <a:schemeClr val="tx2">
+                <a:lumMod val="40000"/>
+                <a:lumOff val="60000"/>
+              </a:schemeClr>
+            </a:solidFill>
+            <a:ln>
+              <a:solidFill>
+                <a:schemeClr val="bg1">
+                  <a:lumMod val="75000"/>
+                </a:schemeClr>
+              </a:solidFill>
+            </a:ln>
+          </p:spPr>
+          <p:style>
+            <a:lnRef idx="2">
+              <a:schemeClr val="accent1">
+                <a:shade val="50000"/>
+              </a:schemeClr>
+            </a:lnRef>
+            <a:fillRef idx="1">
+              <a:schemeClr val="accent1"/>
+            </a:fillRef>
+            <a:effectRef idx="0">
+              <a:schemeClr val="accent1"/>
+            </a:effectRef>
+            <a:fontRef idx="minor">
+              <a:schemeClr val="lt1"/>
+            </a:fontRef>
+          </p:style>
+          <p:txBody>
+            <a:bodyPr rtlCol="0" anchor="ctr"/>
+            <a:lstStyle/>
+            <a:p>
+              <a:pPr algn="ctr"/>
+              <a:endParaRPr lang="en-US"/>
+            </a:p>
+          </p:txBody>
+        </p:sp>
+        <p:sp>
+          <p:nvSpPr>
+            <p:cNvPr id="130" name="Rectangle 129"/>
+            <p:cNvSpPr/>
+            <p:nvPr/>
+          </p:nvSpPr>
+          <p:spPr>
+            <a:xfrm>
+              <a:off x="2895600" y="3352800"/>
+              <a:ext cx="228600" cy="228600"/>
+            </a:xfrm>
+            <a:prstGeom prst="rect">
+              <a:avLst/>
+            </a:prstGeom>
+            <a:solidFill>
+              <a:schemeClr val="bg1"/>
+            </a:solidFill>
+            <a:ln>
+              <a:solidFill>
+                <a:schemeClr val="bg1">
+                  <a:lumMod val="75000"/>
+                </a:schemeClr>
+              </a:solidFill>
+            </a:ln>
+          </p:spPr>
+          <p:style>
+            <a:lnRef idx="2">
+              <a:schemeClr val="accent1">
+                <a:shade val="50000"/>
+              </a:schemeClr>
+            </a:lnRef>
+            <a:fillRef idx="1">
+              <a:schemeClr val="accent1"/>
+            </a:fillRef>
+            <a:effectRef idx="0">
+              <a:schemeClr val="accent1"/>
+            </a:effectRef>
+            <a:fontRef idx="minor">
+              <a:schemeClr val="lt1"/>
+            </a:fontRef>
+          </p:style>
+          <p:txBody>
+            <a:bodyPr rtlCol="0" anchor="ctr"/>
+            <a:lstStyle/>
+            <a:p>
+              <a:pPr algn="ctr"/>
+              <a:endParaRPr lang="en-US"/>
+            </a:p>
+          </p:txBody>
+        </p:sp>
+        <p:sp>
+          <p:nvSpPr>
+            <p:cNvPr id="131" name="Rectangle 130"/>
+            <p:cNvSpPr/>
+            <p:nvPr/>
+          </p:nvSpPr>
+          <p:spPr>
+            <a:xfrm>
+              <a:off x="3124200" y="3352800"/>
+              <a:ext cx="228600" cy="228600"/>
+            </a:xfrm>
+            <a:prstGeom prst="rect">
+              <a:avLst/>
+            </a:prstGeom>
+            <a:solidFill>
+              <a:schemeClr val="bg1"/>
+            </a:solidFill>
+            <a:ln>
+              <a:solidFill>
+                <a:schemeClr val="bg1">
+                  <a:lumMod val="75000"/>
+                </a:schemeClr>
+              </a:solidFill>
+            </a:ln>
+          </p:spPr>
+          <p:style>
+            <a:lnRef idx="2">
+              <a:schemeClr val="accent1">
+                <a:shade val="50000"/>
+              </a:schemeClr>
+            </a:lnRef>
+            <a:fillRef idx="1">
+              <a:schemeClr val="accent1"/>
+            </a:fillRef>
+            <a:effectRef idx="0">
+              <a:schemeClr val="accent1"/>
+            </a:effectRef>
+            <a:fontRef idx="minor">
+              <a:schemeClr val="lt1"/>
+            </a:fontRef>
+          </p:style>
+          <p:txBody>
+            <a:bodyPr rtlCol="0" anchor="ctr"/>
+            <a:lstStyle/>
+            <a:p>
+              <a:pPr algn="ctr"/>
+              <a:endParaRPr lang="en-US"/>
+            </a:p>
+          </p:txBody>
+        </p:sp>
+        <p:sp>
+          <p:nvSpPr>
+            <p:cNvPr id="132" name="Rectangle 131"/>
+            <p:cNvSpPr/>
+            <p:nvPr/>
+          </p:nvSpPr>
+          <p:spPr>
+            <a:xfrm>
+              <a:off x="3352800" y="3352800"/>
+              <a:ext cx="228600" cy="228600"/>
+            </a:xfrm>
+            <a:prstGeom prst="rect">
+              <a:avLst/>
+            </a:prstGeom>
+            <a:solidFill>
+              <a:schemeClr val="tx2">
+                <a:lumMod val="60000"/>
+                <a:lumOff val="40000"/>
+              </a:schemeClr>
+            </a:solidFill>
+            <a:ln>
+              <a:solidFill>
+                <a:schemeClr val="bg1">
+                  <a:lumMod val="75000"/>
+                </a:schemeClr>
+              </a:solidFill>
+            </a:ln>
+          </p:spPr>
+          <p:style>
+            <a:lnRef idx="2">
+              <a:schemeClr val="accent1">
+                <a:shade val="50000"/>
+              </a:schemeClr>
+            </a:lnRef>
+            <a:fillRef idx="1">
+              <a:schemeClr val="accent1"/>
+            </a:fillRef>
+            <a:effectRef idx="0">
+              <a:schemeClr val="accent1"/>
+            </a:effectRef>
+            <a:fontRef idx="minor">
+              <a:schemeClr val="lt1"/>
+            </a:fontRef>
+          </p:style>
+          <p:txBody>
+            <a:bodyPr rtlCol="0" anchor="ctr"/>
+            <a:lstStyle/>
+            <a:p>
+              <a:pPr algn="ctr"/>
+              <a:endParaRPr lang="en-US"/>
+            </a:p>
+          </p:txBody>
+        </p:sp>
+        <p:sp>
+          <p:nvSpPr>
+            <p:cNvPr id="133" name="Rectangle 132"/>
+            <p:cNvSpPr/>
+            <p:nvPr/>
+          </p:nvSpPr>
+          <p:spPr>
+            <a:xfrm>
+              <a:off x="3581400" y="3352800"/>
+              <a:ext cx="228600" cy="228600"/>
+            </a:xfrm>
+            <a:prstGeom prst="rect">
+              <a:avLst/>
+            </a:prstGeom>
+            <a:solidFill>
+              <a:schemeClr val="tx2">
+                <a:lumMod val="20000"/>
+                <a:lumOff val="80000"/>
+              </a:schemeClr>
+            </a:solidFill>
+            <a:ln>
+              <a:solidFill>
+                <a:schemeClr val="bg1">
+                  <a:lumMod val="75000"/>
+                </a:schemeClr>
+              </a:solidFill>
+            </a:ln>
+          </p:spPr>
+          <p:style>
+            <a:lnRef idx="2">
+              <a:schemeClr val="accent1">
+                <a:shade val="50000"/>
+              </a:schemeClr>
+            </a:lnRef>
+            <a:fillRef idx="1">
+              <a:schemeClr val="accent1"/>
+            </a:fillRef>
+            <a:effectRef idx="0">
+              <a:schemeClr val="accent1"/>
+            </a:effectRef>
+            <a:fontRef idx="minor">
+              <a:schemeClr val="lt1"/>
+            </a:fontRef>
+          </p:style>
+          <p:txBody>
+            <a:bodyPr rtlCol="0" anchor="ctr"/>
+            <a:lstStyle/>
+            <a:p>
+              <a:pPr algn="ctr"/>
+              <a:endParaRPr lang="en-US"/>
+            </a:p>
+          </p:txBody>
+        </p:sp>
+        <p:sp>
+          <p:nvSpPr>
+            <p:cNvPr id="134" name="Rectangle 133"/>
+            <p:cNvSpPr/>
+            <p:nvPr/>
+          </p:nvSpPr>
+          <p:spPr>
+            <a:xfrm>
+              <a:off x="3810000" y="3352800"/>
+              <a:ext cx="228600" cy="228600"/>
+            </a:xfrm>
+            <a:prstGeom prst="rect">
+              <a:avLst/>
+            </a:prstGeom>
+            <a:solidFill>
+              <a:schemeClr val="tx2">
+                <a:lumMod val="60000"/>
+                <a:lumOff val="40000"/>
+              </a:schemeClr>
+            </a:solidFill>
+            <a:ln>
+              <a:solidFill>
+                <a:schemeClr val="bg1">
+                  <a:lumMod val="75000"/>
+                </a:schemeClr>
+              </a:solidFill>
+            </a:ln>
+          </p:spPr>
+          <p:style>
+            <a:lnRef idx="2">
+              <a:schemeClr val="accent1">
+                <a:shade val="50000"/>
+              </a:schemeClr>
+            </a:lnRef>
+            <a:fillRef idx="1">
+              <a:schemeClr val="accent1"/>
+            </a:fillRef>
+            <a:effectRef idx="0">
+              <a:schemeClr val="accent1"/>
+            </a:effectRef>
+            <a:fontRef idx="minor">
+              <a:schemeClr val="lt1"/>
+            </a:fontRef>
+          </p:style>
+          <p:txBody>
+            <a:bodyPr rtlCol="0" anchor="ctr"/>
+            <a:lstStyle/>
+            <a:p>
+              <a:pPr algn="ctr"/>
+              <a:endParaRPr lang="en-US"/>
+            </a:p>
+          </p:txBody>
+        </p:sp>
+      </p:grpSp>
+      <p:cxnSp>
+        <p:nvCxnSpPr>
+          <p:cNvPr id="135" name="Straight Arrow Connector 134"/>
+          <p:cNvCxnSpPr/>
+          <p:nvPr/>
+        </p:nvCxnSpPr>
+        <p:spPr>
+          <a:xfrm rot="16200000" flipH="1">
+            <a:off x="2690336" y="4609623"/>
+            <a:ext cx="1154910" cy="697709"/>
+          </a:xfrm>
+          <a:prstGeom prst="straightConnector1">
+            <a:avLst/>
+          </a:prstGeom>
+          <a:ln w="44450">
+            <a:solidFill>
+              <a:schemeClr val="tx1"/>
+            </a:solidFill>
+            <a:tailEnd type="arrow"/>
+          </a:ln>
+        </p:spPr>
+        <p:style>
+          <a:lnRef idx="1">
+            <a:schemeClr val="accent1"/>
+          </a:lnRef>
+          <a:fillRef idx="0">
+            <a:schemeClr val="accent1"/>
+          </a:fillRef>
+          <a:effectRef idx="0">
+            <a:schemeClr val="accent1"/>
+          </a:effectRef>
+          <a:fontRef idx="minor">
+            <a:schemeClr val="tx1"/>
+          </a:fontRef>
+        </p:style>
+      </p:cxnSp>
+      <p:cxnSp>
+        <p:nvCxnSpPr>
+          <p:cNvPr id="136" name="Straight Arrow Connector 135"/>
+          <p:cNvCxnSpPr/>
+          <p:nvPr/>
+        </p:nvCxnSpPr>
+        <p:spPr>
+          <a:xfrm>
+            <a:off x="2914650" y="4387025"/>
+            <a:ext cx="1219200" cy="1588"/>
+          </a:xfrm>
+          <a:prstGeom prst="straightConnector1">
+            <a:avLst/>
+          </a:prstGeom>
+          <a:ln w="44450">
+            <a:solidFill>
+              <a:schemeClr val="tx1"/>
+            </a:solidFill>
+            <a:tailEnd type="arrow"/>
+          </a:ln>
+        </p:spPr>
+        <p:style>
+          <a:lnRef idx="1">
+            <a:schemeClr val="accent1"/>
+          </a:lnRef>
+          <a:fillRef idx="0">
+            <a:schemeClr val="accent1"/>
+          </a:fillRef>
+          <a:effectRef idx="0">
+            <a:schemeClr val="accent1"/>
+          </a:effectRef>
+          <a:fontRef idx="minor">
+            <a:schemeClr val="tx1"/>
+          </a:fontRef>
+        </p:style>
+      </p:cxnSp>
+      <p:sp>
+        <p:nvSpPr>
+          <p:cNvPr id="137" name="Oval 136"/>
+          <p:cNvSpPr/>
+          <p:nvPr/>
+        </p:nvSpPr>
+        <p:spPr>
+          <a:xfrm>
+            <a:off x="2899886" y="4364355"/>
+            <a:ext cx="45719" cy="45719"/>
+          </a:xfrm>
+          <a:prstGeom prst="ellipse">
+            <a:avLst/>
+          </a:prstGeom>
+          <a:solidFill>
+            <a:schemeClr val="tx1"/>
+          </a:solidFill>
+          <a:ln w="28575">
+            <a:noFill/>
+          </a:ln>
+        </p:spPr>
+        <p:style>
+          <a:lnRef idx="2">
+            <a:schemeClr val="accent1">
+              <a:shade val="50000"/>
+            </a:schemeClr>
+          </a:lnRef>
+          <a:fillRef idx="1">
+            <a:schemeClr val="accent1"/>
+          </a:fillRef>
+          <a:effectRef idx="0">
+            <a:schemeClr val="accent1"/>
+          </a:effectRef>
+          <a:fontRef idx="minor">
+            <a:schemeClr val="lt1"/>
+          </a:fontRef>
+        </p:style>
+        <p:txBody>
+          <a:bodyPr rtlCol="0" anchor="ctr"/>
+          <a:lstStyle/>
+          <a:p>
+            <a:pPr algn="ctr"/>
+            <a:endParaRPr lang="en-US"/>
+          </a:p>
+        </p:txBody>
+      </p:sp>
+      <p:grpSp>
+        <p:nvGrpSpPr>
+          <p:cNvPr id="188" name="Group 187"/>
+          <p:cNvGrpSpPr/>
+          <p:nvPr/>
+        </p:nvGrpSpPr>
+        <p:grpSpPr>
+          <a:xfrm>
+            <a:off x="5320668" y="3124200"/>
+            <a:ext cx="1863087" cy="1844044"/>
+            <a:chOff x="5128263" y="3383280"/>
+            <a:chExt cx="1863087" cy="1844044"/>
+          </a:xfrm>
+        </p:grpSpPr>
+        <p:grpSp>
+          <p:nvGrpSpPr>
+            <p:cNvPr id="189" name="Group 143"/>
+            <p:cNvGrpSpPr/>
+            <p:nvPr/>
+          </p:nvGrpSpPr>
+          <p:grpSpPr>
+            <a:xfrm>
+              <a:off x="5221605" y="3608070"/>
+              <a:ext cx="1143000" cy="1143000"/>
+              <a:chOff x="2895600" y="2438400"/>
+              <a:chExt cx="1143000" cy="1143000"/>
+            </a:xfrm>
+          </p:grpSpPr>
+          <p:sp>
+            <p:nvSpPr>
+              <p:cNvPr id="196" name="Rectangle 195"/>
+              <p:cNvSpPr/>
+              <p:nvPr/>
+            </p:nvSpPr>
+            <p:spPr>
+              <a:xfrm>
+                <a:off x="2895600" y="2438400"/>
+                <a:ext cx="228600" cy="228600"/>
+              </a:xfrm>
+              <a:prstGeom prst="rect">
+                <a:avLst/>
+              </a:prstGeom>
+              <a:solidFill>
+                <a:schemeClr val="tx2">
+                  <a:lumMod val="40000"/>
+                  <a:lumOff val="60000"/>
+                </a:schemeClr>
+              </a:solidFill>
+              <a:ln>
+                <a:solidFill>
+                  <a:schemeClr val="bg1">
+                    <a:lumMod val="75000"/>
+                  </a:schemeClr>
+                </a:solidFill>
+              </a:ln>
+            </p:spPr>
+            <p:style>
+              <a:lnRef idx="2">
+                <a:schemeClr val="accent1">
+                  <a:shade val="50000"/>
+                </a:schemeClr>
+              </a:lnRef>
+              <a:fillRef idx="1">
+                <a:schemeClr val="accent1"/>
+              </a:fillRef>
+              <a:effectRef idx="0">
+                <a:schemeClr val="accent1"/>
+              </a:effectRef>
+              <a:fontRef idx="minor">
+                <a:schemeClr val="lt1"/>
+              </a:fontRef>
+            </p:style>
+            <p:txBody>
+              <a:bodyPr rtlCol="0" anchor="ctr"/>
+              <a:lstStyle/>
+              <a:p>
+                <a:pPr algn="ctr"/>
+                <a:endParaRPr lang="en-US"/>
+              </a:p>
+            </p:txBody>
+          </p:sp>
+          <p:sp>
+            <p:nvSpPr>
+              <p:cNvPr id="197" name="Rectangle 196"/>
+              <p:cNvSpPr/>
+              <p:nvPr/>
+            </p:nvSpPr>
+            <p:spPr>
+              <a:xfrm>
+                <a:off x="3124200" y="2438400"/>
+                <a:ext cx="228600" cy="228600"/>
+              </a:xfrm>
+              <a:prstGeom prst="rect">
+                <a:avLst/>
+              </a:prstGeom>
+              <a:solidFill>
+                <a:schemeClr val="tx2">
+                  <a:lumMod val="20000"/>
+                  <a:lumOff val="80000"/>
+                </a:schemeClr>
+              </a:solidFill>
+              <a:ln>
+                <a:solidFill>
+                  <a:schemeClr val="bg1">
+                    <a:lumMod val="75000"/>
+                  </a:schemeClr>
+                </a:solidFill>
+              </a:ln>
+            </p:spPr>
+            <p:style>
+              <a:lnRef idx="2">
+                <a:schemeClr val="accent1">
+                  <a:shade val="50000"/>
+                </a:schemeClr>
+              </a:lnRef>
+              <a:fillRef idx="1">
+                <a:schemeClr val="accent1"/>
+              </a:fillRef>
+              <a:effectRef idx="0">
+                <a:schemeClr val="accent1"/>
+              </a:effectRef>
+              <a:fontRef idx="minor">
+                <a:schemeClr val="lt1"/>
+              </a:fontRef>
+            </p:style>
+            <p:txBody>
+              <a:bodyPr rtlCol="0" anchor="ctr"/>
+              <a:lstStyle/>
+              <a:p>
+                <a:pPr algn="ctr"/>
+                <a:endParaRPr lang="en-US"/>
+              </a:p>
+            </p:txBody>
+          </p:sp>
+          <p:sp>
+            <p:nvSpPr>
+              <p:cNvPr id="198" name="Rectangle 197"/>
+              <p:cNvSpPr/>
+              <p:nvPr/>
+            </p:nvSpPr>
+            <p:spPr>
+              <a:xfrm>
+                <a:off x="3352800" y="2438400"/>
+                <a:ext cx="228600" cy="228600"/>
+              </a:xfrm>
+              <a:prstGeom prst="rect">
+                <a:avLst/>
+              </a:prstGeom>
+              <a:solidFill>
+                <a:schemeClr val="bg1"/>
+              </a:solidFill>
+              <a:ln>
+                <a:solidFill>
+                  <a:schemeClr val="bg1">
+                    <a:lumMod val="75000"/>
+                  </a:schemeClr>
+                </a:solidFill>
+              </a:ln>
+            </p:spPr>
+            <p:style>
+              <a:lnRef idx="2">
+                <a:schemeClr val="accent1">
+                  <a:shade val="50000"/>
+                </a:schemeClr>
+              </a:lnRef>
+              <a:fillRef idx="1">
+                <a:schemeClr val="accent1"/>
+              </a:fillRef>
+              <a:effectRef idx="0">
+                <a:schemeClr val="accent1"/>
+              </a:effectRef>
+              <a:fontRef idx="minor">
+                <a:schemeClr val="lt1"/>
+              </a:fontRef>
+            </p:style>
+            <p:txBody>
+              <a:bodyPr rtlCol="0" anchor="ctr"/>
+              <a:lstStyle/>
+              <a:p>
+                <a:pPr algn="ctr"/>
+                <a:endParaRPr lang="en-US"/>
+              </a:p>
+            </p:txBody>
+          </p:sp>
+          <p:sp>
+            <p:nvSpPr>
+              <p:cNvPr id="199" name="Rectangle 198"/>
+              <p:cNvSpPr/>
+              <p:nvPr/>
+            </p:nvSpPr>
+            <p:spPr>
+              <a:xfrm>
+                <a:off x="3581400" y="2438400"/>
+                <a:ext cx="228600" cy="228600"/>
+              </a:xfrm>
+              <a:prstGeom prst="rect">
+                <a:avLst/>
+              </a:prstGeom>
+              <a:solidFill>
+                <a:schemeClr val="bg1"/>
+              </a:solidFill>
+              <a:ln>
+                <a:solidFill>
+                  <a:schemeClr val="bg1">
+                    <a:lumMod val="75000"/>
+                  </a:schemeClr>
+                </a:solidFill>
+              </a:ln>
+            </p:spPr>
+            <p:style>
+              <a:lnRef idx="2">
+                <a:schemeClr val="accent1">
+                  <a:shade val="50000"/>
+                </a:schemeClr>
+              </a:lnRef>
+              <a:fillRef idx="1">
+                <a:schemeClr val="accent1"/>
+              </a:fillRef>
+              <a:effectRef idx="0">
+                <a:schemeClr val="accent1"/>
+              </a:effectRef>
+              <a:fontRef idx="minor">
+                <a:schemeClr val="lt1"/>
+              </a:fontRef>
+            </p:style>
+            <p:txBody>
+              <a:bodyPr rtlCol="0" anchor="ctr"/>
+              <a:lstStyle/>
+              <a:p>
+                <a:pPr algn="ctr"/>
+                <a:endParaRPr lang="en-US"/>
+              </a:p>
+            </p:txBody>
+          </p:sp>
+          <p:sp>
+            <p:nvSpPr>
+              <p:cNvPr id="200" name="Rectangle 199"/>
+              <p:cNvSpPr/>
+              <p:nvPr/>
+            </p:nvSpPr>
+            <p:spPr>
+              <a:xfrm>
+                <a:off x="3810000" y="2438400"/>
+                <a:ext cx="228600" cy="228600"/>
+              </a:xfrm>
+              <a:prstGeom prst="rect">
+                <a:avLst/>
+              </a:prstGeom>
+              <a:solidFill>
+                <a:schemeClr val="bg1"/>
+              </a:solidFill>
+              <a:ln>
+                <a:solidFill>
+                  <a:schemeClr val="bg1">
+                    <a:lumMod val="75000"/>
+                  </a:schemeClr>
+                </a:solidFill>
+              </a:ln>
+            </p:spPr>
+            <p:style>
+              <a:lnRef idx="2">
+                <a:schemeClr val="accent1">
+                  <a:shade val="50000"/>
+                </a:schemeClr>
+              </a:lnRef>
+              <a:fillRef idx="1">
+                <a:schemeClr val="accent1"/>
+              </a:fillRef>
+              <a:effectRef idx="0">
+                <a:schemeClr val="accent1"/>
+              </a:effectRef>
+              <a:fontRef idx="minor">
+                <a:schemeClr val="lt1"/>
+              </a:fontRef>
+            </p:style>
+            <p:txBody>
+              <a:bodyPr rtlCol="0" anchor="ctr"/>
+              <a:lstStyle/>
+              <a:p>
+                <a:pPr algn="ctr"/>
+                <a:endParaRPr lang="en-US"/>
+              </a:p>
+            </p:txBody>
+          </p:sp>
+          <p:sp>
+            <p:nvSpPr>
+              <p:cNvPr id="201" name="Rectangle 200"/>
+              <p:cNvSpPr/>
+              <p:nvPr/>
+            </p:nvSpPr>
+            <p:spPr>
+              <a:xfrm>
+                <a:off x="2895600" y="2667000"/>
+                <a:ext cx="228600" cy="228600"/>
+              </a:xfrm>
+              <a:prstGeom prst="rect">
+                <a:avLst/>
+              </a:prstGeom>
+              <a:solidFill>
+                <a:schemeClr val="bg1"/>
+              </a:solidFill>
+              <a:ln>
+                <a:solidFill>
+                  <a:schemeClr val="bg1">
+                    <a:lumMod val="75000"/>
+                  </a:schemeClr>
+                </a:solidFill>
+              </a:ln>
+            </p:spPr>
+            <p:style>
+              <a:lnRef idx="2">
+                <a:schemeClr val="accent1">
+                  <a:shade val="50000"/>
+                </a:schemeClr>
+              </a:lnRef>
+              <a:fillRef idx="1">
+                <a:schemeClr val="accent1"/>
+              </a:fillRef>
+              <a:effectRef idx="0">
+                <a:schemeClr val="accent1"/>
+              </a:effectRef>
+              <a:fontRef idx="minor">
+                <a:schemeClr val="lt1"/>
+              </a:fontRef>
+            </p:style>
+            <p:txBody>
+              <a:bodyPr rtlCol="0" anchor="ctr"/>
+              <a:lstStyle/>
+              <a:p>
+                <a:pPr algn="ctr"/>
+                <a:endParaRPr lang="en-US"/>
+              </a:p>
+            </p:txBody>
+          </p:sp>
+          <p:sp>
+            <p:nvSpPr>
+              <p:cNvPr id="202" name="Rectangle 201"/>
+              <p:cNvSpPr/>
+              <p:nvPr/>
+            </p:nvSpPr>
+            <p:spPr>
+              <a:xfrm>
+                <a:off x="3124200" y="2667000"/>
+                <a:ext cx="228600" cy="228600"/>
+              </a:xfrm>
+              <a:prstGeom prst="rect">
+                <a:avLst/>
+              </a:prstGeom>
+              <a:solidFill>
+                <a:schemeClr val="tx2">
+                  <a:lumMod val="20000"/>
+                  <a:lumOff val="80000"/>
+                </a:schemeClr>
+              </a:solidFill>
+              <a:ln>
+                <a:solidFill>
+                  <a:schemeClr val="bg1">
+                    <a:lumMod val="75000"/>
+                  </a:schemeClr>
+                </a:solidFill>
+              </a:ln>
+            </p:spPr>
+            <p:style>
+              <a:lnRef idx="2">
+                <a:schemeClr val="accent1">
+                  <a:shade val="50000"/>
+                </a:schemeClr>
+              </a:lnRef>
+              <a:fillRef idx="1">
+                <a:schemeClr val="accent1"/>
+              </a:fillRef>
+              <a:effectRef idx="0">
+                <a:schemeClr val="accent1"/>
+              </a:effectRef>
+              <a:fontRef idx="minor">
+                <a:schemeClr val="lt1"/>
+              </a:fontRef>
+            </p:style>
+            <p:txBody>
+              <a:bodyPr rtlCol="0" anchor="ctr"/>
+              <a:lstStyle/>
+              <a:p>
+                <a:pPr algn="ctr"/>
+                <a:endParaRPr lang="en-US"/>
+              </a:p>
+            </p:txBody>
+          </p:sp>
+          <p:sp>
+            <p:nvSpPr>
+              <p:cNvPr id="203" name="Rectangle 202"/>
+              <p:cNvSpPr/>
+              <p:nvPr/>
+            </p:nvSpPr>
+            <p:spPr>
+              <a:xfrm>
+                <a:off x="3352800" y="2667000"/>
+                <a:ext cx="228600" cy="228600"/>
+              </a:xfrm>
+              <a:prstGeom prst="rect">
+                <a:avLst/>
+              </a:prstGeom>
+              <a:solidFill>
+                <a:schemeClr val="tx2">
+                  <a:lumMod val="40000"/>
+                  <a:lumOff val="60000"/>
+                </a:schemeClr>
+              </a:solidFill>
+              <a:ln>
+                <a:solidFill>
+                  <a:schemeClr val="bg1">
+                    <a:lumMod val="75000"/>
+                  </a:schemeClr>
+                </a:solidFill>
+              </a:ln>
+            </p:spPr>
+            <p:style>
+              <a:lnRef idx="2">
+                <a:schemeClr val="accent1">
+                  <a:shade val="50000"/>
+                </a:schemeClr>
+              </a:lnRef>
+              <a:fillRef idx="1">
+                <a:schemeClr val="accent1"/>
+              </a:fillRef>
+              <a:effectRef idx="0">
+                <a:schemeClr val="accent1"/>
+              </a:effectRef>
+              <a:fontRef idx="minor">
+                <a:schemeClr val="lt1"/>
+              </a:fontRef>
+            </p:style>
+            <p:txBody>
+              <a:bodyPr rtlCol="0" anchor="ctr"/>
+              <a:lstStyle/>
+              <a:p>
+                <a:pPr algn="ctr"/>
+                <a:endParaRPr lang="en-US"/>
+              </a:p>
+            </p:txBody>
+          </p:sp>
+          <p:sp>
+            <p:nvSpPr>
+              <p:cNvPr id="204" name="Rectangle 203"/>
+              <p:cNvSpPr/>
+              <p:nvPr/>
+            </p:nvSpPr>
+            <p:spPr>
+              <a:xfrm>
+                <a:off x="3581400" y="2667000"/>
+                <a:ext cx="228600" cy="228600"/>
+              </a:xfrm>
+              <a:prstGeom prst="rect">
+                <a:avLst/>
+              </a:prstGeom>
+              <a:solidFill>
+                <a:schemeClr val="bg1"/>
+              </a:solidFill>
+              <a:ln>
+                <a:solidFill>
+                  <a:schemeClr val="bg1">
+                    <a:lumMod val="75000"/>
+                  </a:schemeClr>
+                </a:solidFill>
+              </a:ln>
+            </p:spPr>
+            <p:style>
+              <a:lnRef idx="2">
+                <a:schemeClr val="accent1">
+                  <a:shade val="50000"/>
+                </a:schemeClr>
+              </a:lnRef>
+              <a:fillRef idx="1">
+                <a:schemeClr val="accent1"/>
+              </a:fillRef>
+              <a:effectRef idx="0">
+                <a:schemeClr val="accent1"/>
+              </a:effectRef>
+              <a:fontRef idx="minor">
+                <a:schemeClr val="lt1"/>
+              </a:fontRef>
+            </p:style>
+            <p:txBody>
+              <a:bodyPr rtlCol="0" anchor="ctr"/>
+              <a:lstStyle/>
+              <a:p>
+                <a:pPr algn="ctr"/>
+                <a:endParaRPr lang="en-US"/>
+              </a:p>
+            </p:txBody>
+          </p:sp>
+          <p:sp>
+            <p:nvSpPr>
+              <p:cNvPr id="205" name="Rectangle 204"/>
+              <p:cNvSpPr/>
+              <p:nvPr/>
+            </p:nvSpPr>
+            <p:spPr>
+              <a:xfrm>
+                <a:off x="3810000" y="2667000"/>
+                <a:ext cx="228600" cy="228600"/>
+              </a:xfrm>
+              <a:prstGeom prst="rect">
+                <a:avLst/>
+              </a:prstGeom>
+              <a:solidFill>
+                <a:schemeClr val="bg1"/>
+              </a:solidFill>
+              <a:ln>
+                <a:solidFill>
+                  <a:schemeClr val="bg1">
+                    <a:lumMod val="75000"/>
+                  </a:schemeClr>
+                </a:solidFill>
+              </a:ln>
+            </p:spPr>
+            <p:style>
+              <a:lnRef idx="2">
+                <a:schemeClr val="accent1">
+                  <a:shade val="50000"/>
+                </a:schemeClr>
+              </a:lnRef>
+              <a:fillRef idx="1">
+                <a:schemeClr val="accent1"/>
+              </a:fillRef>
+              <a:effectRef idx="0">
+                <a:schemeClr val="accent1"/>
+              </a:effectRef>
+              <a:fontRef idx="minor">
+                <a:schemeClr val="lt1"/>
+              </a:fontRef>
+            </p:style>
+            <p:txBody>
+              <a:bodyPr rtlCol="0" anchor="ctr"/>
+              <a:lstStyle/>
+              <a:p>
+                <a:pPr algn="ctr"/>
+                <a:endParaRPr lang="en-US"/>
+              </a:p>
+            </p:txBody>
+          </p:sp>
+          <p:sp>
+            <p:nvSpPr>
+              <p:cNvPr id="206" name="Rectangle 205"/>
+              <p:cNvSpPr/>
+              <p:nvPr/>
+            </p:nvSpPr>
+            <p:spPr>
+              <a:xfrm>
+                <a:off x="2895600" y="2895600"/>
+                <a:ext cx="228600" cy="228600"/>
+              </a:xfrm>
+              <a:prstGeom prst="rect">
+                <a:avLst/>
+              </a:prstGeom>
+              <a:solidFill>
+                <a:schemeClr val="bg1"/>
+              </a:solidFill>
+              <a:ln>
+                <a:solidFill>
+                  <a:schemeClr val="bg1">
+                    <a:lumMod val="75000"/>
+                  </a:schemeClr>
+                </a:solidFill>
+              </a:ln>
+            </p:spPr>
+            <p:style>
+              <a:lnRef idx="2">
+                <a:schemeClr val="accent1">
+                  <a:shade val="50000"/>
+                </a:schemeClr>
+              </a:lnRef>
+              <a:fillRef idx="1">
+                <a:schemeClr val="accent1"/>
+              </a:fillRef>
+              <a:effectRef idx="0">
+                <a:schemeClr val="accent1"/>
+              </a:effectRef>
+              <a:fontRef idx="minor">
+                <a:schemeClr val="lt1"/>
+              </a:fontRef>
+            </p:style>
+            <p:txBody>
+              <a:bodyPr rtlCol="0" anchor="ctr"/>
+              <a:lstStyle/>
+              <a:p>
+                <a:pPr algn="ctr"/>
+                <a:endParaRPr lang="en-US"/>
+              </a:p>
+            </p:txBody>
+          </p:sp>
+          <p:sp>
+            <p:nvSpPr>
+              <p:cNvPr id="207" name="Rectangle 206"/>
+              <p:cNvSpPr/>
+              <p:nvPr/>
+            </p:nvSpPr>
+            <p:spPr>
+              <a:xfrm>
+                <a:off x="3124200" y="2895600"/>
+                <a:ext cx="228600" cy="228600"/>
+              </a:xfrm>
+              <a:prstGeom prst="rect">
+                <a:avLst/>
+              </a:prstGeom>
+              <a:solidFill>
+                <a:schemeClr val="bg1"/>
+              </a:solidFill>
+              <a:ln>
+                <a:solidFill>
+                  <a:schemeClr val="bg1">
+                    <a:lumMod val="75000"/>
+                  </a:schemeClr>
+                </a:solidFill>
+              </a:ln>
+            </p:spPr>
+            <p:style>
+              <a:lnRef idx="2">
+                <a:schemeClr val="accent1">
+                  <a:shade val="50000"/>
+                </a:schemeClr>
+              </a:lnRef>
+              <a:fillRef idx="1">
+                <a:schemeClr val="accent1"/>
+              </a:fillRef>
+              <a:effectRef idx="0">
+                <a:schemeClr val="accent1"/>
+              </a:effectRef>
+              <a:fontRef idx="minor">
+                <a:schemeClr val="lt1"/>
+              </a:fontRef>
+            </p:style>
+            <p:txBody>
+              <a:bodyPr rtlCol="0" anchor="ctr"/>
+              <a:lstStyle/>
+              <a:p>
+                <a:pPr algn="ctr"/>
+                <a:endParaRPr lang="en-US"/>
+              </a:p>
+            </p:txBody>
+          </p:sp>
+          <p:sp>
+            <p:nvSpPr>
+              <p:cNvPr id="208" name="Rectangle 207"/>
+              <p:cNvSpPr/>
+              <p:nvPr/>
+            </p:nvSpPr>
+            <p:spPr>
+              <a:xfrm>
+                <a:off x="3352800" y="2895600"/>
+                <a:ext cx="228600" cy="228600"/>
+              </a:xfrm>
+              <a:prstGeom prst="rect">
+                <a:avLst/>
+              </a:prstGeom>
+              <a:solidFill>
+                <a:schemeClr val="tx2">
+                  <a:lumMod val="60000"/>
+                  <a:lumOff val="40000"/>
+                </a:schemeClr>
+              </a:solidFill>
+              <a:ln>
+                <a:solidFill>
+                  <a:schemeClr val="bg1">
+                    <a:lumMod val="75000"/>
+                  </a:schemeClr>
+                </a:solidFill>
+              </a:ln>
+            </p:spPr>
+            <p:style>
+              <a:lnRef idx="2">
+                <a:schemeClr val="accent1">
+                  <a:shade val="50000"/>
+                </a:schemeClr>
+              </a:lnRef>
+              <a:fillRef idx="1">
+                <a:schemeClr val="accent1"/>
+              </a:fillRef>
+              <a:effectRef idx="0">
+                <a:schemeClr val="accent1"/>
+              </a:effectRef>
+              <a:fontRef idx="minor">
+                <a:schemeClr val="lt1"/>
+              </a:fontRef>
+            </p:style>
+            <p:txBody>
+              <a:bodyPr rtlCol="0" anchor="ctr"/>
+              <a:lstStyle/>
+              <a:p>
+                <a:pPr algn="ctr"/>
+                <a:endParaRPr lang="en-US"/>
+              </a:p>
+            </p:txBody>
+          </p:sp>
+          <p:sp>
+            <p:nvSpPr>
+              <p:cNvPr id="209" name="Rectangle 208"/>
+              <p:cNvSpPr/>
+              <p:nvPr/>
+            </p:nvSpPr>
+            <p:spPr>
+              <a:xfrm>
+                <a:off x="3581400" y="2895600"/>
+                <a:ext cx="228600" cy="228600"/>
+              </a:xfrm>
+              <a:prstGeom prst="rect">
+                <a:avLst/>
+              </a:prstGeom>
+              <a:solidFill>
+                <a:schemeClr val="tx2">
+                  <a:lumMod val="20000"/>
+                  <a:lumOff val="80000"/>
+                </a:schemeClr>
+              </a:solidFill>
+              <a:ln>
+                <a:solidFill>
+                  <a:schemeClr val="bg1">
+                    <a:lumMod val="75000"/>
+                  </a:schemeClr>
+                </a:solidFill>
+              </a:ln>
+            </p:spPr>
+            <p:style>
+              <a:lnRef idx="2">
+                <a:schemeClr val="accent1">
+                  <a:shade val="50000"/>
+                </a:schemeClr>
+              </a:lnRef>
+              <a:fillRef idx="1">
+                <a:schemeClr val="accent1"/>
+              </a:fillRef>
+              <a:effectRef idx="0">
+                <a:schemeClr val="accent1"/>
+              </a:effectRef>
+              <a:fontRef idx="minor">
+                <a:schemeClr val="lt1"/>
+              </a:fontRef>
+            </p:style>
+            <p:txBody>
+              <a:bodyPr rtlCol="0" anchor="ctr"/>
+              <a:lstStyle/>
+              <a:p>
+                <a:pPr algn="ctr"/>
+                <a:endParaRPr lang="en-US"/>
+              </a:p>
+            </p:txBody>
+          </p:sp>
+          <p:sp>
+            <p:nvSpPr>
+              <p:cNvPr id="210" name="Rectangle 209"/>
+              <p:cNvSpPr/>
+              <p:nvPr/>
+            </p:nvSpPr>
+            <p:spPr>
+              <a:xfrm>
+                <a:off x="3810000" y="2895600"/>
+                <a:ext cx="228600" cy="228600"/>
+              </a:xfrm>
+              <a:prstGeom prst="rect">
+                <a:avLst/>
+              </a:prstGeom>
+              <a:solidFill>
+                <a:schemeClr val="tx2">
+                  <a:lumMod val="40000"/>
+                  <a:lumOff val="60000"/>
+                </a:schemeClr>
+              </a:solidFill>
+              <a:ln>
+                <a:solidFill>
+                  <a:schemeClr val="bg1">
+                    <a:lumMod val="75000"/>
+                  </a:schemeClr>
+                </a:solidFill>
+              </a:ln>
+            </p:spPr>
+            <p:style>
+              <a:lnRef idx="2">
+                <a:schemeClr val="accent1">
+                  <a:shade val="50000"/>
+                </a:schemeClr>
+              </a:lnRef>
+              <a:fillRef idx="1">
+                <a:schemeClr val="accent1"/>
+              </a:fillRef>
+              <a:effectRef idx="0">
+                <a:schemeClr val="accent1"/>
+              </a:effectRef>
+              <a:fontRef idx="minor">
+                <a:schemeClr val="lt1"/>
+              </a:fontRef>
+            </p:style>
+            <p:txBody>
+              <a:bodyPr rtlCol="0" anchor="ctr"/>
+              <a:lstStyle/>
+              <a:p>
+                <a:pPr algn="ctr"/>
+                <a:endParaRPr lang="en-US"/>
+              </a:p>
+            </p:txBody>
+          </p:sp>
+          <p:sp>
+            <p:nvSpPr>
+              <p:cNvPr id="211" name="Rectangle 210"/>
+              <p:cNvSpPr/>
+              <p:nvPr/>
+            </p:nvSpPr>
+            <p:spPr>
+              <a:xfrm>
+                <a:off x="2895600" y="3124200"/>
+                <a:ext cx="228600" cy="228600"/>
+              </a:xfrm>
+              <a:prstGeom prst="rect">
+                <a:avLst/>
+              </a:prstGeom>
+              <a:solidFill>
+                <a:schemeClr val="bg1"/>
+              </a:solidFill>
+              <a:ln>
+                <a:solidFill>
+                  <a:schemeClr val="bg1">
+                    <a:lumMod val="75000"/>
+                  </a:schemeClr>
+                </a:solidFill>
+              </a:ln>
+            </p:spPr>
+            <p:style>
+              <a:lnRef idx="2">
+                <a:schemeClr val="accent1">
+                  <a:shade val="50000"/>
+                </a:schemeClr>
+              </a:lnRef>
+              <a:fillRef idx="1">
+                <a:schemeClr val="accent1"/>
+              </a:fillRef>
+              <a:effectRef idx="0">
+                <a:schemeClr val="accent1"/>
+              </a:effectRef>
+              <a:fontRef idx="minor">
+                <a:schemeClr val="lt1"/>
+              </a:fontRef>
+            </p:style>
+            <p:txBody>
+              <a:bodyPr rtlCol="0" anchor="ctr"/>
+              <a:lstStyle/>
+              <a:p>
+                <a:pPr algn="ctr"/>
+                <a:endParaRPr lang="en-US"/>
+              </a:p>
+            </p:txBody>
+          </p:sp>
+          <p:sp>
+            <p:nvSpPr>
+              <p:cNvPr id="212" name="Rectangle 211"/>
+              <p:cNvSpPr/>
+              <p:nvPr/>
+            </p:nvSpPr>
+            <p:spPr>
+              <a:xfrm>
+                <a:off x="3124200" y="3124200"/>
+                <a:ext cx="228600" cy="228600"/>
+              </a:xfrm>
+              <a:prstGeom prst="rect">
+                <a:avLst/>
+              </a:prstGeom>
+              <a:solidFill>
+                <a:schemeClr val="bg1"/>
+              </a:solidFill>
+              <a:ln>
+                <a:solidFill>
+                  <a:schemeClr val="bg1">
+                    <a:lumMod val="75000"/>
+                  </a:schemeClr>
+                </a:solidFill>
+              </a:ln>
+            </p:spPr>
+            <p:style>
+              <a:lnRef idx="2">
+                <a:schemeClr val="accent1">
+                  <a:shade val="50000"/>
+                </a:schemeClr>
+              </a:lnRef>
+              <a:fillRef idx="1">
+                <a:schemeClr val="accent1"/>
+              </a:fillRef>
+              <a:effectRef idx="0">
+                <a:schemeClr val="accent1"/>
+              </a:effectRef>
+              <a:fontRef idx="minor">
+                <a:schemeClr val="lt1"/>
+              </a:fontRef>
+            </p:style>
+            <p:txBody>
+              <a:bodyPr rtlCol="0" anchor="ctr"/>
+              <a:lstStyle/>
+              <a:p>
+                <a:pPr algn="ctr"/>
+                <a:endParaRPr lang="en-US"/>
+              </a:p>
+            </p:txBody>
+          </p:sp>
+          <p:sp>
+            <p:nvSpPr>
+              <p:cNvPr id="213" name="Rectangle 212"/>
+              <p:cNvSpPr/>
+              <p:nvPr/>
+            </p:nvSpPr>
+            <p:spPr>
+              <a:xfrm>
+                <a:off x="3352800" y="3124200"/>
+                <a:ext cx="228600" cy="228600"/>
+              </a:xfrm>
+              <a:prstGeom prst="rect">
+                <a:avLst/>
+              </a:prstGeom>
+              <a:solidFill>
+                <a:schemeClr val="tx2">
+                  <a:lumMod val="40000"/>
+                  <a:lumOff val="60000"/>
+                </a:schemeClr>
+              </a:solidFill>
+              <a:ln>
+                <a:solidFill>
+                  <a:schemeClr val="bg1">
+                    <a:lumMod val="75000"/>
+                  </a:schemeClr>
+                </a:solidFill>
+              </a:ln>
+            </p:spPr>
+            <p:style>
+              <a:lnRef idx="2">
+                <a:schemeClr val="accent1">
+                  <a:shade val="50000"/>
+                </a:schemeClr>
+              </a:lnRef>
+              <a:fillRef idx="1">
+                <a:schemeClr val="accent1"/>
+              </a:fillRef>
+              <a:effectRef idx="0">
+                <a:schemeClr val="accent1"/>
+              </a:effectRef>
+              <a:fontRef idx="minor">
+                <a:schemeClr val="lt1"/>
+              </a:fontRef>
+            </p:style>
+            <p:txBody>
+              <a:bodyPr rtlCol="0" anchor="ctr"/>
+              <a:lstStyle/>
+              <a:p>
+                <a:pPr algn="ctr"/>
+                <a:endParaRPr lang="en-US"/>
+              </a:p>
+            </p:txBody>
+          </p:sp>
+          <p:sp>
+            <p:nvSpPr>
+              <p:cNvPr id="214" name="Rectangle 213"/>
+              <p:cNvSpPr/>
+              <p:nvPr/>
+            </p:nvSpPr>
+            <p:spPr>
+              <a:xfrm>
+                <a:off x="3581400" y="3124200"/>
+                <a:ext cx="228600" cy="228600"/>
+              </a:xfrm>
+              <a:prstGeom prst="rect">
+                <a:avLst/>
+              </a:prstGeom>
+              <a:solidFill>
+                <a:schemeClr val="tx2">
+                  <a:lumMod val="60000"/>
+                  <a:lumOff val="40000"/>
+                </a:schemeClr>
+              </a:solidFill>
+              <a:ln>
+                <a:solidFill>
+                  <a:schemeClr val="bg1">
+                    <a:lumMod val="75000"/>
+                  </a:schemeClr>
+                </a:solidFill>
+              </a:ln>
+            </p:spPr>
+            <p:style>
+              <a:lnRef idx="2">
+                <a:schemeClr val="accent1">
+                  <a:shade val="50000"/>
+                </a:schemeClr>
+              </a:lnRef>
+              <a:fillRef idx="1">
+                <a:schemeClr val="accent1"/>
+              </a:fillRef>
+              <a:effectRef idx="0">
+                <a:schemeClr val="accent1"/>
+              </a:effectRef>
+              <a:fontRef idx="minor">
+                <a:schemeClr val="lt1"/>
+              </a:fontRef>
+            </p:style>
+            <p:txBody>
+              <a:bodyPr rtlCol="0" anchor="ctr"/>
+              <a:lstStyle/>
+              <a:p>
+                <a:pPr algn="ctr"/>
+                <a:endParaRPr lang="en-US"/>
+              </a:p>
+            </p:txBody>
+          </p:sp>
+          <p:sp>
+            <p:nvSpPr>
+              <p:cNvPr id="215" name="Rectangle 214"/>
+              <p:cNvSpPr/>
+              <p:nvPr/>
+            </p:nvSpPr>
+            <p:spPr>
+              <a:xfrm>
+                <a:off x="3810000" y="3124200"/>
+                <a:ext cx="228600" cy="228600"/>
+              </a:xfrm>
+              <a:prstGeom prst="rect">
+                <a:avLst/>
+              </a:prstGeom>
+              <a:solidFill>
+                <a:schemeClr val="tx2">
+                  <a:lumMod val="40000"/>
+                  <a:lumOff val="60000"/>
+                </a:schemeClr>
+              </a:solidFill>
+              <a:ln>
+                <a:solidFill>
+                  <a:schemeClr val="bg1">
+                    <a:lumMod val="75000"/>
+                  </a:schemeClr>
+                </a:solidFill>
+              </a:ln>
+            </p:spPr>
+            <p:style>
+              <a:lnRef idx="2">
+                <a:schemeClr val="accent1">
+                  <a:shade val="50000"/>
+                </a:schemeClr>
+              </a:lnRef>
+              <a:fillRef idx="1">
+                <a:schemeClr val="accent1"/>
+              </a:fillRef>
+              <a:effectRef idx="0">
+                <a:schemeClr val="accent1"/>
+              </a:effectRef>
+              <a:fontRef idx="minor">
+                <a:schemeClr val="lt1"/>
+              </a:fontRef>
+            </p:style>
+            <p:txBody>
+              <a:bodyPr rtlCol="0" anchor="ctr"/>
+              <a:lstStyle/>
+              <a:p>
+                <a:pPr algn="ctr"/>
+                <a:endParaRPr lang="en-US"/>
+              </a:p>
+            </p:txBody>
+          </p:sp>
+          <p:sp>
+            <p:nvSpPr>
+              <p:cNvPr id="216" name="Rectangle 215"/>
+              <p:cNvSpPr/>
+              <p:nvPr/>
+            </p:nvSpPr>
+            <p:spPr>
+              <a:xfrm>
+                <a:off x="2895600" y="3352800"/>
+                <a:ext cx="228600" cy="228600"/>
+              </a:xfrm>
+              <a:prstGeom prst="rect">
+                <a:avLst/>
+              </a:prstGeom>
+              <a:solidFill>
+                <a:schemeClr val="bg1"/>
+              </a:solidFill>
+              <a:ln>
+                <a:solidFill>
+                  <a:schemeClr val="bg1">
+                    <a:lumMod val="75000"/>
+                  </a:schemeClr>
+                </a:solidFill>
+              </a:ln>
+            </p:spPr>
+            <p:style>
+              <a:lnRef idx="2">
+                <a:schemeClr val="accent1">
+                  <a:shade val="50000"/>
+                </a:schemeClr>
+              </a:lnRef>
+              <a:fillRef idx="1">
+                <a:schemeClr val="accent1"/>
+              </a:fillRef>
+              <a:effectRef idx="0">
+                <a:schemeClr val="accent1"/>
+              </a:effectRef>
+              <a:fontRef idx="minor">
+                <a:schemeClr val="lt1"/>
+              </a:fontRef>
+            </p:style>
+            <p:txBody>
+              <a:bodyPr rtlCol="0" anchor="ctr"/>
+              <a:lstStyle/>
+              <a:p>
+                <a:pPr algn="ctr"/>
+                <a:endParaRPr lang="en-US"/>
+              </a:p>
+            </p:txBody>
+          </p:sp>
+          <p:sp>
+            <p:nvSpPr>
+              <p:cNvPr id="217" name="Rectangle 216"/>
+              <p:cNvSpPr/>
+              <p:nvPr/>
+            </p:nvSpPr>
+            <p:spPr>
+              <a:xfrm>
+                <a:off x="3124200" y="3352800"/>
+                <a:ext cx="228600" cy="228600"/>
+              </a:xfrm>
+              <a:prstGeom prst="rect">
+                <a:avLst/>
+              </a:prstGeom>
+              <a:solidFill>
+                <a:schemeClr val="bg1"/>
+              </a:solidFill>
+              <a:ln>
+                <a:solidFill>
+                  <a:schemeClr val="bg1">
+                    <a:lumMod val="75000"/>
+                  </a:schemeClr>
+                </a:solidFill>
+              </a:ln>
+            </p:spPr>
+            <p:style>
+              <a:lnRef idx="2">
+                <a:schemeClr val="accent1">
+                  <a:shade val="50000"/>
+                </a:schemeClr>
+              </a:lnRef>
+              <a:fillRef idx="1">
+                <a:schemeClr val="accent1"/>
+              </a:fillRef>
+              <a:effectRef idx="0">
+                <a:schemeClr val="accent1"/>
+              </a:effectRef>
+              <a:fontRef idx="minor">
+                <a:schemeClr val="lt1"/>
+              </a:fontRef>
+            </p:style>
+            <p:txBody>
+              <a:bodyPr rtlCol="0" anchor="ctr"/>
+              <a:lstStyle/>
+              <a:p>
+                <a:pPr algn="ctr"/>
+                <a:endParaRPr lang="en-US"/>
+              </a:p>
+            </p:txBody>
+          </p:sp>
+          <p:sp>
+            <p:nvSpPr>
+              <p:cNvPr id="218" name="Rectangle 217"/>
+              <p:cNvSpPr/>
+              <p:nvPr/>
+            </p:nvSpPr>
+            <p:spPr>
+              <a:xfrm>
+                <a:off x="3352800" y="3352800"/>
+                <a:ext cx="228600" cy="228600"/>
+              </a:xfrm>
+              <a:prstGeom prst="rect">
+                <a:avLst/>
+              </a:prstGeom>
+              <a:solidFill>
+                <a:schemeClr val="tx2">
+                  <a:lumMod val="60000"/>
+                  <a:lumOff val="40000"/>
+                </a:schemeClr>
+              </a:solidFill>
+              <a:ln>
+                <a:solidFill>
+                  <a:schemeClr val="bg1">
+                    <a:lumMod val="75000"/>
+                  </a:schemeClr>
+                </a:solidFill>
+              </a:ln>
+            </p:spPr>
+            <p:style>
+              <a:lnRef idx="2">
+                <a:schemeClr val="accent1">
+                  <a:shade val="50000"/>
+                </a:schemeClr>
+              </a:lnRef>
+              <a:fillRef idx="1">
+                <a:schemeClr val="accent1"/>
+              </a:fillRef>
+              <a:effectRef idx="0">
+                <a:schemeClr val="accent1"/>
+              </a:effectRef>
+              <a:fontRef idx="minor">
+                <a:schemeClr val="lt1"/>
+              </a:fontRef>
+            </p:style>
+            <p:txBody>
+              <a:bodyPr rtlCol="0" anchor="ctr"/>
+              <a:lstStyle/>
+              <a:p>
+                <a:pPr algn="ctr"/>
+                <a:endParaRPr lang="en-US"/>
+              </a:p>
+            </p:txBody>
+          </p:sp>
+          <p:sp>
+            <p:nvSpPr>
+              <p:cNvPr id="219" name="Rectangle 218"/>
+              <p:cNvSpPr/>
+              <p:nvPr/>
+            </p:nvSpPr>
+            <p:spPr>
+              <a:xfrm>
+                <a:off x="3581400" y="3352800"/>
+                <a:ext cx="228600" cy="228600"/>
+              </a:xfrm>
+              <a:prstGeom prst="rect">
+                <a:avLst/>
+              </a:prstGeom>
+              <a:solidFill>
+                <a:schemeClr val="tx2">
+                  <a:lumMod val="20000"/>
+                  <a:lumOff val="80000"/>
+                </a:schemeClr>
+              </a:solidFill>
+              <a:ln>
+                <a:solidFill>
+                  <a:schemeClr val="bg1">
+                    <a:lumMod val="75000"/>
+                  </a:schemeClr>
+                </a:solidFill>
+              </a:ln>
+            </p:spPr>
+            <p:style>
+              <a:lnRef idx="2">
+                <a:schemeClr val="accent1">
+                  <a:shade val="50000"/>
+                </a:schemeClr>
+              </a:lnRef>
+              <a:fillRef idx="1">
+                <a:schemeClr val="accent1"/>
+              </a:fillRef>
+              <a:effectRef idx="0">
+                <a:schemeClr val="accent1"/>
+              </a:effectRef>
+              <a:fontRef idx="minor">
+                <a:schemeClr val="lt1"/>
+              </a:fontRef>
+            </p:style>
+            <p:txBody>
+              <a:bodyPr rtlCol="0" anchor="ctr"/>
+              <a:lstStyle/>
+              <a:p>
+                <a:pPr algn="ctr"/>
+                <a:endParaRPr lang="en-US"/>
+              </a:p>
+            </p:txBody>
+          </p:sp>
+          <p:sp>
+            <p:nvSpPr>
+              <p:cNvPr id="220" name="Rectangle 219"/>
+              <p:cNvSpPr/>
+              <p:nvPr/>
+            </p:nvSpPr>
+            <p:spPr>
+              <a:xfrm>
+                <a:off x="3810000" y="3352800"/>
+                <a:ext cx="228600" cy="228600"/>
+              </a:xfrm>
+              <a:prstGeom prst="rect">
+                <a:avLst/>
+              </a:prstGeom>
+              <a:solidFill>
+                <a:schemeClr val="tx2">
+                  <a:lumMod val="60000"/>
+                  <a:lumOff val="40000"/>
+                </a:schemeClr>
+              </a:solidFill>
+              <a:ln>
+                <a:solidFill>
+                  <a:schemeClr val="bg1">
+                    <a:lumMod val="75000"/>
+                  </a:schemeClr>
+                </a:solidFill>
+              </a:ln>
+            </p:spPr>
+            <p:style>
+              <a:lnRef idx="2">
+                <a:schemeClr val="accent1">
+                  <a:shade val="50000"/>
+                </a:schemeClr>
+              </a:lnRef>
+              <a:fillRef idx="1">
+                <a:schemeClr val="accent1"/>
+              </a:fillRef>
+              <a:effectRef idx="0">
+                <a:schemeClr val="accent1"/>
+              </a:effectRef>
+              <a:fontRef idx="minor">
+                <a:schemeClr val="lt1"/>
+              </a:fontRef>
+            </p:style>
+            <p:txBody>
+              <a:bodyPr rtlCol="0" anchor="ctr"/>
+              <a:lstStyle/>
+              <a:p>
+                <a:pPr algn="ctr"/>
+                <a:endParaRPr lang="en-US"/>
+              </a:p>
+            </p:txBody>
+          </p:sp>
+        </p:grpSp>
         <p:cxnSp>
           <p:nvCxnSpPr>
-            <p:cNvPr id="30" name="Straight Arrow Connector 29"/>
+            <p:cNvPr id="190" name="Straight Arrow Connector 189"/>
             <p:cNvCxnSpPr/>
             <p:nvPr/>
           </p:nvCxnSpPr>
           <p:spPr>
-            <a:xfrm rot="16200000" flipH="1">
-              <a:off x="4725194" y="3277394"/>
-              <a:ext cx="1143000" cy="684212"/>
+            <a:xfrm rot="5400000">
+              <a:off x="4922520" y="4373407"/>
+              <a:ext cx="1059660" cy="648173"/>
             </a:xfrm>
             <a:prstGeom prst="straightConnector1">
               <a:avLst/>
             </a:prstGeom>
-            <a:ln w="47625">
+            <a:ln w="50800">
               <a:solidFill>
                 <a:schemeClr val="tx1"/>
               </a:solidFill>
@@ -4416,55 +8806,19 @@
         </p:cxnSp>
         <p:cxnSp>
           <p:nvCxnSpPr>
-            <p:cNvPr id="34" name="Straight Arrow Connector 33"/>
-            <p:cNvCxnSpPr/>
-            <p:nvPr/>
-          </p:nvCxnSpPr>
-          <p:spPr>
-            <a:xfrm rot="5400000" flipH="1" flipV="1">
-              <a:off x="4762500" y="2171700"/>
-              <a:ext cx="1066800" cy="685800"/>
-            </a:xfrm>
-            <a:prstGeom prst="straightConnector1">
-              <a:avLst/>
-            </a:prstGeom>
-            <a:ln w="47625">
-              <a:solidFill>
-                <a:schemeClr val="tx1"/>
-              </a:solidFill>
-              <a:tailEnd type="arrow"/>
-            </a:ln>
-          </p:spPr>
-          <p:style>
-            <a:lnRef idx="1">
-              <a:schemeClr val="accent1"/>
-            </a:lnRef>
-            <a:fillRef idx="0">
-              <a:schemeClr val="accent1"/>
-            </a:fillRef>
-            <a:effectRef idx="0">
-              <a:schemeClr val="accent1"/>
-            </a:effectRef>
-            <a:fontRef idx="minor">
-              <a:schemeClr val="tx1"/>
-            </a:fontRef>
-          </p:style>
-        </p:cxnSp>
-        <p:cxnSp>
-          <p:nvCxnSpPr>
-            <p:cNvPr id="38" name="Straight Arrow Connector 37"/>
+            <p:cNvPr id="191" name="Straight Arrow Connector 190"/>
             <p:cNvCxnSpPr/>
             <p:nvPr/>
           </p:nvCxnSpPr>
           <p:spPr>
             <a:xfrm>
-              <a:off x="4953000" y="3048000"/>
+              <a:off x="5772150" y="4166522"/>
               <a:ext cx="1219200" cy="1588"/>
             </a:xfrm>
             <a:prstGeom prst="straightConnector1">
               <a:avLst/>
             </a:prstGeom>
-            <a:ln w="47625">
+            <a:ln w="50800">
               <a:solidFill>
                 <a:schemeClr val="tx1"/>
               </a:solidFill>
@@ -4488,13 +8842,94 @@
         </p:cxnSp>
         <p:sp>
           <p:nvSpPr>
-            <p:cNvPr id="43" name="TextBox 42"/>
+            <p:cNvPr id="192" name="Oval 191"/>
+            <p:cNvSpPr/>
+            <p:nvPr/>
+          </p:nvSpPr>
+          <p:spPr>
+            <a:xfrm>
+              <a:off x="5757386" y="4150995"/>
+              <a:ext cx="45719" cy="45719"/>
+            </a:xfrm>
+            <a:prstGeom prst="ellipse">
+              <a:avLst/>
+            </a:prstGeom>
+            <a:solidFill>
+              <a:schemeClr val="tx1"/>
+            </a:solidFill>
+            <a:ln w="28575">
+              <a:noFill/>
+            </a:ln>
+          </p:spPr>
+          <p:style>
+            <a:lnRef idx="2">
+              <a:schemeClr val="accent1">
+                <a:shade val="50000"/>
+              </a:schemeClr>
+            </a:lnRef>
+            <a:fillRef idx="1">
+              <a:schemeClr val="accent1"/>
+            </a:fillRef>
+            <a:effectRef idx="0">
+              <a:schemeClr val="accent1"/>
+            </a:effectRef>
+            <a:fontRef idx="minor">
+              <a:schemeClr val="lt1"/>
+            </a:fontRef>
+          </p:style>
+          <p:txBody>
+            <a:bodyPr rtlCol="0" anchor="ctr"/>
+            <a:lstStyle/>
+            <a:p>
+              <a:pPr algn="ctr"/>
+              <a:endParaRPr lang="en-US"/>
+            </a:p>
+          </p:txBody>
+        </p:sp>
+        <p:cxnSp>
+          <p:nvCxnSpPr>
+            <p:cNvPr id="193" name="Straight Connector 192"/>
+            <p:cNvCxnSpPr/>
+            <p:nvPr/>
+          </p:nvCxnSpPr>
+          <p:spPr>
+            <a:xfrm rot="16200000" flipH="1">
+              <a:off x="4941570" y="3830954"/>
+              <a:ext cx="1819274" cy="923925"/>
+            </a:xfrm>
+            <a:prstGeom prst="line">
+              <a:avLst/>
+            </a:prstGeom>
+            <a:ln w="25400">
+              <a:solidFill>
+                <a:schemeClr val="tx1"/>
+              </a:solidFill>
+            </a:ln>
+          </p:spPr>
+          <p:style>
+            <a:lnRef idx="1">
+              <a:schemeClr val="accent1"/>
+            </a:lnRef>
+            <a:fillRef idx="0">
+              <a:schemeClr val="accent1"/>
+            </a:fillRef>
+            <a:effectRef idx="0">
+              <a:schemeClr val="accent1"/>
+            </a:effectRef>
+            <a:fontRef idx="minor">
+              <a:schemeClr val="tx1"/>
+            </a:fontRef>
+          </p:style>
+        </p:cxnSp>
+        <p:sp>
+          <p:nvSpPr>
+            <p:cNvPr id="194" name="TextBox 193"/>
             <p:cNvSpPr txBox="1"/>
             <p:nvPr/>
           </p:nvSpPr>
           <p:spPr>
             <a:xfrm>
-              <a:off x="5047488" y="2715768"/>
+              <a:off x="5508879" y="4785360"/>
               <a:ext cx="292608" cy="400110"/>
             </a:xfrm>
             <a:prstGeom prst="rect">
@@ -4521,13 +8956,13 @@
         </p:sp>
         <p:sp>
           <p:nvSpPr>
-            <p:cNvPr id="44" name="TextBox 43"/>
+            <p:cNvPr id="195" name="TextBox 194"/>
             <p:cNvSpPr txBox="1"/>
             <p:nvPr/>
           </p:nvSpPr>
           <p:spPr>
             <a:xfrm>
-              <a:off x="5044440" y="3014472"/>
+              <a:off x="6379464" y="4274820"/>
               <a:ext cx="292608" cy="400110"/>
             </a:xfrm>
             <a:prstGeom prst="rect">
@@ -6080,6 +10515,1603 @@
           <p:spPr>
             <a:xfrm>
               <a:off x="5044440" y="3014472"/>
+              <a:ext cx="292608" cy="400110"/>
+            </a:xfrm>
+            <a:prstGeom prst="rect">
+              <a:avLst/>
+            </a:prstGeom>
+            <a:noFill/>
+            <a:ln>
+              <a:noFill/>
+            </a:ln>
+          </p:spPr>
+          <p:txBody>
+            <a:bodyPr wrap="square" rtlCol="0">
+              <a:spAutoFit/>
+            </a:bodyPr>
+            <a:lstStyle/>
+            <a:p>
+              <a:r>
+                <a:rPr lang="el-GR" sz="2000" b="1" dirty="0" smtClean="0"/>
+                <a:t>θ</a:t>
+              </a:r>
+              <a:endParaRPr lang="en-US" sz="2000" b="1" dirty="0"/>
+            </a:p>
+          </p:txBody>
+        </p:sp>
+      </p:grpSp>
+    </p:spTree>
+  </p:cSld>
+  <p:clrMapOvr>
+    <a:masterClrMapping/>
+  </p:clrMapOvr>
+</p:sld>
+</file>
+
+<file path=ppt/slides/slide3.xml><?xml version="1.0" encoding="utf-8"?>
+<p:sld xmlns:a="http://schemas.openxmlformats.org/drawingml/2006/main" xmlns:r="http://schemas.openxmlformats.org/officeDocument/2006/relationships" xmlns:p="http://schemas.openxmlformats.org/presentationml/2006/main">
+  <p:cSld>
+    <p:spTree>
+      <p:nvGrpSpPr>
+        <p:cNvPr id="1" name=""/>
+        <p:cNvGrpSpPr/>
+        <p:nvPr/>
+      </p:nvGrpSpPr>
+      <p:grpSpPr>
+        <a:xfrm>
+          <a:off x="0" y="0"/>
+          <a:ext cx="0" cy="0"/>
+          <a:chOff x="0" y="0"/>
+          <a:chExt cx="0" cy="0"/>
+        </a:xfrm>
+      </p:grpSpPr>
+      <p:sp>
+        <p:nvSpPr>
+          <p:cNvPr id="36" name="TextBox 35"/>
+          <p:cNvSpPr txBox="1"/>
+          <p:nvPr/>
+        </p:nvSpPr>
+        <p:spPr>
+          <a:xfrm>
+            <a:off x="1655125" y="1917063"/>
+            <a:ext cx="4531109" cy="2215991"/>
+          </a:xfrm>
+          <a:prstGeom prst="rect">
+            <a:avLst/>
+          </a:prstGeom>
+          <a:noFill/>
+        </p:spPr>
+        <p:txBody>
+          <a:bodyPr wrap="square" rtlCol="0">
+            <a:spAutoFit/>
+          </a:bodyPr>
+          <a:lstStyle/>
+          <a:p>
+            <a:r>
+              <a:rPr lang="en-US" sz="13800" dirty="0" smtClean="0">
+                <a:latin typeface="Berlin Sans FB Demi" pitchFamily="34" charset="0"/>
+              </a:rPr>
+              <a:t>EJML</a:t>
+            </a:r>
+            <a:endParaRPr lang="en-US" sz="13800" dirty="0">
+              <a:latin typeface="Berlin Sans FB Demi" pitchFamily="34" charset="0"/>
+            </a:endParaRPr>
+          </a:p>
+        </p:txBody>
+      </p:sp>
+      <p:grpSp>
+        <p:nvGrpSpPr>
+          <p:cNvPr id="35" name="Group 34"/>
+          <p:cNvGrpSpPr/>
+          <p:nvPr/>
+        </p:nvGrpSpPr>
+        <p:grpSpPr>
+          <a:xfrm>
+            <a:off x="5768343" y="2286000"/>
+            <a:ext cx="1863087" cy="1844044"/>
+            <a:chOff x="5128263" y="3383280"/>
+            <a:chExt cx="1863087" cy="1844044"/>
+          </a:xfrm>
+        </p:grpSpPr>
+        <p:grpSp>
+          <p:nvGrpSpPr>
+            <p:cNvPr id="37" name="Group 143"/>
+            <p:cNvGrpSpPr/>
+            <p:nvPr/>
+          </p:nvGrpSpPr>
+          <p:grpSpPr>
+            <a:xfrm>
+              <a:off x="5221605" y="3608070"/>
+              <a:ext cx="1143000" cy="1143000"/>
+              <a:chOff x="2895600" y="2438400"/>
+              <a:chExt cx="1143000" cy="1143000"/>
+            </a:xfrm>
+          </p:grpSpPr>
+          <p:sp>
+            <p:nvSpPr>
+              <p:cNvPr id="74" name="Rectangle 73"/>
+              <p:cNvSpPr/>
+              <p:nvPr/>
+            </p:nvSpPr>
+            <p:spPr>
+              <a:xfrm>
+                <a:off x="2895600" y="2438400"/>
+                <a:ext cx="228600" cy="228600"/>
+              </a:xfrm>
+              <a:prstGeom prst="rect">
+                <a:avLst/>
+              </a:prstGeom>
+              <a:solidFill>
+                <a:schemeClr val="tx2">
+                  <a:lumMod val="40000"/>
+                  <a:lumOff val="60000"/>
+                </a:schemeClr>
+              </a:solidFill>
+              <a:ln>
+                <a:solidFill>
+                  <a:schemeClr val="bg1">
+                    <a:lumMod val="75000"/>
+                  </a:schemeClr>
+                </a:solidFill>
+              </a:ln>
+            </p:spPr>
+            <p:style>
+              <a:lnRef idx="2">
+                <a:schemeClr val="accent1">
+                  <a:shade val="50000"/>
+                </a:schemeClr>
+              </a:lnRef>
+              <a:fillRef idx="1">
+                <a:schemeClr val="accent1"/>
+              </a:fillRef>
+              <a:effectRef idx="0">
+                <a:schemeClr val="accent1"/>
+              </a:effectRef>
+              <a:fontRef idx="minor">
+                <a:schemeClr val="lt1"/>
+              </a:fontRef>
+            </p:style>
+            <p:txBody>
+              <a:bodyPr rtlCol="0" anchor="ctr"/>
+              <a:lstStyle/>
+              <a:p>
+                <a:pPr algn="ctr"/>
+                <a:endParaRPr lang="en-US"/>
+              </a:p>
+            </p:txBody>
+          </p:sp>
+          <p:sp>
+            <p:nvSpPr>
+              <p:cNvPr id="75" name="Rectangle 74"/>
+              <p:cNvSpPr/>
+              <p:nvPr/>
+            </p:nvSpPr>
+            <p:spPr>
+              <a:xfrm>
+                <a:off x="3124200" y="2438400"/>
+                <a:ext cx="228600" cy="228600"/>
+              </a:xfrm>
+              <a:prstGeom prst="rect">
+                <a:avLst/>
+              </a:prstGeom>
+              <a:solidFill>
+                <a:schemeClr val="tx2">
+                  <a:lumMod val="20000"/>
+                  <a:lumOff val="80000"/>
+                </a:schemeClr>
+              </a:solidFill>
+              <a:ln>
+                <a:solidFill>
+                  <a:schemeClr val="bg1">
+                    <a:lumMod val="75000"/>
+                  </a:schemeClr>
+                </a:solidFill>
+              </a:ln>
+            </p:spPr>
+            <p:style>
+              <a:lnRef idx="2">
+                <a:schemeClr val="accent1">
+                  <a:shade val="50000"/>
+                </a:schemeClr>
+              </a:lnRef>
+              <a:fillRef idx="1">
+                <a:schemeClr val="accent1"/>
+              </a:fillRef>
+              <a:effectRef idx="0">
+                <a:schemeClr val="accent1"/>
+              </a:effectRef>
+              <a:fontRef idx="minor">
+                <a:schemeClr val="lt1"/>
+              </a:fontRef>
+            </p:style>
+            <p:txBody>
+              <a:bodyPr rtlCol="0" anchor="ctr"/>
+              <a:lstStyle/>
+              <a:p>
+                <a:pPr algn="ctr"/>
+                <a:endParaRPr lang="en-US"/>
+              </a:p>
+            </p:txBody>
+          </p:sp>
+          <p:sp>
+            <p:nvSpPr>
+              <p:cNvPr id="76" name="Rectangle 75"/>
+              <p:cNvSpPr/>
+              <p:nvPr/>
+            </p:nvSpPr>
+            <p:spPr>
+              <a:xfrm>
+                <a:off x="3352800" y="2438400"/>
+                <a:ext cx="228600" cy="228600"/>
+              </a:xfrm>
+              <a:prstGeom prst="rect">
+                <a:avLst/>
+              </a:prstGeom>
+              <a:solidFill>
+                <a:schemeClr val="bg1"/>
+              </a:solidFill>
+              <a:ln>
+                <a:solidFill>
+                  <a:schemeClr val="bg1">
+                    <a:lumMod val="75000"/>
+                  </a:schemeClr>
+                </a:solidFill>
+              </a:ln>
+            </p:spPr>
+            <p:style>
+              <a:lnRef idx="2">
+                <a:schemeClr val="accent1">
+                  <a:shade val="50000"/>
+                </a:schemeClr>
+              </a:lnRef>
+              <a:fillRef idx="1">
+                <a:schemeClr val="accent1"/>
+              </a:fillRef>
+              <a:effectRef idx="0">
+                <a:schemeClr val="accent1"/>
+              </a:effectRef>
+              <a:fontRef idx="minor">
+                <a:schemeClr val="lt1"/>
+              </a:fontRef>
+            </p:style>
+            <p:txBody>
+              <a:bodyPr rtlCol="0" anchor="ctr"/>
+              <a:lstStyle/>
+              <a:p>
+                <a:pPr algn="ctr"/>
+                <a:endParaRPr lang="en-US"/>
+              </a:p>
+            </p:txBody>
+          </p:sp>
+          <p:sp>
+            <p:nvSpPr>
+              <p:cNvPr id="77" name="Rectangle 76"/>
+              <p:cNvSpPr/>
+              <p:nvPr/>
+            </p:nvSpPr>
+            <p:spPr>
+              <a:xfrm>
+                <a:off x="3581400" y="2438400"/>
+                <a:ext cx="228600" cy="228600"/>
+              </a:xfrm>
+              <a:prstGeom prst="rect">
+                <a:avLst/>
+              </a:prstGeom>
+              <a:solidFill>
+                <a:schemeClr val="bg1"/>
+              </a:solidFill>
+              <a:ln>
+                <a:solidFill>
+                  <a:schemeClr val="bg1">
+                    <a:lumMod val="75000"/>
+                  </a:schemeClr>
+                </a:solidFill>
+              </a:ln>
+            </p:spPr>
+            <p:style>
+              <a:lnRef idx="2">
+                <a:schemeClr val="accent1">
+                  <a:shade val="50000"/>
+                </a:schemeClr>
+              </a:lnRef>
+              <a:fillRef idx="1">
+                <a:schemeClr val="accent1"/>
+              </a:fillRef>
+              <a:effectRef idx="0">
+                <a:schemeClr val="accent1"/>
+              </a:effectRef>
+              <a:fontRef idx="minor">
+                <a:schemeClr val="lt1"/>
+              </a:fontRef>
+            </p:style>
+            <p:txBody>
+              <a:bodyPr rtlCol="0" anchor="ctr"/>
+              <a:lstStyle/>
+              <a:p>
+                <a:pPr algn="ctr"/>
+                <a:endParaRPr lang="en-US"/>
+              </a:p>
+            </p:txBody>
+          </p:sp>
+          <p:sp>
+            <p:nvSpPr>
+              <p:cNvPr id="78" name="Rectangle 77"/>
+              <p:cNvSpPr/>
+              <p:nvPr/>
+            </p:nvSpPr>
+            <p:spPr>
+              <a:xfrm>
+                <a:off x="3810000" y="2438400"/>
+                <a:ext cx="228600" cy="228600"/>
+              </a:xfrm>
+              <a:prstGeom prst="rect">
+                <a:avLst/>
+              </a:prstGeom>
+              <a:solidFill>
+                <a:schemeClr val="bg1"/>
+              </a:solidFill>
+              <a:ln>
+                <a:solidFill>
+                  <a:schemeClr val="bg1">
+                    <a:lumMod val="75000"/>
+                  </a:schemeClr>
+                </a:solidFill>
+              </a:ln>
+            </p:spPr>
+            <p:style>
+              <a:lnRef idx="2">
+                <a:schemeClr val="accent1">
+                  <a:shade val="50000"/>
+                </a:schemeClr>
+              </a:lnRef>
+              <a:fillRef idx="1">
+                <a:schemeClr val="accent1"/>
+              </a:fillRef>
+              <a:effectRef idx="0">
+                <a:schemeClr val="accent1"/>
+              </a:effectRef>
+              <a:fontRef idx="minor">
+                <a:schemeClr val="lt1"/>
+              </a:fontRef>
+            </p:style>
+            <p:txBody>
+              <a:bodyPr rtlCol="0" anchor="ctr"/>
+              <a:lstStyle/>
+              <a:p>
+                <a:pPr algn="ctr"/>
+                <a:endParaRPr lang="en-US"/>
+              </a:p>
+            </p:txBody>
+          </p:sp>
+          <p:sp>
+            <p:nvSpPr>
+              <p:cNvPr id="79" name="Rectangle 78"/>
+              <p:cNvSpPr/>
+              <p:nvPr/>
+            </p:nvSpPr>
+            <p:spPr>
+              <a:xfrm>
+                <a:off x="2895600" y="2667000"/>
+                <a:ext cx="228600" cy="228600"/>
+              </a:xfrm>
+              <a:prstGeom prst="rect">
+                <a:avLst/>
+              </a:prstGeom>
+              <a:solidFill>
+                <a:schemeClr val="bg1"/>
+              </a:solidFill>
+              <a:ln>
+                <a:solidFill>
+                  <a:schemeClr val="bg1">
+                    <a:lumMod val="75000"/>
+                  </a:schemeClr>
+                </a:solidFill>
+              </a:ln>
+            </p:spPr>
+            <p:style>
+              <a:lnRef idx="2">
+                <a:schemeClr val="accent1">
+                  <a:shade val="50000"/>
+                </a:schemeClr>
+              </a:lnRef>
+              <a:fillRef idx="1">
+                <a:schemeClr val="accent1"/>
+              </a:fillRef>
+              <a:effectRef idx="0">
+                <a:schemeClr val="accent1"/>
+              </a:effectRef>
+              <a:fontRef idx="minor">
+                <a:schemeClr val="lt1"/>
+              </a:fontRef>
+            </p:style>
+            <p:txBody>
+              <a:bodyPr rtlCol="0" anchor="ctr"/>
+              <a:lstStyle/>
+              <a:p>
+                <a:pPr algn="ctr"/>
+                <a:endParaRPr lang="en-US"/>
+              </a:p>
+            </p:txBody>
+          </p:sp>
+          <p:sp>
+            <p:nvSpPr>
+              <p:cNvPr id="80" name="Rectangle 79"/>
+              <p:cNvSpPr/>
+              <p:nvPr/>
+            </p:nvSpPr>
+            <p:spPr>
+              <a:xfrm>
+                <a:off x="3124200" y="2667000"/>
+                <a:ext cx="228600" cy="228600"/>
+              </a:xfrm>
+              <a:prstGeom prst="rect">
+                <a:avLst/>
+              </a:prstGeom>
+              <a:solidFill>
+                <a:schemeClr val="tx2">
+                  <a:lumMod val="20000"/>
+                  <a:lumOff val="80000"/>
+                </a:schemeClr>
+              </a:solidFill>
+              <a:ln>
+                <a:solidFill>
+                  <a:schemeClr val="bg1">
+                    <a:lumMod val="75000"/>
+                  </a:schemeClr>
+                </a:solidFill>
+              </a:ln>
+            </p:spPr>
+            <p:style>
+              <a:lnRef idx="2">
+                <a:schemeClr val="accent1">
+                  <a:shade val="50000"/>
+                </a:schemeClr>
+              </a:lnRef>
+              <a:fillRef idx="1">
+                <a:schemeClr val="accent1"/>
+              </a:fillRef>
+              <a:effectRef idx="0">
+                <a:schemeClr val="accent1"/>
+              </a:effectRef>
+              <a:fontRef idx="minor">
+                <a:schemeClr val="lt1"/>
+              </a:fontRef>
+            </p:style>
+            <p:txBody>
+              <a:bodyPr rtlCol="0" anchor="ctr"/>
+              <a:lstStyle/>
+              <a:p>
+                <a:pPr algn="ctr"/>
+                <a:endParaRPr lang="en-US"/>
+              </a:p>
+            </p:txBody>
+          </p:sp>
+          <p:sp>
+            <p:nvSpPr>
+              <p:cNvPr id="81" name="Rectangle 80"/>
+              <p:cNvSpPr/>
+              <p:nvPr/>
+            </p:nvSpPr>
+            <p:spPr>
+              <a:xfrm>
+                <a:off x="3352800" y="2667000"/>
+                <a:ext cx="228600" cy="228600"/>
+              </a:xfrm>
+              <a:prstGeom prst="rect">
+                <a:avLst/>
+              </a:prstGeom>
+              <a:solidFill>
+                <a:schemeClr val="tx2">
+                  <a:lumMod val="40000"/>
+                  <a:lumOff val="60000"/>
+                </a:schemeClr>
+              </a:solidFill>
+              <a:ln>
+                <a:solidFill>
+                  <a:schemeClr val="bg1">
+                    <a:lumMod val="75000"/>
+                  </a:schemeClr>
+                </a:solidFill>
+              </a:ln>
+            </p:spPr>
+            <p:style>
+              <a:lnRef idx="2">
+                <a:schemeClr val="accent1">
+                  <a:shade val="50000"/>
+                </a:schemeClr>
+              </a:lnRef>
+              <a:fillRef idx="1">
+                <a:schemeClr val="accent1"/>
+              </a:fillRef>
+              <a:effectRef idx="0">
+                <a:schemeClr val="accent1"/>
+              </a:effectRef>
+              <a:fontRef idx="minor">
+                <a:schemeClr val="lt1"/>
+              </a:fontRef>
+            </p:style>
+            <p:txBody>
+              <a:bodyPr rtlCol="0" anchor="ctr"/>
+              <a:lstStyle/>
+              <a:p>
+                <a:pPr algn="ctr"/>
+                <a:endParaRPr lang="en-US"/>
+              </a:p>
+            </p:txBody>
+          </p:sp>
+          <p:sp>
+            <p:nvSpPr>
+              <p:cNvPr id="82" name="Rectangle 81"/>
+              <p:cNvSpPr/>
+              <p:nvPr/>
+            </p:nvSpPr>
+            <p:spPr>
+              <a:xfrm>
+                <a:off x="3581400" y="2667000"/>
+                <a:ext cx="228600" cy="228600"/>
+              </a:xfrm>
+              <a:prstGeom prst="rect">
+                <a:avLst/>
+              </a:prstGeom>
+              <a:solidFill>
+                <a:schemeClr val="bg1"/>
+              </a:solidFill>
+              <a:ln>
+                <a:solidFill>
+                  <a:schemeClr val="bg1">
+                    <a:lumMod val="75000"/>
+                  </a:schemeClr>
+                </a:solidFill>
+              </a:ln>
+            </p:spPr>
+            <p:style>
+              <a:lnRef idx="2">
+                <a:schemeClr val="accent1">
+                  <a:shade val="50000"/>
+                </a:schemeClr>
+              </a:lnRef>
+              <a:fillRef idx="1">
+                <a:schemeClr val="accent1"/>
+              </a:fillRef>
+              <a:effectRef idx="0">
+                <a:schemeClr val="accent1"/>
+              </a:effectRef>
+              <a:fontRef idx="minor">
+                <a:schemeClr val="lt1"/>
+              </a:fontRef>
+            </p:style>
+            <p:txBody>
+              <a:bodyPr rtlCol="0" anchor="ctr"/>
+              <a:lstStyle/>
+              <a:p>
+                <a:pPr algn="ctr"/>
+                <a:endParaRPr lang="en-US"/>
+              </a:p>
+            </p:txBody>
+          </p:sp>
+          <p:sp>
+            <p:nvSpPr>
+              <p:cNvPr id="83" name="Rectangle 82"/>
+              <p:cNvSpPr/>
+              <p:nvPr/>
+            </p:nvSpPr>
+            <p:spPr>
+              <a:xfrm>
+                <a:off x="3810000" y="2667000"/>
+                <a:ext cx="228600" cy="228600"/>
+              </a:xfrm>
+              <a:prstGeom prst="rect">
+                <a:avLst/>
+              </a:prstGeom>
+              <a:solidFill>
+                <a:schemeClr val="bg1"/>
+              </a:solidFill>
+              <a:ln>
+                <a:solidFill>
+                  <a:schemeClr val="bg1">
+                    <a:lumMod val="75000"/>
+                  </a:schemeClr>
+                </a:solidFill>
+              </a:ln>
+            </p:spPr>
+            <p:style>
+              <a:lnRef idx="2">
+                <a:schemeClr val="accent1">
+                  <a:shade val="50000"/>
+                </a:schemeClr>
+              </a:lnRef>
+              <a:fillRef idx="1">
+                <a:schemeClr val="accent1"/>
+              </a:fillRef>
+              <a:effectRef idx="0">
+                <a:schemeClr val="accent1"/>
+              </a:effectRef>
+              <a:fontRef idx="minor">
+                <a:schemeClr val="lt1"/>
+              </a:fontRef>
+            </p:style>
+            <p:txBody>
+              <a:bodyPr rtlCol="0" anchor="ctr"/>
+              <a:lstStyle/>
+              <a:p>
+                <a:pPr algn="ctr"/>
+                <a:endParaRPr lang="en-US"/>
+              </a:p>
+            </p:txBody>
+          </p:sp>
+          <p:sp>
+            <p:nvSpPr>
+              <p:cNvPr id="84" name="Rectangle 83"/>
+              <p:cNvSpPr/>
+              <p:nvPr/>
+            </p:nvSpPr>
+            <p:spPr>
+              <a:xfrm>
+                <a:off x="2895600" y="2895600"/>
+                <a:ext cx="228600" cy="228600"/>
+              </a:xfrm>
+              <a:prstGeom prst="rect">
+                <a:avLst/>
+              </a:prstGeom>
+              <a:solidFill>
+                <a:schemeClr val="bg1"/>
+              </a:solidFill>
+              <a:ln>
+                <a:solidFill>
+                  <a:schemeClr val="bg1">
+                    <a:lumMod val="75000"/>
+                  </a:schemeClr>
+                </a:solidFill>
+              </a:ln>
+            </p:spPr>
+            <p:style>
+              <a:lnRef idx="2">
+                <a:schemeClr val="accent1">
+                  <a:shade val="50000"/>
+                </a:schemeClr>
+              </a:lnRef>
+              <a:fillRef idx="1">
+                <a:schemeClr val="accent1"/>
+              </a:fillRef>
+              <a:effectRef idx="0">
+                <a:schemeClr val="accent1"/>
+              </a:effectRef>
+              <a:fontRef idx="minor">
+                <a:schemeClr val="lt1"/>
+              </a:fontRef>
+            </p:style>
+            <p:txBody>
+              <a:bodyPr rtlCol="0" anchor="ctr"/>
+              <a:lstStyle/>
+              <a:p>
+                <a:pPr algn="ctr"/>
+                <a:endParaRPr lang="en-US"/>
+              </a:p>
+            </p:txBody>
+          </p:sp>
+          <p:sp>
+            <p:nvSpPr>
+              <p:cNvPr id="85" name="Rectangle 84"/>
+              <p:cNvSpPr/>
+              <p:nvPr/>
+            </p:nvSpPr>
+            <p:spPr>
+              <a:xfrm>
+                <a:off x="3124200" y="2895600"/>
+                <a:ext cx="228600" cy="228600"/>
+              </a:xfrm>
+              <a:prstGeom prst="rect">
+                <a:avLst/>
+              </a:prstGeom>
+              <a:solidFill>
+                <a:schemeClr val="bg1"/>
+              </a:solidFill>
+              <a:ln>
+                <a:solidFill>
+                  <a:schemeClr val="bg1">
+                    <a:lumMod val="75000"/>
+                  </a:schemeClr>
+                </a:solidFill>
+              </a:ln>
+            </p:spPr>
+            <p:style>
+              <a:lnRef idx="2">
+                <a:schemeClr val="accent1">
+                  <a:shade val="50000"/>
+                </a:schemeClr>
+              </a:lnRef>
+              <a:fillRef idx="1">
+                <a:schemeClr val="accent1"/>
+              </a:fillRef>
+              <a:effectRef idx="0">
+                <a:schemeClr val="accent1"/>
+              </a:effectRef>
+              <a:fontRef idx="minor">
+                <a:schemeClr val="lt1"/>
+              </a:fontRef>
+            </p:style>
+            <p:txBody>
+              <a:bodyPr rtlCol="0" anchor="ctr"/>
+              <a:lstStyle/>
+              <a:p>
+                <a:pPr algn="ctr"/>
+                <a:endParaRPr lang="en-US"/>
+              </a:p>
+            </p:txBody>
+          </p:sp>
+          <p:sp>
+            <p:nvSpPr>
+              <p:cNvPr id="86" name="Rectangle 85"/>
+              <p:cNvSpPr/>
+              <p:nvPr/>
+            </p:nvSpPr>
+            <p:spPr>
+              <a:xfrm>
+                <a:off x="3352800" y="2895600"/>
+                <a:ext cx="228600" cy="228600"/>
+              </a:xfrm>
+              <a:prstGeom prst="rect">
+                <a:avLst/>
+              </a:prstGeom>
+              <a:solidFill>
+                <a:schemeClr val="tx2">
+                  <a:lumMod val="60000"/>
+                  <a:lumOff val="40000"/>
+                </a:schemeClr>
+              </a:solidFill>
+              <a:ln>
+                <a:solidFill>
+                  <a:schemeClr val="bg1">
+                    <a:lumMod val="75000"/>
+                  </a:schemeClr>
+                </a:solidFill>
+              </a:ln>
+            </p:spPr>
+            <p:style>
+              <a:lnRef idx="2">
+                <a:schemeClr val="accent1">
+                  <a:shade val="50000"/>
+                </a:schemeClr>
+              </a:lnRef>
+              <a:fillRef idx="1">
+                <a:schemeClr val="accent1"/>
+              </a:fillRef>
+              <a:effectRef idx="0">
+                <a:schemeClr val="accent1"/>
+              </a:effectRef>
+              <a:fontRef idx="minor">
+                <a:schemeClr val="lt1"/>
+              </a:fontRef>
+            </p:style>
+            <p:txBody>
+              <a:bodyPr rtlCol="0" anchor="ctr"/>
+              <a:lstStyle/>
+              <a:p>
+                <a:pPr algn="ctr"/>
+                <a:endParaRPr lang="en-US"/>
+              </a:p>
+            </p:txBody>
+          </p:sp>
+          <p:sp>
+            <p:nvSpPr>
+              <p:cNvPr id="87" name="Rectangle 86"/>
+              <p:cNvSpPr/>
+              <p:nvPr/>
+            </p:nvSpPr>
+            <p:spPr>
+              <a:xfrm>
+                <a:off x="3581400" y="2895600"/>
+                <a:ext cx="228600" cy="228600"/>
+              </a:xfrm>
+              <a:prstGeom prst="rect">
+                <a:avLst/>
+              </a:prstGeom>
+              <a:solidFill>
+                <a:schemeClr val="tx2">
+                  <a:lumMod val="20000"/>
+                  <a:lumOff val="80000"/>
+                </a:schemeClr>
+              </a:solidFill>
+              <a:ln>
+                <a:solidFill>
+                  <a:schemeClr val="bg1">
+                    <a:lumMod val="75000"/>
+                  </a:schemeClr>
+                </a:solidFill>
+              </a:ln>
+            </p:spPr>
+            <p:style>
+              <a:lnRef idx="2">
+                <a:schemeClr val="accent1">
+                  <a:shade val="50000"/>
+                </a:schemeClr>
+              </a:lnRef>
+              <a:fillRef idx="1">
+                <a:schemeClr val="accent1"/>
+              </a:fillRef>
+              <a:effectRef idx="0">
+                <a:schemeClr val="accent1"/>
+              </a:effectRef>
+              <a:fontRef idx="minor">
+                <a:schemeClr val="lt1"/>
+              </a:fontRef>
+            </p:style>
+            <p:txBody>
+              <a:bodyPr rtlCol="0" anchor="ctr"/>
+              <a:lstStyle/>
+              <a:p>
+                <a:pPr algn="ctr"/>
+                <a:endParaRPr lang="en-US"/>
+              </a:p>
+            </p:txBody>
+          </p:sp>
+          <p:sp>
+            <p:nvSpPr>
+              <p:cNvPr id="88" name="Rectangle 87"/>
+              <p:cNvSpPr/>
+              <p:nvPr/>
+            </p:nvSpPr>
+            <p:spPr>
+              <a:xfrm>
+                <a:off x="3810000" y="2895600"/>
+                <a:ext cx="228600" cy="228600"/>
+              </a:xfrm>
+              <a:prstGeom prst="rect">
+                <a:avLst/>
+              </a:prstGeom>
+              <a:solidFill>
+                <a:schemeClr val="tx2">
+                  <a:lumMod val="40000"/>
+                  <a:lumOff val="60000"/>
+                </a:schemeClr>
+              </a:solidFill>
+              <a:ln>
+                <a:solidFill>
+                  <a:schemeClr val="bg1">
+                    <a:lumMod val="75000"/>
+                  </a:schemeClr>
+                </a:solidFill>
+              </a:ln>
+            </p:spPr>
+            <p:style>
+              <a:lnRef idx="2">
+                <a:schemeClr val="accent1">
+                  <a:shade val="50000"/>
+                </a:schemeClr>
+              </a:lnRef>
+              <a:fillRef idx="1">
+                <a:schemeClr val="accent1"/>
+              </a:fillRef>
+              <a:effectRef idx="0">
+                <a:schemeClr val="accent1"/>
+              </a:effectRef>
+              <a:fontRef idx="minor">
+                <a:schemeClr val="lt1"/>
+              </a:fontRef>
+            </p:style>
+            <p:txBody>
+              <a:bodyPr rtlCol="0" anchor="ctr"/>
+              <a:lstStyle/>
+              <a:p>
+                <a:pPr algn="ctr"/>
+                <a:endParaRPr lang="en-US"/>
+              </a:p>
+            </p:txBody>
+          </p:sp>
+          <p:sp>
+            <p:nvSpPr>
+              <p:cNvPr id="89" name="Rectangle 88"/>
+              <p:cNvSpPr/>
+              <p:nvPr/>
+            </p:nvSpPr>
+            <p:spPr>
+              <a:xfrm>
+                <a:off x="2895600" y="3124200"/>
+                <a:ext cx="228600" cy="228600"/>
+              </a:xfrm>
+              <a:prstGeom prst="rect">
+                <a:avLst/>
+              </a:prstGeom>
+              <a:solidFill>
+                <a:schemeClr val="bg1"/>
+              </a:solidFill>
+              <a:ln>
+                <a:solidFill>
+                  <a:schemeClr val="bg1">
+                    <a:lumMod val="75000"/>
+                  </a:schemeClr>
+                </a:solidFill>
+              </a:ln>
+            </p:spPr>
+            <p:style>
+              <a:lnRef idx="2">
+                <a:schemeClr val="accent1">
+                  <a:shade val="50000"/>
+                </a:schemeClr>
+              </a:lnRef>
+              <a:fillRef idx="1">
+                <a:schemeClr val="accent1"/>
+              </a:fillRef>
+              <a:effectRef idx="0">
+                <a:schemeClr val="accent1"/>
+              </a:effectRef>
+              <a:fontRef idx="minor">
+                <a:schemeClr val="lt1"/>
+              </a:fontRef>
+            </p:style>
+            <p:txBody>
+              <a:bodyPr rtlCol="0" anchor="ctr"/>
+              <a:lstStyle/>
+              <a:p>
+                <a:pPr algn="ctr"/>
+                <a:endParaRPr lang="en-US"/>
+              </a:p>
+            </p:txBody>
+          </p:sp>
+          <p:sp>
+            <p:nvSpPr>
+              <p:cNvPr id="90" name="Rectangle 89"/>
+              <p:cNvSpPr/>
+              <p:nvPr/>
+            </p:nvSpPr>
+            <p:spPr>
+              <a:xfrm>
+                <a:off x="3124200" y="3124200"/>
+                <a:ext cx="228600" cy="228600"/>
+              </a:xfrm>
+              <a:prstGeom prst="rect">
+                <a:avLst/>
+              </a:prstGeom>
+              <a:solidFill>
+                <a:schemeClr val="bg1"/>
+              </a:solidFill>
+              <a:ln>
+                <a:solidFill>
+                  <a:schemeClr val="bg1">
+                    <a:lumMod val="75000"/>
+                  </a:schemeClr>
+                </a:solidFill>
+              </a:ln>
+            </p:spPr>
+            <p:style>
+              <a:lnRef idx="2">
+                <a:schemeClr val="accent1">
+                  <a:shade val="50000"/>
+                </a:schemeClr>
+              </a:lnRef>
+              <a:fillRef idx="1">
+                <a:schemeClr val="accent1"/>
+              </a:fillRef>
+              <a:effectRef idx="0">
+                <a:schemeClr val="accent1"/>
+              </a:effectRef>
+              <a:fontRef idx="minor">
+                <a:schemeClr val="lt1"/>
+              </a:fontRef>
+            </p:style>
+            <p:txBody>
+              <a:bodyPr rtlCol="0" anchor="ctr"/>
+              <a:lstStyle/>
+              <a:p>
+                <a:pPr algn="ctr"/>
+                <a:endParaRPr lang="en-US"/>
+              </a:p>
+            </p:txBody>
+          </p:sp>
+          <p:sp>
+            <p:nvSpPr>
+              <p:cNvPr id="91" name="Rectangle 90"/>
+              <p:cNvSpPr/>
+              <p:nvPr/>
+            </p:nvSpPr>
+            <p:spPr>
+              <a:xfrm>
+                <a:off x="3352800" y="3124200"/>
+                <a:ext cx="228600" cy="228600"/>
+              </a:xfrm>
+              <a:prstGeom prst="rect">
+                <a:avLst/>
+              </a:prstGeom>
+              <a:solidFill>
+                <a:schemeClr val="tx2">
+                  <a:lumMod val="40000"/>
+                  <a:lumOff val="60000"/>
+                </a:schemeClr>
+              </a:solidFill>
+              <a:ln>
+                <a:solidFill>
+                  <a:schemeClr val="bg1">
+                    <a:lumMod val="75000"/>
+                  </a:schemeClr>
+                </a:solidFill>
+              </a:ln>
+            </p:spPr>
+            <p:style>
+              <a:lnRef idx="2">
+                <a:schemeClr val="accent1">
+                  <a:shade val="50000"/>
+                </a:schemeClr>
+              </a:lnRef>
+              <a:fillRef idx="1">
+                <a:schemeClr val="accent1"/>
+              </a:fillRef>
+              <a:effectRef idx="0">
+                <a:schemeClr val="accent1"/>
+              </a:effectRef>
+              <a:fontRef idx="minor">
+                <a:schemeClr val="lt1"/>
+              </a:fontRef>
+            </p:style>
+            <p:txBody>
+              <a:bodyPr rtlCol="0" anchor="ctr"/>
+              <a:lstStyle/>
+              <a:p>
+                <a:pPr algn="ctr"/>
+                <a:endParaRPr lang="en-US"/>
+              </a:p>
+            </p:txBody>
+          </p:sp>
+          <p:sp>
+            <p:nvSpPr>
+              <p:cNvPr id="92" name="Rectangle 91"/>
+              <p:cNvSpPr/>
+              <p:nvPr/>
+            </p:nvSpPr>
+            <p:spPr>
+              <a:xfrm>
+                <a:off x="3581400" y="3124200"/>
+                <a:ext cx="228600" cy="228600"/>
+              </a:xfrm>
+              <a:prstGeom prst="rect">
+                <a:avLst/>
+              </a:prstGeom>
+              <a:solidFill>
+                <a:schemeClr val="tx2">
+                  <a:lumMod val="60000"/>
+                  <a:lumOff val="40000"/>
+                </a:schemeClr>
+              </a:solidFill>
+              <a:ln>
+                <a:solidFill>
+                  <a:schemeClr val="bg1">
+                    <a:lumMod val="75000"/>
+                  </a:schemeClr>
+                </a:solidFill>
+              </a:ln>
+            </p:spPr>
+            <p:style>
+              <a:lnRef idx="2">
+                <a:schemeClr val="accent1">
+                  <a:shade val="50000"/>
+                </a:schemeClr>
+              </a:lnRef>
+              <a:fillRef idx="1">
+                <a:schemeClr val="accent1"/>
+              </a:fillRef>
+              <a:effectRef idx="0">
+                <a:schemeClr val="accent1"/>
+              </a:effectRef>
+              <a:fontRef idx="minor">
+                <a:schemeClr val="lt1"/>
+              </a:fontRef>
+            </p:style>
+            <p:txBody>
+              <a:bodyPr rtlCol="0" anchor="ctr"/>
+              <a:lstStyle/>
+              <a:p>
+                <a:pPr algn="ctr"/>
+                <a:endParaRPr lang="en-US"/>
+              </a:p>
+            </p:txBody>
+          </p:sp>
+          <p:sp>
+            <p:nvSpPr>
+              <p:cNvPr id="93" name="Rectangle 92"/>
+              <p:cNvSpPr/>
+              <p:nvPr/>
+            </p:nvSpPr>
+            <p:spPr>
+              <a:xfrm>
+                <a:off x="3810000" y="3124200"/>
+                <a:ext cx="228600" cy="228600"/>
+              </a:xfrm>
+              <a:prstGeom prst="rect">
+                <a:avLst/>
+              </a:prstGeom>
+              <a:solidFill>
+                <a:schemeClr val="tx2">
+                  <a:lumMod val="40000"/>
+                  <a:lumOff val="60000"/>
+                </a:schemeClr>
+              </a:solidFill>
+              <a:ln>
+                <a:solidFill>
+                  <a:schemeClr val="bg1">
+                    <a:lumMod val="75000"/>
+                  </a:schemeClr>
+                </a:solidFill>
+              </a:ln>
+            </p:spPr>
+            <p:style>
+              <a:lnRef idx="2">
+                <a:schemeClr val="accent1">
+                  <a:shade val="50000"/>
+                </a:schemeClr>
+              </a:lnRef>
+              <a:fillRef idx="1">
+                <a:schemeClr val="accent1"/>
+              </a:fillRef>
+              <a:effectRef idx="0">
+                <a:schemeClr val="accent1"/>
+              </a:effectRef>
+              <a:fontRef idx="minor">
+                <a:schemeClr val="lt1"/>
+              </a:fontRef>
+            </p:style>
+            <p:txBody>
+              <a:bodyPr rtlCol="0" anchor="ctr"/>
+              <a:lstStyle/>
+              <a:p>
+                <a:pPr algn="ctr"/>
+                <a:endParaRPr lang="en-US"/>
+              </a:p>
+            </p:txBody>
+          </p:sp>
+          <p:sp>
+            <p:nvSpPr>
+              <p:cNvPr id="94" name="Rectangle 93"/>
+              <p:cNvSpPr/>
+              <p:nvPr/>
+            </p:nvSpPr>
+            <p:spPr>
+              <a:xfrm>
+                <a:off x="2895600" y="3352800"/>
+                <a:ext cx="228600" cy="228600"/>
+              </a:xfrm>
+              <a:prstGeom prst="rect">
+                <a:avLst/>
+              </a:prstGeom>
+              <a:solidFill>
+                <a:schemeClr val="bg1"/>
+              </a:solidFill>
+              <a:ln>
+                <a:solidFill>
+                  <a:schemeClr val="bg1">
+                    <a:lumMod val="75000"/>
+                  </a:schemeClr>
+                </a:solidFill>
+              </a:ln>
+            </p:spPr>
+            <p:style>
+              <a:lnRef idx="2">
+                <a:schemeClr val="accent1">
+                  <a:shade val="50000"/>
+                </a:schemeClr>
+              </a:lnRef>
+              <a:fillRef idx="1">
+                <a:schemeClr val="accent1"/>
+              </a:fillRef>
+              <a:effectRef idx="0">
+                <a:schemeClr val="accent1"/>
+              </a:effectRef>
+              <a:fontRef idx="minor">
+                <a:schemeClr val="lt1"/>
+              </a:fontRef>
+            </p:style>
+            <p:txBody>
+              <a:bodyPr rtlCol="0" anchor="ctr"/>
+              <a:lstStyle/>
+              <a:p>
+                <a:pPr algn="ctr"/>
+                <a:endParaRPr lang="en-US"/>
+              </a:p>
+            </p:txBody>
+          </p:sp>
+          <p:sp>
+            <p:nvSpPr>
+              <p:cNvPr id="95" name="Rectangle 94"/>
+              <p:cNvSpPr/>
+              <p:nvPr/>
+            </p:nvSpPr>
+            <p:spPr>
+              <a:xfrm>
+                <a:off x="3124200" y="3352800"/>
+                <a:ext cx="228600" cy="228600"/>
+              </a:xfrm>
+              <a:prstGeom prst="rect">
+                <a:avLst/>
+              </a:prstGeom>
+              <a:solidFill>
+                <a:schemeClr val="bg1"/>
+              </a:solidFill>
+              <a:ln>
+                <a:solidFill>
+                  <a:schemeClr val="bg1">
+                    <a:lumMod val="75000"/>
+                  </a:schemeClr>
+                </a:solidFill>
+              </a:ln>
+            </p:spPr>
+            <p:style>
+              <a:lnRef idx="2">
+                <a:schemeClr val="accent1">
+                  <a:shade val="50000"/>
+                </a:schemeClr>
+              </a:lnRef>
+              <a:fillRef idx="1">
+                <a:schemeClr val="accent1"/>
+              </a:fillRef>
+              <a:effectRef idx="0">
+                <a:schemeClr val="accent1"/>
+              </a:effectRef>
+              <a:fontRef idx="minor">
+                <a:schemeClr val="lt1"/>
+              </a:fontRef>
+            </p:style>
+            <p:txBody>
+              <a:bodyPr rtlCol="0" anchor="ctr"/>
+              <a:lstStyle/>
+              <a:p>
+                <a:pPr algn="ctr"/>
+                <a:endParaRPr lang="en-US"/>
+              </a:p>
+            </p:txBody>
+          </p:sp>
+          <p:sp>
+            <p:nvSpPr>
+              <p:cNvPr id="96" name="Rectangle 95"/>
+              <p:cNvSpPr/>
+              <p:nvPr/>
+            </p:nvSpPr>
+            <p:spPr>
+              <a:xfrm>
+                <a:off x="3352800" y="3352800"/>
+                <a:ext cx="228600" cy="228600"/>
+              </a:xfrm>
+              <a:prstGeom prst="rect">
+                <a:avLst/>
+              </a:prstGeom>
+              <a:solidFill>
+                <a:schemeClr val="tx2">
+                  <a:lumMod val="60000"/>
+                  <a:lumOff val="40000"/>
+                </a:schemeClr>
+              </a:solidFill>
+              <a:ln>
+                <a:solidFill>
+                  <a:schemeClr val="bg1">
+                    <a:lumMod val="75000"/>
+                  </a:schemeClr>
+                </a:solidFill>
+              </a:ln>
+            </p:spPr>
+            <p:style>
+              <a:lnRef idx="2">
+                <a:schemeClr val="accent1">
+                  <a:shade val="50000"/>
+                </a:schemeClr>
+              </a:lnRef>
+              <a:fillRef idx="1">
+                <a:schemeClr val="accent1"/>
+              </a:fillRef>
+              <a:effectRef idx="0">
+                <a:schemeClr val="accent1"/>
+              </a:effectRef>
+              <a:fontRef idx="minor">
+                <a:schemeClr val="lt1"/>
+              </a:fontRef>
+            </p:style>
+            <p:txBody>
+              <a:bodyPr rtlCol="0" anchor="ctr"/>
+              <a:lstStyle/>
+              <a:p>
+                <a:pPr algn="ctr"/>
+                <a:endParaRPr lang="en-US"/>
+              </a:p>
+            </p:txBody>
+          </p:sp>
+          <p:sp>
+            <p:nvSpPr>
+              <p:cNvPr id="97" name="Rectangle 96"/>
+              <p:cNvSpPr/>
+              <p:nvPr/>
+            </p:nvSpPr>
+            <p:spPr>
+              <a:xfrm>
+                <a:off x="3581400" y="3352800"/>
+                <a:ext cx="228600" cy="228600"/>
+              </a:xfrm>
+              <a:prstGeom prst="rect">
+                <a:avLst/>
+              </a:prstGeom>
+              <a:solidFill>
+                <a:schemeClr val="tx2">
+                  <a:lumMod val="20000"/>
+                  <a:lumOff val="80000"/>
+                </a:schemeClr>
+              </a:solidFill>
+              <a:ln>
+                <a:solidFill>
+                  <a:schemeClr val="bg1">
+                    <a:lumMod val="75000"/>
+                  </a:schemeClr>
+                </a:solidFill>
+              </a:ln>
+            </p:spPr>
+            <p:style>
+              <a:lnRef idx="2">
+                <a:schemeClr val="accent1">
+                  <a:shade val="50000"/>
+                </a:schemeClr>
+              </a:lnRef>
+              <a:fillRef idx="1">
+                <a:schemeClr val="accent1"/>
+              </a:fillRef>
+              <a:effectRef idx="0">
+                <a:schemeClr val="accent1"/>
+              </a:effectRef>
+              <a:fontRef idx="minor">
+                <a:schemeClr val="lt1"/>
+              </a:fontRef>
+            </p:style>
+            <p:txBody>
+              <a:bodyPr rtlCol="0" anchor="ctr"/>
+              <a:lstStyle/>
+              <a:p>
+                <a:pPr algn="ctr"/>
+                <a:endParaRPr lang="en-US"/>
+              </a:p>
+            </p:txBody>
+          </p:sp>
+          <p:sp>
+            <p:nvSpPr>
+              <p:cNvPr id="98" name="Rectangle 97"/>
+              <p:cNvSpPr/>
+              <p:nvPr/>
+            </p:nvSpPr>
+            <p:spPr>
+              <a:xfrm>
+                <a:off x="3810000" y="3352800"/>
+                <a:ext cx="228600" cy="228600"/>
+              </a:xfrm>
+              <a:prstGeom prst="rect">
+                <a:avLst/>
+              </a:prstGeom>
+              <a:solidFill>
+                <a:schemeClr val="tx2">
+                  <a:lumMod val="60000"/>
+                  <a:lumOff val="40000"/>
+                </a:schemeClr>
+              </a:solidFill>
+              <a:ln>
+                <a:solidFill>
+                  <a:schemeClr val="bg1">
+                    <a:lumMod val="75000"/>
+                  </a:schemeClr>
+                </a:solidFill>
+              </a:ln>
+            </p:spPr>
+            <p:style>
+              <a:lnRef idx="2">
+                <a:schemeClr val="accent1">
+                  <a:shade val="50000"/>
+                </a:schemeClr>
+              </a:lnRef>
+              <a:fillRef idx="1">
+                <a:schemeClr val="accent1"/>
+              </a:fillRef>
+              <a:effectRef idx="0">
+                <a:schemeClr val="accent1"/>
+              </a:effectRef>
+              <a:fontRef idx="minor">
+                <a:schemeClr val="lt1"/>
+              </a:fontRef>
+            </p:style>
+            <p:txBody>
+              <a:bodyPr rtlCol="0" anchor="ctr"/>
+              <a:lstStyle/>
+              <a:p>
+                <a:pPr algn="ctr"/>
+                <a:endParaRPr lang="en-US"/>
+              </a:p>
+            </p:txBody>
+          </p:sp>
+        </p:grpSp>
+        <p:cxnSp>
+          <p:nvCxnSpPr>
+            <p:cNvPr id="63" name="Straight Arrow Connector 62"/>
+            <p:cNvCxnSpPr/>
+            <p:nvPr/>
+          </p:nvCxnSpPr>
+          <p:spPr>
+            <a:xfrm rot="5400000">
+              <a:off x="4922520" y="4373407"/>
+              <a:ext cx="1059660" cy="648173"/>
+            </a:xfrm>
+            <a:prstGeom prst="straightConnector1">
+              <a:avLst/>
+            </a:prstGeom>
+            <a:ln w="50800">
+              <a:solidFill>
+                <a:schemeClr val="tx1"/>
+              </a:solidFill>
+              <a:tailEnd type="arrow"/>
+            </a:ln>
+          </p:spPr>
+          <p:style>
+            <a:lnRef idx="1">
+              <a:schemeClr val="accent1"/>
+            </a:lnRef>
+            <a:fillRef idx="0">
+              <a:schemeClr val="accent1"/>
+            </a:fillRef>
+            <a:effectRef idx="0">
+              <a:schemeClr val="accent1"/>
+            </a:effectRef>
+            <a:fontRef idx="minor">
+              <a:schemeClr val="tx1"/>
+            </a:fontRef>
+          </p:style>
+        </p:cxnSp>
+        <p:cxnSp>
+          <p:nvCxnSpPr>
+            <p:cNvPr id="69" name="Straight Arrow Connector 68"/>
+            <p:cNvCxnSpPr/>
+            <p:nvPr/>
+          </p:nvCxnSpPr>
+          <p:spPr>
+            <a:xfrm>
+              <a:off x="5772150" y="4166522"/>
+              <a:ext cx="1219200" cy="1588"/>
+            </a:xfrm>
+            <a:prstGeom prst="straightConnector1">
+              <a:avLst/>
+            </a:prstGeom>
+            <a:ln w="50800">
+              <a:solidFill>
+                <a:schemeClr val="tx1"/>
+              </a:solidFill>
+              <a:tailEnd type="arrow"/>
+            </a:ln>
+          </p:spPr>
+          <p:style>
+            <a:lnRef idx="1">
+              <a:schemeClr val="accent1"/>
+            </a:lnRef>
+            <a:fillRef idx="0">
+              <a:schemeClr val="accent1"/>
+            </a:fillRef>
+            <a:effectRef idx="0">
+              <a:schemeClr val="accent1"/>
+            </a:effectRef>
+            <a:fontRef idx="minor">
+              <a:schemeClr val="tx1"/>
+            </a:fontRef>
+          </p:style>
+        </p:cxnSp>
+        <p:sp>
+          <p:nvSpPr>
+            <p:cNvPr id="70" name="Oval 69"/>
+            <p:cNvSpPr/>
+            <p:nvPr/>
+          </p:nvSpPr>
+          <p:spPr>
+            <a:xfrm>
+              <a:off x="5757386" y="4150995"/>
+              <a:ext cx="45719" cy="45719"/>
+            </a:xfrm>
+            <a:prstGeom prst="ellipse">
+              <a:avLst/>
+            </a:prstGeom>
+            <a:solidFill>
+              <a:schemeClr val="tx1"/>
+            </a:solidFill>
+            <a:ln w="28575">
+              <a:noFill/>
+            </a:ln>
+          </p:spPr>
+          <p:style>
+            <a:lnRef idx="2">
+              <a:schemeClr val="accent1">
+                <a:shade val="50000"/>
+              </a:schemeClr>
+            </a:lnRef>
+            <a:fillRef idx="1">
+              <a:schemeClr val="accent1"/>
+            </a:fillRef>
+            <a:effectRef idx="0">
+              <a:schemeClr val="accent1"/>
+            </a:effectRef>
+            <a:fontRef idx="minor">
+              <a:schemeClr val="lt1"/>
+            </a:fontRef>
+          </p:style>
+          <p:txBody>
+            <a:bodyPr rtlCol="0" anchor="ctr"/>
+            <a:lstStyle/>
+            <a:p>
+              <a:pPr algn="ctr"/>
+              <a:endParaRPr lang="en-US"/>
+            </a:p>
+          </p:txBody>
+        </p:sp>
+        <p:cxnSp>
+          <p:nvCxnSpPr>
+            <p:cNvPr id="71" name="Straight Connector 70"/>
+            <p:cNvCxnSpPr/>
+            <p:nvPr/>
+          </p:nvCxnSpPr>
+          <p:spPr>
+            <a:xfrm rot="16200000" flipH="1">
+              <a:off x="4941570" y="3830954"/>
+              <a:ext cx="1819274" cy="923925"/>
+            </a:xfrm>
+            <a:prstGeom prst="line">
+              <a:avLst/>
+            </a:prstGeom>
+            <a:ln w="25400">
+              <a:solidFill>
+                <a:schemeClr val="tx1"/>
+              </a:solidFill>
+            </a:ln>
+          </p:spPr>
+          <p:style>
+            <a:lnRef idx="1">
+              <a:schemeClr val="accent1"/>
+            </a:lnRef>
+            <a:fillRef idx="0">
+              <a:schemeClr val="accent1"/>
+            </a:fillRef>
+            <a:effectRef idx="0">
+              <a:schemeClr val="accent1"/>
+            </a:effectRef>
+            <a:fontRef idx="minor">
+              <a:schemeClr val="tx1"/>
+            </a:fontRef>
+          </p:style>
+        </p:cxnSp>
+        <p:sp>
+          <p:nvSpPr>
+            <p:cNvPr id="72" name="TextBox 71"/>
+            <p:cNvSpPr txBox="1"/>
+            <p:nvPr/>
+          </p:nvSpPr>
+          <p:spPr>
+            <a:xfrm>
+              <a:off x="5508879" y="4785360"/>
+              <a:ext cx="292608" cy="400110"/>
+            </a:xfrm>
+            <a:prstGeom prst="rect">
+              <a:avLst/>
+            </a:prstGeom>
+            <a:noFill/>
+            <a:ln>
+              <a:noFill/>
+            </a:ln>
+          </p:spPr>
+          <p:txBody>
+            <a:bodyPr wrap="square" rtlCol="0">
+              <a:spAutoFit/>
+            </a:bodyPr>
+            <a:lstStyle/>
+            <a:p>
+              <a:r>
+                <a:rPr lang="el-GR" sz="2000" b="1" dirty="0" smtClean="0"/>
+                <a:t>θ</a:t>
+              </a:r>
+              <a:endParaRPr lang="en-US" sz="2000" b="1" dirty="0"/>
+            </a:p>
+          </p:txBody>
+        </p:sp>
+        <p:sp>
+          <p:nvSpPr>
+            <p:cNvPr id="73" name="TextBox 72"/>
+            <p:cNvSpPr txBox="1"/>
+            <p:nvPr/>
+          </p:nvSpPr>
+          <p:spPr>
+            <a:xfrm>
+              <a:off x="6379464" y="4274820"/>
               <a:ext cx="292608" cy="400110"/>
             </a:xfrm>
             <a:prstGeom prst="rect">
